--- a/RichWeb/Lecture/Week3/13 - JSON.pptx
+++ b/RichWeb/Lecture/Week3/13 - JSON.pptx
@@ -1,43 +1,49 @@
 
 <file path=ppt/presentation.xml><?xml version="1.0" encoding="utf-8"?>
-<p:presentation xmlns:a="http://schemas.openxmlformats.org/drawingml/2006/main" xmlns:r="http://schemas.openxmlformats.org/officeDocument/2006/relationships" xmlns:mc="http://schemas.openxmlformats.org/markup-compatibility/2006" xmlns:mv="urn:schemas-microsoft-com:mac:vml" xmlns:p="http://schemas.openxmlformats.org/presentationml/2006/main" xmlns:c="http://schemas.openxmlformats.org/drawingml/2006/chart" xmlns:dgm="http://schemas.openxmlformats.org/drawingml/2006/diagram" xmlns:o="urn:schemas-microsoft-com:office:office" xmlns:v="urn:schemas-microsoft-com:vml" xmlns:pvml="urn:schemas-microsoft-com:office:powerpoint" xmlns:com="http://schemas.openxmlformats.org/drawingml/2006/compatibility" xmlns:p14="http://schemas.microsoft.com/office/powerpoint/2010/main" xmlns:p15="http://schemas.microsoft.com/office/powerpoint/2012/main" autoCompressPictures="0" embedTrueTypeFonts="1" strictFirstAndLastChars="0" saveSubsetFonts="1">
+<p:presentation xmlns:a="http://schemas.openxmlformats.org/drawingml/2006/main" xmlns:r="http://schemas.openxmlformats.org/officeDocument/2006/relationships" xmlns:p="http://schemas.openxmlformats.org/presentationml/2006/main" strictFirstAndLastChars="0" embedTrueTypeFonts="1" saveSubsetFonts="1" autoCompressPictures="0">
   <p:sldMasterIdLst>
-    <p:sldMasterId id="2147483659" r:id="rId4"/>
+    <p:sldMasterId id="2147483659" r:id="rId1"/>
   </p:sldMasterIdLst>
   <p:notesMasterIdLst>
-    <p:notesMasterId r:id="rId5"/>
+    <p:notesMasterId r:id="rId12"/>
   </p:notesMasterIdLst>
   <p:sldIdLst>
-    <p:sldId id="256" r:id="rId6"/>
-    <p:sldId id="257" r:id="rId7"/>
-    <p:sldId id="258" r:id="rId8"/>
-    <p:sldId id="259" r:id="rId9"/>
-    <p:sldId id="260" r:id="rId10"/>
-    <p:sldId id="261" r:id="rId11"/>
-    <p:sldId id="262" r:id="rId12"/>
-    <p:sldId id="263" r:id="rId13"/>
-    <p:sldId id="264" r:id="rId14"/>
-    <p:sldId id="265" r:id="rId15"/>
-    <p:sldId id="266" r:id="rId16"/>
+    <p:sldId id="256" r:id="rId2"/>
+    <p:sldId id="257" r:id="rId3"/>
+    <p:sldId id="258" r:id="rId4"/>
+    <p:sldId id="259" r:id="rId5"/>
+    <p:sldId id="260" r:id="rId6"/>
+    <p:sldId id="261" r:id="rId7"/>
+    <p:sldId id="262" r:id="rId8"/>
+    <p:sldId id="263" r:id="rId9"/>
+    <p:sldId id="264" r:id="rId10"/>
+    <p:sldId id="265" r:id="rId11"/>
   </p:sldIdLst>
-  <p:sldSz cy="5143500" cx="9144000"/>
+  <p:sldSz cx="9144000" cy="5143500" type="screen16x9"/>
   <p:notesSz cx="6858000" cy="9144000"/>
   <p:embeddedFontLst>
     <p:embeddedFont>
-      <p:font typeface="PT Sans Narrow"/>
+      <p:font typeface="Consolas" panose="020B0609020204030204" pitchFamily="49" charset="0"/>
+      <p:regular r:id="rId13"/>
+      <p:bold r:id="rId14"/>
+      <p:italic r:id="rId15"/>
+      <p:boldItalic r:id="rId16"/>
+    </p:embeddedFont>
+    <p:embeddedFont>
+      <p:font typeface="Open Sans" panose="020B0604020202020204" charset="0"/>
       <p:regular r:id="rId17"/>
       <p:bold r:id="rId18"/>
+      <p:italic r:id="rId19"/>
+      <p:boldItalic r:id="rId20"/>
     </p:embeddedFont>
     <p:embeddedFont>
-      <p:font typeface="Open Sans"/>
-      <p:regular r:id="rId19"/>
-      <p:bold r:id="rId20"/>
-      <p:italic r:id="rId21"/>
-      <p:boldItalic r:id="rId22"/>
+      <p:font typeface="PT Sans Narrow" panose="020B0604020202020204" charset="0"/>
+      <p:regular r:id="rId21"/>
+      <p:bold r:id="rId22"/>
     </p:embeddedFont>
   </p:embeddedFontLst>
   <p:defaultTextStyle>
-    <a:defPPr lvl="0" marR="0" rtl="0" algn="l">
+    <a:defPPr marR="0" lvl="0" algn="l" rtl="0">
       <a:lnSpc>
         <a:spcPct val="100000"/>
       </a:lnSpc>
@@ -48,7 +54,7 @@
         <a:spcPts val="0"/>
       </a:spcAft>
     </a:defPPr>
-    <a:lvl1pPr lvl="0" marR="0" rtl="0" algn="l">
+    <a:lvl1pPr marR="0" lvl="0" algn="l" rtl="0">
       <a:lnSpc>
         <a:spcPct val="100000"/>
       </a:lnSpc>
@@ -62,7 +68,7 @@
         <a:srgbClr val="000000"/>
       </a:buClr>
       <a:buFont typeface="Arial"/>
-      <a:defRPr b="0" i="0" sz="1400" u="none" cap="none" strike="noStrike">
+      <a:defRPr sz="1400" b="0" i="0" u="none" strike="noStrike" cap="none">
         <a:solidFill>
           <a:srgbClr val="000000"/>
         </a:solidFill>
@@ -72,7 +78,7 @@
         <a:sym typeface="Arial"/>
       </a:defRPr>
     </a:lvl1pPr>
-    <a:lvl2pPr lvl="1" marR="0" rtl="0" algn="l">
+    <a:lvl2pPr marR="0" lvl="1" algn="l" rtl="0">
       <a:lnSpc>
         <a:spcPct val="100000"/>
       </a:lnSpc>
@@ -86,7 +92,7 @@
         <a:srgbClr val="000000"/>
       </a:buClr>
       <a:buFont typeface="Arial"/>
-      <a:defRPr b="0" i="0" sz="1400" u="none" cap="none" strike="noStrike">
+      <a:defRPr sz="1400" b="0" i="0" u="none" strike="noStrike" cap="none">
         <a:solidFill>
           <a:srgbClr val="000000"/>
         </a:solidFill>
@@ -96,7 +102,7 @@
         <a:sym typeface="Arial"/>
       </a:defRPr>
     </a:lvl2pPr>
-    <a:lvl3pPr lvl="2" marR="0" rtl="0" algn="l">
+    <a:lvl3pPr marR="0" lvl="2" algn="l" rtl="0">
       <a:lnSpc>
         <a:spcPct val="100000"/>
       </a:lnSpc>
@@ -110,7 +116,7 @@
         <a:srgbClr val="000000"/>
       </a:buClr>
       <a:buFont typeface="Arial"/>
-      <a:defRPr b="0" i="0" sz="1400" u="none" cap="none" strike="noStrike">
+      <a:defRPr sz="1400" b="0" i="0" u="none" strike="noStrike" cap="none">
         <a:solidFill>
           <a:srgbClr val="000000"/>
         </a:solidFill>
@@ -120,7 +126,7 @@
         <a:sym typeface="Arial"/>
       </a:defRPr>
     </a:lvl3pPr>
-    <a:lvl4pPr lvl="3" marR="0" rtl="0" algn="l">
+    <a:lvl4pPr marR="0" lvl="3" algn="l" rtl="0">
       <a:lnSpc>
         <a:spcPct val="100000"/>
       </a:lnSpc>
@@ -134,7 +140,7 @@
         <a:srgbClr val="000000"/>
       </a:buClr>
       <a:buFont typeface="Arial"/>
-      <a:defRPr b="0" i="0" sz="1400" u="none" cap="none" strike="noStrike">
+      <a:defRPr sz="1400" b="0" i="0" u="none" strike="noStrike" cap="none">
         <a:solidFill>
           <a:srgbClr val="000000"/>
         </a:solidFill>
@@ -144,7 +150,7 @@
         <a:sym typeface="Arial"/>
       </a:defRPr>
     </a:lvl4pPr>
-    <a:lvl5pPr lvl="4" marR="0" rtl="0" algn="l">
+    <a:lvl5pPr marR="0" lvl="4" algn="l" rtl="0">
       <a:lnSpc>
         <a:spcPct val="100000"/>
       </a:lnSpc>
@@ -158,7 +164,7 @@
         <a:srgbClr val="000000"/>
       </a:buClr>
       <a:buFont typeface="Arial"/>
-      <a:defRPr b="0" i="0" sz="1400" u="none" cap="none" strike="noStrike">
+      <a:defRPr sz="1400" b="0" i="0" u="none" strike="noStrike" cap="none">
         <a:solidFill>
           <a:srgbClr val="000000"/>
         </a:solidFill>
@@ -168,7 +174,7 @@
         <a:sym typeface="Arial"/>
       </a:defRPr>
     </a:lvl5pPr>
-    <a:lvl6pPr lvl="5" marR="0" rtl="0" algn="l">
+    <a:lvl6pPr marR="0" lvl="5" algn="l" rtl="0">
       <a:lnSpc>
         <a:spcPct val="100000"/>
       </a:lnSpc>
@@ -182,7 +188,7 @@
         <a:srgbClr val="000000"/>
       </a:buClr>
       <a:buFont typeface="Arial"/>
-      <a:defRPr b="0" i="0" sz="1400" u="none" cap="none" strike="noStrike">
+      <a:defRPr sz="1400" b="0" i="0" u="none" strike="noStrike" cap="none">
         <a:solidFill>
           <a:srgbClr val="000000"/>
         </a:solidFill>
@@ -192,7 +198,7 @@
         <a:sym typeface="Arial"/>
       </a:defRPr>
     </a:lvl6pPr>
-    <a:lvl7pPr lvl="6" marR="0" rtl="0" algn="l">
+    <a:lvl7pPr marR="0" lvl="6" algn="l" rtl="0">
       <a:lnSpc>
         <a:spcPct val="100000"/>
       </a:lnSpc>
@@ -206,7 +212,7 @@
         <a:srgbClr val="000000"/>
       </a:buClr>
       <a:buFont typeface="Arial"/>
-      <a:defRPr b="0" i="0" sz="1400" u="none" cap="none" strike="noStrike">
+      <a:defRPr sz="1400" b="0" i="0" u="none" strike="noStrike" cap="none">
         <a:solidFill>
           <a:srgbClr val="000000"/>
         </a:solidFill>
@@ -216,7 +222,7 @@
         <a:sym typeface="Arial"/>
       </a:defRPr>
     </a:lvl7pPr>
-    <a:lvl8pPr lvl="7" marR="0" rtl="0" algn="l">
+    <a:lvl8pPr marR="0" lvl="7" algn="l" rtl="0">
       <a:lnSpc>
         <a:spcPct val="100000"/>
       </a:lnSpc>
@@ -230,7 +236,7 @@
         <a:srgbClr val="000000"/>
       </a:buClr>
       <a:buFont typeface="Arial"/>
-      <a:defRPr b="0" i="0" sz="1400" u="none" cap="none" strike="noStrike">
+      <a:defRPr sz="1400" b="0" i="0" u="none" strike="noStrike" cap="none">
         <a:solidFill>
           <a:srgbClr val="000000"/>
         </a:solidFill>
@@ -240,7 +246,7 @@
         <a:sym typeface="Arial"/>
       </a:defRPr>
     </a:lvl8pPr>
-    <a:lvl9pPr lvl="8" marR="0" rtl="0" algn="l">
+    <a:lvl9pPr marR="0" lvl="8" algn="l" rtl="0">
       <a:lnSpc>
         <a:spcPct val="100000"/>
       </a:lnSpc>
@@ -254,7 +260,7 @@
         <a:srgbClr val="000000"/>
       </a:buClr>
       <a:buFont typeface="Arial"/>
-      <a:defRPr b="0" i="0" sz="1400" u="none" cap="none" strike="noStrike">
+      <a:defRPr sz="1400" b="0" i="0" u="none" strike="noStrike" cap="none">
         <a:solidFill>
           <a:srgbClr val="000000"/>
         </a:solidFill>
@@ -269,11 +275,16 @@
 </file>
 
 <file path=ppt/notesMasters/notesMaster1.xml><?xml version="1.0" encoding="utf-8"?>
-<p:notesMaster xmlns:a="http://schemas.openxmlformats.org/drawingml/2006/main" xmlns:r="http://schemas.openxmlformats.org/officeDocument/2006/relationships" xmlns:mc="http://schemas.openxmlformats.org/markup-compatibility/2006" xmlns:mv="urn:schemas-microsoft-com:mac:vml" xmlns:p="http://schemas.openxmlformats.org/presentationml/2006/main" xmlns:c="http://schemas.openxmlformats.org/drawingml/2006/chart" xmlns:dgm="http://schemas.openxmlformats.org/drawingml/2006/diagram" xmlns:o="urn:schemas-microsoft-com:office:office" xmlns:v="urn:schemas-microsoft-com:vml" xmlns:pvml="urn:schemas-microsoft-com:office:powerpoint" xmlns:com="http://schemas.openxmlformats.org/drawingml/2006/compatibility" xmlns:p14="http://schemas.microsoft.com/office/powerpoint/2010/main" xmlns:p15="http://schemas.microsoft.com/office/powerpoint/2012/main">
+<p:notesMaster xmlns:a="http://schemas.openxmlformats.org/drawingml/2006/main" xmlns:r="http://schemas.openxmlformats.org/officeDocument/2006/relationships" xmlns:p="http://schemas.openxmlformats.org/presentationml/2006/main">
   <p:cSld>
+    <p:bg>
+      <p:bgRef idx="1001">
+        <a:schemeClr val="bg1"/>
+      </p:bgRef>
+    </p:bg>
     <p:spTree>
       <p:nvGrpSpPr>
-        <p:cNvPr id="2" name="Shape 2"/>
+        <p:cNvPr id="1" name="Shape 2"/>
         <p:cNvGrpSpPr/>
         <p:nvPr/>
       </p:nvGrpSpPr>
@@ -288,9 +299,11 @@
       <p:sp>
         <p:nvSpPr>
           <p:cNvPr id="3" name="Google Shape;3;n"/>
-          <p:cNvSpPr/>
+          <p:cNvSpPr>
+            <a:spLocks noGrp="1" noRot="1" noChangeAspect="1"/>
+          </p:cNvSpPr>
           <p:nvPr>
-            <p:ph idx="2" type="sldImg"/>
+            <p:ph type="sldImg" idx="2"/>
           </p:nvPr>
         </p:nvSpPr>
         <p:spPr>
@@ -299,9 +312,13 @@
             <a:ext cx="6096075" cy="3429000"/>
           </a:xfrm>
           <a:custGeom>
-            <a:rect b="b" l="l" r="r" t="t"/>
+            <a:avLst/>
+            <a:gdLst/>
+            <a:ahLst/>
+            <a:cxnLst/>
+            <a:rect l="l" t="t" r="r" b="b"/>
             <a:pathLst>
-              <a:path extrusionOk="0" h="120000" w="120000">
+              <a:path w="120000" h="120000" extrusionOk="0">
                 <a:moveTo>
                   <a:pt x="0" y="0"/>
                 </a:moveTo>
@@ -319,23 +336,25 @@
             </a:pathLst>
           </a:custGeom>
           <a:noFill/>
-          <a:ln cap="flat" cmpd="sng" w="9525">
+          <a:ln w="9525" cap="flat" cmpd="sng">
             <a:solidFill>
               <a:srgbClr val="000000"/>
             </a:solidFill>
             <a:prstDash val="solid"/>
             <a:round/>
-            <a:headEnd len="sm" w="sm" type="none"/>
-            <a:tailEnd len="sm" w="sm" type="none"/>
+            <a:headEnd type="none" w="sm" len="sm"/>
+            <a:tailEnd type="none" w="sm" len="sm"/>
           </a:ln>
         </p:spPr>
       </p:sp>
       <p:sp>
         <p:nvSpPr>
           <p:cNvPr id="4" name="Google Shape;4;n"/>
-          <p:cNvSpPr txBox="1"/>
+          <p:cNvSpPr txBox="1">
+            <a:spLocks noGrp="1"/>
+          </p:cNvSpPr>
           <p:nvPr>
-            <p:ph idx="1" type="body"/>
+            <p:ph type="body" idx="1"/>
           </p:nvPr>
         </p:nvSpPr>
         <p:spPr>
@@ -352,11 +371,11 @@
           </a:ln>
         </p:spPr>
         <p:txBody>
-          <a:bodyPr anchorCtr="0" anchor="t" bIns="91425" lIns="91425" spcFirstLastPara="1" rIns="91425" wrap="square" tIns="91425">
+          <a:bodyPr spcFirstLastPara="1" wrap="square" lIns="91425" tIns="91425" rIns="91425" bIns="91425" anchor="t" anchorCtr="0">
             <a:noAutofit/>
           </a:bodyPr>
           <a:lstStyle>
-            <a:lvl1pPr indent="-317500" lvl="0" marL="457200">
+            <a:lvl1pPr marL="457200" lvl="0" indent="-317500">
               <a:spcBef>
                 <a:spcPts val="0"/>
               </a:spcBef>
@@ -367,7 +386,7 @@
               <a:buChar char="●"/>
               <a:defRPr sz="1100"/>
             </a:lvl1pPr>
-            <a:lvl2pPr indent="-317500" lvl="1" marL="914400">
+            <a:lvl2pPr marL="914400" lvl="1" indent="-317500">
               <a:spcBef>
                 <a:spcPts val="0"/>
               </a:spcBef>
@@ -378,7 +397,7 @@
               <a:buChar char="○"/>
               <a:defRPr sz="1100"/>
             </a:lvl2pPr>
-            <a:lvl3pPr indent="-317500" lvl="2" marL="1371600">
+            <a:lvl3pPr marL="1371600" lvl="2" indent="-317500">
               <a:spcBef>
                 <a:spcPts val="0"/>
               </a:spcBef>
@@ -389,7 +408,7 @@
               <a:buChar char="■"/>
               <a:defRPr sz="1100"/>
             </a:lvl3pPr>
-            <a:lvl4pPr indent="-317500" lvl="3" marL="1828800">
+            <a:lvl4pPr marL="1828800" lvl="3" indent="-317500">
               <a:spcBef>
                 <a:spcPts val="0"/>
               </a:spcBef>
@@ -400,7 +419,7 @@
               <a:buChar char="●"/>
               <a:defRPr sz="1100"/>
             </a:lvl4pPr>
-            <a:lvl5pPr indent="-317500" lvl="4" marL="2286000">
+            <a:lvl5pPr marL="2286000" lvl="4" indent="-317500">
               <a:spcBef>
                 <a:spcPts val="0"/>
               </a:spcBef>
@@ -411,7 +430,7 @@
               <a:buChar char="○"/>
               <a:defRPr sz="1100"/>
             </a:lvl5pPr>
-            <a:lvl6pPr indent="-317500" lvl="5" marL="2743200">
+            <a:lvl6pPr marL="2743200" lvl="5" indent="-317500">
               <a:spcBef>
                 <a:spcPts val="0"/>
               </a:spcBef>
@@ -422,7 +441,7 @@
               <a:buChar char="■"/>
               <a:defRPr sz="1100"/>
             </a:lvl6pPr>
-            <a:lvl7pPr indent="-317500" lvl="6" marL="3200400">
+            <a:lvl7pPr marL="3200400" lvl="6" indent="-317500">
               <a:spcBef>
                 <a:spcPts val="0"/>
               </a:spcBef>
@@ -433,7 +452,7 @@
               <a:buChar char="●"/>
               <a:defRPr sz="1100"/>
             </a:lvl7pPr>
-            <a:lvl8pPr indent="-317500" lvl="7" marL="3657600">
+            <a:lvl8pPr marL="3657600" lvl="7" indent="-317500">
               <a:spcBef>
                 <a:spcPts val="0"/>
               </a:spcBef>
@@ -444,7 +463,7 @@
               <a:buChar char="○"/>
               <a:defRPr sz="1100"/>
             </a:lvl8pPr>
-            <a:lvl9pPr indent="-317500" lvl="8" marL="4114800">
+            <a:lvl9pPr marL="4114800" lvl="8" indent="-317500">
               <a:spcBef>
                 <a:spcPts val="0"/>
               </a:spcBef>
@@ -456,14 +475,16 @@
               <a:defRPr sz="1100"/>
             </a:lvl9pPr>
           </a:lstStyle>
-          <a:p/>
+          <a:p>
+            <a:endParaRPr/>
+          </a:p>
         </p:txBody>
       </p:sp>
     </p:spTree>
   </p:cSld>
-  <p:clrMap accent1="accent1" accent2="accent2" accent3="accent3" accent4="accent4" accent5="accent5" accent6="accent6" bg1="lt1" bg2="dk2" tx1="dk1" tx2="lt2" folHlink="folHlink" hlink="hlink"/>
+  <p:clrMap bg1="lt1" tx1="dk1" bg2="dk2" tx2="lt2" accent1="accent1" accent2="accent2" accent3="accent3" accent4="accent4" accent5="accent5" accent6="accent6" hlink="hlink" folHlink="folHlink"/>
   <p:notesStyle>
-    <a:defPPr lvl="0" marR="0" rtl="0" algn="l">
+    <a:defPPr marR="0" lvl="0" algn="l" rtl="0">
       <a:lnSpc>
         <a:spcPct val="100000"/>
       </a:lnSpc>
@@ -474,7 +495,7 @@
         <a:spcPts val="0"/>
       </a:spcAft>
     </a:defPPr>
-    <a:lvl1pPr lvl="0" marR="0" rtl="0" algn="l">
+    <a:lvl1pPr marR="0" lvl="0" algn="l" rtl="0">
       <a:lnSpc>
         <a:spcPct val="100000"/>
       </a:lnSpc>
@@ -488,7 +509,7 @@
         <a:srgbClr val="000000"/>
       </a:buClr>
       <a:buFont typeface="Arial"/>
-      <a:defRPr b="0" i="0" sz="1400" u="none" cap="none" strike="noStrike">
+      <a:defRPr sz="1400" b="0" i="0" u="none" strike="noStrike" cap="none">
         <a:solidFill>
           <a:srgbClr val="000000"/>
         </a:solidFill>
@@ -498,7 +519,7 @@
         <a:sym typeface="Arial"/>
       </a:defRPr>
     </a:lvl1pPr>
-    <a:lvl2pPr lvl="1" marR="0" rtl="0" algn="l">
+    <a:lvl2pPr marR="0" lvl="1" algn="l" rtl="0">
       <a:lnSpc>
         <a:spcPct val="100000"/>
       </a:lnSpc>
@@ -512,7 +533,7 @@
         <a:srgbClr val="000000"/>
       </a:buClr>
       <a:buFont typeface="Arial"/>
-      <a:defRPr b="0" i="0" sz="1400" u="none" cap="none" strike="noStrike">
+      <a:defRPr sz="1400" b="0" i="0" u="none" strike="noStrike" cap="none">
         <a:solidFill>
           <a:srgbClr val="000000"/>
         </a:solidFill>
@@ -522,7 +543,7 @@
         <a:sym typeface="Arial"/>
       </a:defRPr>
     </a:lvl2pPr>
-    <a:lvl3pPr lvl="2" marR="0" rtl="0" algn="l">
+    <a:lvl3pPr marR="0" lvl="2" algn="l" rtl="0">
       <a:lnSpc>
         <a:spcPct val="100000"/>
       </a:lnSpc>
@@ -536,7 +557,7 @@
         <a:srgbClr val="000000"/>
       </a:buClr>
       <a:buFont typeface="Arial"/>
-      <a:defRPr b="0" i="0" sz="1400" u="none" cap="none" strike="noStrike">
+      <a:defRPr sz="1400" b="0" i="0" u="none" strike="noStrike" cap="none">
         <a:solidFill>
           <a:srgbClr val="000000"/>
         </a:solidFill>
@@ -546,7 +567,7 @@
         <a:sym typeface="Arial"/>
       </a:defRPr>
     </a:lvl3pPr>
-    <a:lvl4pPr lvl="3" marR="0" rtl="0" algn="l">
+    <a:lvl4pPr marR="0" lvl="3" algn="l" rtl="0">
       <a:lnSpc>
         <a:spcPct val="100000"/>
       </a:lnSpc>
@@ -560,7 +581,7 @@
         <a:srgbClr val="000000"/>
       </a:buClr>
       <a:buFont typeface="Arial"/>
-      <a:defRPr b="0" i="0" sz="1400" u="none" cap="none" strike="noStrike">
+      <a:defRPr sz="1400" b="0" i="0" u="none" strike="noStrike" cap="none">
         <a:solidFill>
           <a:srgbClr val="000000"/>
         </a:solidFill>
@@ -570,7 +591,7 @@
         <a:sym typeface="Arial"/>
       </a:defRPr>
     </a:lvl4pPr>
-    <a:lvl5pPr lvl="4" marR="0" rtl="0" algn="l">
+    <a:lvl5pPr marR="0" lvl="4" algn="l" rtl="0">
       <a:lnSpc>
         <a:spcPct val="100000"/>
       </a:lnSpc>
@@ -584,7 +605,7 @@
         <a:srgbClr val="000000"/>
       </a:buClr>
       <a:buFont typeface="Arial"/>
-      <a:defRPr b="0" i="0" sz="1400" u="none" cap="none" strike="noStrike">
+      <a:defRPr sz="1400" b="0" i="0" u="none" strike="noStrike" cap="none">
         <a:solidFill>
           <a:srgbClr val="000000"/>
         </a:solidFill>
@@ -594,7 +615,7 @@
         <a:sym typeface="Arial"/>
       </a:defRPr>
     </a:lvl5pPr>
-    <a:lvl6pPr lvl="5" marR="0" rtl="0" algn="l">
+    <a:lvl6pPr marR="0" lvl="5" algn="l" rtl="0">
       <a:lnSpc>
         <a:spcPct val="100000"/>
       </a:lnSpc>
@@ -608,7 +629,7 @@
         <a:srgbClr val="000000"/>
       </a:buClr>
       <a:buFont typeface="Arial"/>
-      <a:defRPr b="0" i="0" sz="1400" u="none" cap="none" strike="noStrike">
+      <a:defRPr sz="1400" b="0" i="0" u="none" strike="noStrike" cap="none">
         <a:solidFill>
           <a:srgbClr val="000000"/>
         </a:solidFill>
@@ -618,7 +639,7 @@
         <a:sym typeface="Arial"/>
       </a:defRPr>
     </a:lvl6pPr>
-    <a:lvl7pPr lvl="6" marR="0" rtl="0" algn="l">
+    <a:lvl7pPr marR="0" lvl="6" algn="l" rtl="0">
       <a:lnSpc>
         <a:spcPct val="100000"/>
       </a:lnSpc>
@@ -632,7 +653,7 @@
         <a:srgbClr val="000000"/>
       </a:buClr>
       <a:buFont typeface="Arial"/>
-      <a:defRPr b="0" i="0" sz="1400" u="none" cap="none" strike="noStrike">
+      <a:defRPr sz="1400" b="0" i="0" u="none" strike="noStrike" cap="none">
         <a:solidFill>
           <a:srgbClr val="000000"/>
         </a:solidFill>
@@ -642,7 +663,7 @@
         <a:sym typeface="Arial"/>
       </a:defRPr>
     </a:lvl7pPr>
-    <a:lvl8pPr lvl="7" marR="0" rtl="0" algn="l">
+    <a:lvl8pPr marR="0" lvl="7" algn="l" rtl="0">
       <a:lnSpc>
         <a:spcPct val="100000"/>
       </a:lnSpc>
@@ -656,7 +677,7 @@
         <a:srgbClr val="000000"/>
       </a:buClr>
       <a:buFont typeface="Arial"/>
-      <a:defRPr b="0" i="0" sz="1400" u="none" cap="none" strike="noStrike">
+      <a:defRPr sz="1400" b="0" i="0" u="none" strike="noStrike" cap="none">
         <a:solidFill>
           <a:srgbClr val="000000"/>
         </a:solidFill>
@@ -666,7 +687,7 @@
         <a:sym typeface="Arial"/>
       </a:defRPr>
     </a:lvl8pPr>
-    <a:lvl9pPr lvl="8" marR="0" rtl="0" algn="l">
+    <a:lvl9pPr marR="0" lvl="8" algn="l" rtl="0">
       <a:lnSpc>
         <a:spcPct val="100000"/>
       </a:lnSpc>
@@ -680,7 +701,7 @@
         <a:srgbClr val="000000"/>
       </a:buClr>
       <a:buFont typeface="Arial"/>
-      <a:defRPr b="0" i="0" sz="1400" u="none" cap="none" strike="noStrike">
+      <a:defRPr sz="1400" b="0" i="0" u="none" strike="noStrike" cap="none">
         <a:solidFill>
           <a:srgbClr val="000000"/>
         </a:solidFill>
@@ -695,11 +716,11 @@
 </file>
 
 <file path=ppt/notesSlides/notesSlide1.xml><?xml version="1.0" encoding="utf-8"?>
-<p:notes xmlns:a="http://schemas.openxmlformats.org/drawingml/2006/main" xmlns:r="http://schemas.openxmlformats.org/officeDocument/2006/relationships" xmlns:mc="http://schemas.openxmlformats.org/markup-compatibility/2006" xmlns:mv="urn:schemas-microsoft-com:mac:vml" xmlns:p="http://schemas.openxmlformats.org/presentationml/2006/main" xmlns:c="http://schemas.openxmlformats.org/drawingml/2006/chart" xmlns:dgm="http://schemas.openxmlformats.org/drawingml/2006/diagram" xmlns:o="urn:schemas-microsoft-com:office:office" xmlns:v="urn:schemas-microsoft-com:vml" xmlns:pvml="urn:schemas-microsoft-com:office:powerpoint" xmlns:com="http://schemas.openxmlformats.org/drawingml/2006/compatibility" xmlns:p14="http://schemas.microsoft.com/office/powerpoint/2010/main" xmlns:p15="http://schemas.microsoft.com/office/powerpoint/2012/main" showMasterPhAnim="0" showMasterSp="0">
+<p:notes xmlns:a="http://schemas.openxmlformats.org/drawingml/2006/main" xmlns:r="http://schemas.openxmlformats.org/officeDocument/2006/relationships" xmlns:p="http://schemas.openxmlformats.org/presentationml/2006/main" showMasterSp="0" showMasterPhAnim="0">
   <p:cSld>
     <p:spTree>
       <p:nvGrpSpPr>
-        <p:cNvPr id="62" name="Shape 62"/>
+        <p:cNvPr id="1" name="Shape 62"/>
         <p:cNvGrpSpPr/>
         <p:nvPr/>
       </p:nvGrpSpPr>
@@ -714,9 +735,11 @@
       <p:sp>
         <p:nvSpPr>
           <p:cNvPr id="63" name="Google Shape;63;p:notes"/>
-          <p:cNvSpPr/>
+          <p:cNvSpPr>
+            <a:spLocks noGrp="1" noRot="1" noChangeAspect="1"/>
+          </p:cNvSpPr>
           <p:nvPr>
-            <p:ph idx="2" type="sldImg"/>
+            <p:ph type="sldImg" idx="2"/>
           </p:nvPr>
         </p:nvSpPr>
         <p:spPr>
@@ -725,9 +748,13 @@
             <a:ext cx="6096075" cy="3429000"/>
           </a:xfrm>
           <a:custGeom>
-            <a:rect b="b" l="l" r="r" t="t"/>
+            <a:avLst/>
+            <a:gdLst/>
+            <a:ahLst/>
+            <a:cxnLst/>
+            <a:rect l="l" t="t" r="r" b="b"/>
             <a:pathLst>
-              <a:path extrusionOk="0" h="120000" w="120000">
+              <a:path w="120000" h="120000" extrusionOk="0">
                 <a:moveTo>
                   <a:pt x="0" y="0"/>
                 </a:moveTo>
@@ -749,9 +776,11 @@
       <p:sp>
         <p:nvSpPr>
           <p:cNvPr id="64" name="Google Shape;64;p:notes"/>
-          <p:cNvSpPr txBox="1"/>
+          <p:cNvSpPr txBox="1">
+            <a:spLocks noGrp="1"/>
+          </p:cNvSpPr>
           <p:nvPr>
-            <p:ph idx="1" type="body"/>
+            <p:ph type="body" idx="1"/>
           </p:nvPr>
         </p:nvSpPr>
         <p:spPr>
@@ -764,12 +793,12 @@
           </a:prstGeom>
         </p:spPr>
         <p:txBody>
-          <a:bodyPr anchorCtr="0" anchor="t" bIns="91425" lIns="91425" spcFirstLastPara="1" rIns="91425" wrap="square" tIns="91425">
+          <a:bodyPr spcFirstLastPara="1" wrap="square" lIns="91425" tIns="91425" rIns="91425" bIns="91425" anchor="t" anchorCtr="0">
             <a:noAutofit/>
           </a:bodyPr>
           <a:lstStyle/>
           <a:p>
-            <a:pPr indent="0" lvl="0" marL="0" rtl="0" algn="l">
+            <a:pPr marL="0" lvl="0" indent="0" algn="l" rtl="0">
               <a:spcBef>
                 <a:spcPts val="0"/>
               </a:spcBef>
@@ -778,9 +807,6 @@
               </a:spcAft>
               <a:buNone/>
             </a:pPr>
-            <a:r>
-              <a:t/>
-            </a:r>
             <a:endParaRPr/>
           </a:p>
         </p:txBody>
@@ -794,11 +820,11 @@
 </file>
 
 <file path=ppt/notesSlides/notesSlide10.xml><?xml version="1.0" encoding="utf-8"?>
-<p:notes xmlns:a="http://schemas.openxmlformats.org/drawingml/2006/main" xmlns:r="http://schemas.openxmlformats.org/officeDocument/2006/relationships" xmlns:mc="http://schemas.openxmlformats.org/markup-compatibility/2006" xmlns:mv="urn:schemas-microsoft-com:mac:vml" xmlns:p="http://schemas.openxmlformats.org/presentationml/2006/main" xmlns:c="http://schemas.openxmlformats.org/drawingml/2006/chart" xmlns:dgm="http://schemas.openxmlformats.org/drawingml/2006/diagram" xmlns:o="urn:schemas-microsoft-com:office:office" xmlns:v="urn:schemas-microsoft-com:vml" xmlns:pvml="urn:schemas-microsoft-com:office:powerpoint" xmlns:com="http://schemas.openxmlformats.org/drawingml/2006/compatibility" xmlns:p14="http://schemas.microsoft.com/office/powerpoint/2010/main" xmlns:p15="http://schemas.microsoft.com/office/powerpoint/2012/main" showMasterPhAnim="0" showMasterSp="0">
+<p:notes xmlns:a="http://schemas.openxmlformats.org/drawingml/2006/main" xmlns:r="http://schemas.openxmlformats.org/officeDocument/2006/relationships" xmlns:p="http://schemas.openxmlformats.org/presentationml/2006/main" showMasterSp="0" showMasterPhAnim="0">
   <p:cSld>
     <p:spTree>
       <p:nvGrpSpPr>
-        <p:cNvPr id="121" name="Shape 121"/>
+        <p:cNvPr id="1" name="Shape 121"/>
         <p:cNvGrpSpPr/>
         <p:nvPr/>
       </p:nvGrpSpPr>
@@ -813,9 +839,11 @@
       <p:sp>
         <p:nvSpPr>
           <p:cNvPr id="122" name="Google Shape;122;g178a5f9ebe_0_97:notes"/>
-          <p:cNvSpPr/>
+          <p:cNvSpPr>
+            <a:spLocks noGrp="1" noRot="1" noChangeAspect="1"/>
+          </p:cNvSpPr>
           <p:nvPr>
-            <p:ph idx="2" type="sldImg"/>
+            <p:ph type="sldImg" idx="2"/>
           </p:nvPr>
         </p:nvSpPr>
         <p:spPr>
@@ -824,9 +852,13 @@
             <a:ext cx="6096000" cy="3429000"/>
           </a:xfrm>
           <a:custGeom>
-            <a:rect b="b" l="l" r="r" t="t"/>
+            <a:avLst/>
+            <a:gdLst/>
+            <a:ahLst/>
+            <a:cxnLst/>
+            <a:rect l="l" t="t" r="r" b="b"/>
             <a:pathLst>
-              <a:path extrusionOk="0" h="120000" w="120000">
+              <a:path w="120000" h="120000" extrusionOk="0">
                 <a:moveTo>
                   <a:pt x="0" y="0"/>
                 </a:moveTo>
@@ -848,9 +880,11 @@
       <p:sp>
         <p:nvSpPr>
           <p:cNvPr id="123" name="Google Shape;123;g178a5f9ebe_0_97:notes"/>
-          <p:cNvSpPr txBox="1"/>
+          <p:cNvSpPr txBox="1">
+            <a:spLocks noGrp="1"/>
+          </p:cNvSpPr>
           <p:nvPr>
-            <p:ph idx="1" type="body"/>
+            <p:ph type="body" idx="1"/>
           </p:nvPr>
         </p:nvSpPr>
         <p:spPr>
@@ -863,12 +897,12 @@
           </a:prstGeom>
         </p:spPr>
         <p:txBody>
-          <a:bodyPr anchorCtr="0" anchor="t" bIns="91425" lIns="91425" spcFirstLastPara="1" rIns="91425" wrap="square" tIns="91425">
+          <a:bodyPr spcFirstLastPara="1" wrap="square" lIns="91425" tIns="91425" rIns="91425" bIns="91425" anchor="t" anchorCtr="0">
             <a:noAutofit/>
           </a:bodyPr>
           <a:lstStyle/>
           <a:p>
-            <a:pPr indent="0" lvl="0" marL="0" rtl="0" algn="l">
+            <a:pPr marL="0" lvl="0" indent="0" algn="l" rtl="0">
               <a:spcBef>
                 <a:spcPts val="0"/>
               </a:spcBef>
@@ -877,108 +911,6 @@
               </a:spcAft>
               <a:buNone/>
             </a:pPr>
-            <a:r>
-              <a:t/>
-            </a:r>
-            <a:endParaRPr/>
-          </a:p>
-        </p:txBody>
-      </p:sp>
-    </p:spTree>
-  </p:cSld>
-  <p:clrMapOvr>
-    <a:masterClrMapping/>
-  </p:clrMapOvr>
-</p:notes>
-</file>
-
-<file path=ppt/notesSlides/notesSlide11.xml><?xml version="1.0" encoding="utf-8"?>
-<p:notes xmlns:a="http://schemas.openxmlformats.org/drawingml/2006/main" xmlns:r="http://schemas.openxmlformats.org/officeDocument/2006/relationships" xmlns:mc="http://schemas.openxmlformats.org/markup-compatibility/2006" xmlns:mv="urn:schemas-microsoft-com:mac:vml" xmlns:p="http://schemas.openxmlformats.org/presentationml/2006/main" xmlns:c="http://schemas.openxmlformats.org/drawingml/2006/chart" xmlns:dgm="http://schemas.openxmlformats.org/drawingml/2006/diagram" xmlns:o="urn:schemas-microsoft-com:office:office" xmlns:v="urn:schemas-microsoft-com:vml" xmlns:pvml="urn:schemas-microsoft-com:office:powerpoint" xmlns:com="http://schemas.openxmlformats.org/drawingml/2006/compatibility" xmlns:p14="http://schemas.microsoft.com/office/powerpoint/2010/main" xmlns:p15="http://schemas.microsoft.com/office/powerpoint/2012/main" showMasterPhAnim="0" showMasterSp="0">
-  <p:cSld>
-    <p:spTree>
-      <p:nvGrpSpPr>
-        <p:cNvPr id="127" name="Shape 127"/>
-        <p:cNvGrpSpPr/>
-        <p:nvPr/>
-      </p:nvGrpSpPr>
-      <p:grpSpPr>
-        <a:xfrm>
-          <a:off x="0" y="0"/>
-          <a:ext cx="0" cy="0"/>
-          <a:chOff x="0" y="0"/>
-          <a:chExt cx="0" cy="0"/>
-        </a:xfrm>
-      </p:grpSpPr>
-      <p:sp>
-        <p:nvSpPr>
-          <p:cNvPr id="128" name="Google Shape;128;g179bd27e72_0_1:notes"/>
-          <p:cNvSpPr/>
-          <p:nvPr>
-            <p:ph idx="2" type="sldImg"/>
-          </p:nvPr>
-        </p:nvSpPr>
-        <p:spPr>
-          <a:xfrm>
-            <a:off x="381300" y="685800"/>
-            <a:ext cx="6096000" cy="3429000"/>
-          </a:xfrm>
-          <a:custGeom>
-            <a:rect b="b" l="l" r="r" t="t"/>
-            <a:pathLst>
-              <a:path extrusionOk="0" h="120000" w="120000">
-                <a:moveTo>
-                  <a:pt x="0" y="0"/>
-                </a:moveTo>
-                <a:lnTo>
-                  <a:pt x="120000" y="0"/>
-                </a:lnTo>
-                <a:lnTo>
-                  <a:pt x="120000" y="120000"/>
-                </a:lnTo>
-                <a:lnTo>
-                  <a:pt x="0" y="120000"/>
-                </a:lnTo>
-                <a:close/>
-              </a:path>
-            </a:pathLst>
-          </a:custGeom>
-        </p:spPr>
-      </p:sp>
-      <p:sp>
-        <p:nvSpPr>
-          <p:cNvPr id="129" name="Google Shape;129;g179bd27e72_0_1:notes"/>
-          <p:cNvSpPr txBox="1"/>
-          <p:nvPr>
-            <p:ph idx="1" type="body"/>
-          </p:nvPr>
-        </p:nvSpPr>
-        <p:spPr>
-          <a:xfrm>
-            <a:off x="685800" y="4343400"/>
-            <a:ext cx="5486400" cy="4114800"/>
-          </a:xfrm>
-          <a:prstGeom prst="rect">
-            <a:avLst/>
-          </a:prstGeom>
-        </p:spPr>
-        <p:txBody>
-          <a:bodyPr anchorCtr="0" anchor="t" bIns="91425" lIns="91425" spcFirstLastPara="1" rIns="91425" wrap="square" tIns="91425">
-            <a:noAutofit/>
-          </a:bodyPr>
-          <a:lstStyle/>
-          <a:p>
-            <a:pPr indent="0" lvl="0" marL="0" rtl="0" algn="l">
-              <a:spcBef>
-                <a:spcPts val="0"/>
-              </a:spcBef>
-              <a:spcAft>
-                <a:spcPts val="0"/>
-              </a:spcAft>
-              <a:buNone/>
-            </a:pPr>
-            <a:r>
-              <a:t/>
-            </a:r>
             <a:endParaRPr/>
           </a:p>
         </p:txBody>
@@ -992,11 +924,11 @@
 </file>
 
 <file path=ppt/notesSlides/notesSlide2.xml><?xml version="1.0" encoding="utf-8"?>
-<p:notes xmlns:a="http://schemas.openxmlformats.org/drawingml/2006/main" xmlns:r="http://schemas.openxmlformats.org/officeDocument/2006/relationships" xmlns:mc="http://schemas.openxmlformats.org/markup-compatibility/2006" xmlns:mv="urn:schemas-microsoft-com:mac:vml" xmlns:p="http://schemas.openxmlformats.org/presentationml/2006/main" xmlns:c="http://schemas.openxmlformats.org/drawingml/2006/chart" xmlns:dgm="http://schemas.openxmlformats.org/drawingml/2006/diagram" xmlns:o="urn:schemas-microsoft-com:office:office" xmlns:v="urn:schemas-microsoft-com:vml" xmlns:pvml="urn:schemas-microsoft-com:office:powerpoint" xmlns:com="http://schemas.openxmlformats.org/drawingml/2006/compatibility" xmlns:p14="http://schemas.microsoft.com/office/powerpoint/2010/main" xmlns:p15="http://schemas.microsoft.com/office/powerpoint/2012/main" showMasterPhAnim="0" showMasterSp="0">
+<p:notes xmlns:a="http://schemas.openxmlformats.org/drawingml/2006/main" xmlns:r="http://schemas.openxmlformats.org/officeDocument/2006/relationships" xmlns:p="http://schemas.openxmlformats.org/presentationml/2006/main" showMasterSp="0" showMasterPhAnim="0">
   <p:cSld>
     <p:spTree>
       <p:nvGrpSpPr>
-        <p:cNvPr id="69" name="Shape 69"/>
+        <p:cNvPr id="1" name="Shape 69"/>
         <p:cNvGrpSpPr/>
         <p:nvPr/>
       </p:nvGrpSpPr>
@@ -1011,9 +943,11 @@
       <p:sp>
         <p:nvSpPr>
           <p:cNvPr id="70" name="Google Shape;70;g178a5f9ebe_0_57:notes"/>
-          <p:cNvSpPr/>
+          <p:cNvSpPr>
+            <a:spLocks noGrp="1" noRot="1" noChangeAspect="1"/>
+          </p:cNvSpPr>
           <p:nvPr>
-            <p:ph idx="2" type="sldImg"/>
+            <p:ph type="sldImg" idx="2"/>
           </p:nvPr>
         </p:nvSpPr>
         <p:spPr>
@@ -1022,9 +956,13 @@
             <a:ext cx="6096000" cy="3429000"/>
           </a:xfrm>
           <a:custGeom>
-            <a:rect b="b" l="l" r="r" t="t"/>
+            <a:avLst/>
+            <a:gdLst/>
+            <a:ahLst/>
+            <a:cxnLst/>
+            <a:rect l="l" t="t" r="r" b="b"/>
             <a:pathLst>
-              <a:path extrusionOk="0" h="120000" w="120000">
+              <a:path w="120000" h="120000" extrusionOk="0">
                 <a:moveTo>
                   <a:pt x="0" y="0"/>
                 </a:moveTo>
@@ -1046,9 +984,11 @@
       <p:sp>
         <p:nvSpPr>
           <p:cNvPr id="71" name="Google Shape;71;g178a5f9ebe_0_57:notes"/>
-          <p:cNvSpPr txBox="1"/>
+          <p:cNvSpPr txBox="1">
+            <a:spLocks noGrp="1"/>
+          </p:cNvSpPr>
           <p:nvPr>
-            <p:ph idx="1" type="body"/>
+            <p:ph type="body" idx="1"/>
           </p:nvPr>
         </p:nvSpPr>
         <p:spPr>
@@ -1061,12 +1001,12 @@
           </a:prstGeom>
         </p:spPr>
         <p:txBody>
-          <a:bodyPr anchorCtr="0" anchor="t" bIns="91425" lIns="91425" spcFirstLastPara="1" rIns="91425" wrap="square" tIns="91425">
+          <a:bodyPr spcFirstLastPara="1" wrap="square" lIns="91425" tIns="91425" rIns="91425" bIns="91425" anchor="t" anchorCtr="0">
             <a:noAutofit/>
           </a:bodyPr>
           <a:lstStyle/>
           <a:p>
-            <a:pPr indent="0" lvl="0" marL="0" rtl="0" algn="l">
+            <a:pPr marL="0" lvl="0" indent="0" algn="l" rtl="0">
               <a:spcBef>
                 <a:spcPts val="0"/>
               </a:spcBef>
@@ -1075,9 +1015,6 @@
               </a:spcAft>
               <a:buNone/>
             </a:pPr>
-            <a:r>
-              <a:t/>
-            </a:r>
             <a:endParaRPr/>
           </a:p>
         </p:txBody>
@@ -1091,11 +1028,11 @@
 </file>
 
 <file path=ppt/notesSlides/notesSlide3.xml><?xml version="1.0" encoding="utf-8"?>
-<p:notes xmlns:a="http://schemas.openxmlformats.org/drawingml/2006/main" xmlns:r="http://schemas.openxmlformats.org/officeDocument/2006/relationships" xmlns:mc="http://schemas.openxmlformats.org/markup-compatibility/2006" xmlns:mv="urn:schemas-microsoft-com:mac:vml" xmlns:p="http://schemas.openxmlformats.org/presentationml/2006/main" xmlns:c="http://schemas.openxmlformats.org/drawingml/2006/chart" xmlns:dgm="http://schemas.openxmlformats.org/drawingml/2006/diagram" xmlns:o="urn:schemas-microsoft-com:office:office" xmlns:v="urn:schemas-microsoft-com:vml" xmlns:pvml="urn:schemas-microsoft-com:office:powerpoint" xmlns:com="http://schemas.openxmlformats.org/drawingml/2006/compatibility" xmlns:p14="http://schemas.microsoft.com/office/powerpoint/2010/main" xmlns:p15="http://schemas.microsoft.com/office/powerpoint/2012/main" showMasterPhAnim="0" showMasterSp="0">
+<p:notes xmlns:a="http://schemas.openxmlformats.org/drawingml/2006/main" xmlns:r="http://schemas.openxmlformats.org/officeDocument/2006/relationships" xmlns:p="http://schemas.openxmlformats.org/presentationml/2006/main" showMasterSp="0" showMasterPhAnim="0">
   <p:cSld>
     <p:spTree>
       <p:nvGrpSpPr>
-        <p:cNvPr id="75" name="Shape 75"/>
+        <p:cNvPr id="1" name="Shape 75"/>
         <p:cNvGrpSpPr/>
         <p:nvPr/>
       </p:nvGrpSpPr>
@@ -1110,9 +1047,11 @@
       <p:sp>
         <p:nvSpPr>
           <p:cNvPr id="76" name="Google Shape;76;g178a5f9ebe_0_62:notes"/>
-          <p:cNvSpPr/>
+          <p:cNvSpPr>
+            <a:spLocks noGrp="1" noRot="1" noChangeAspect="1"/>
+          </p:cNvSpPr>
           <p:nvPr>
-            <p:ph idx="2" type="sldImg"/>
+            <p:ph type="sldImg" idx="2"/>
           </p:nvPr>
         </p:nvSpPr>
         <p:spPr>
@@ -1121,9 +1060,13 @@
             <a:ext cx="6096000" cy="3429000"/>
           </a:xfrm>
           <a:custGeom>
-            <a:rect b="b" l="l" r="r" t="t"/>
+            <a:avLst/>
+            <a:gdLst/>
+            <a:ahLst/>
+            <a:cxnLst/>
+            <a:rect l="l" t="t" r="r" b="b"/>
             <a:pathLst>
-              <a:path extrusionOk="0" h="120000" w="120000">
+              <a:path w="120000" h="120000" extrusionOk="0">
                 <a:moveTo>
                   <a:pt x="0" y="0"/>
                 </a:moveTo>
@@ -1145,9 +1088,11 @@
       <p:sp>
         <p:nvSpPr>
           <p:cNvPr id="77" name="Google Shape;77;g178a5f9ebe_0_62:notes"/>
-          <p:cNvSpPr txBox="1"/>
+          <p:cNvSpPr txBox="1">
+            <a:spLocks noGrp="1"/>
+          </p:cNvSpPr>
           <p:nvPr>
-            <p:ph idx="1" type="body"/>
+            <p:ph type="body" idx="1"/>
           </p:nvPr>
         </p:nvSpPr>
         <p:spPr>
@@ -1160,12 +1105,12 @@
           </a:prstGeom>
         </p:spPr>
         <p:txBody>
-          <a:bodyPr anchorCtr="0" anchor="t" bIns="91425" lIns="91425" spcFirstLastPara="1" rIns="91425" wrap="square" tIns="91425">
+          <a:bodyPr spcFirstLastPara="1" wrap="square" lIns="91425" tIns="91425" rIns="91425" bIns="91425" anchor="t" anchorCtr="0">
             <a:noAutofit/>
           </a:bodyPr>
           <a:lstStyle/>
           <a:p>
-            <a:pPr indent="0" lvl="0" marL="0" rtl="0" algn="l">
+            <a:pPr marL="0" lvl="0" indent="0" algn="l" rtl="0">
               <a:spcBef>
                 <a:spcPts val="0"/>
               </a:spcBef>
@@ -1174,9 +1119,6 @@
               </a:spcAft>
               <a:buNone/>
             </a:pPr>
-            <a:r>
-              <a:t/>
-            </a:r>
             <a:endParaRPr/>
           </a:p>
         </p:txBody>
@@ -1190,11 +1132,11 @@
 </file>
 
 <file path=ppt/notesSlides/notesSlide4.xml><?xml version="1.0" encoding="utf-8"?>
-<p:notes xmlns:a="http://schemas.openxmlformats.org/drawingml/2006/main" xmlns:r="http://schemas.openxmlformats.org/officeDocument/2006/relationships" xmlns:mc="http://schemas.openxmlformats.org/markup-compatibility/2006" xmlns:mv="urn:schemas-microsoft-com:mac:vml" xmlns:p="http://schemas.openxmlformats.org/presentationml/2006/main" xmlns:c="http://schemas.openxmlformats.org/drawingml/2006/chart" xmlns:dgm="http://schemas.openxmlformats.org/drawingml/2006/diagram" xmlns:o="urn:schemas-microsoft-com:office:office" xmlns:v="urn:schemas-microsoft-com:vml" xmlns:pvml="urn:schemas-microsoft-com:office:powerpoint" xmlns:com="http://schemas.openxmlformats.org/drawingml/2006/compatibility" xmlns:p14="http://schemas.microsoft.com/office/powerpoint/2010/main" xmlns:p15="http://schemas.microsoft.com/office/powerpoint/2012/main" showMasterPhAnim="0" showMasterSp="0">
+<p:notes xmlns:a="http://schemas.openxmlformats.org/drawingml/2006/main" xmlns:r="http://schemas.openxmlformats.org/officeDocument/2006/relationships" xmlns:p="http://schemas.openxmlformats.org/presentationml/2006/main" showMasterSp="0" showMasterPhAnim="0">
   <p:cSld>
     <p:spTree>
       <p:nvGrpSpPr>
-        <p:cNvPr id="81" name="Shape 81"/>
+        <p:cNvPr id="1" name="Shape 81"/>
         <p:cNvGrpSpPr/>
         <p:nvPr/>
       </p:nvGrpSpPr>
@@ -1209,9 +1151,11 @@
       <p:sp>
         <p:nvSpPr>
           <p:cNvPr id="82" name="Google Shape;82;g178a5f9ebe_0_67:notes"/>
-          <p:cNvSpPr/>
+          <p:cNvSpPr>
+            <a:spLocks noGrp="1" noRot="1" noChangeAspect="1"/>
+          </p:cNvSpPr>
           <p:nvPr>
-            <p:ph idx="2" type="sldImg"/>
+            <p:ph type="sldImg" idx="2"/>
           </p:nvPr>
         </p:nvSpPr>
         <p:spPr>
@@ -1220,9 +1164,13 @@
             <a:ext cx="6096000" cy="3429000"/>
           </a:xfrm>
           <a:custGeom>
-            <a:rect b="b" l="l" r="r" t="t"/>
+            <a:avLst/>
+            <a:gdLst/>
+            <a:ahLst/>
+            <a:cxnLst/>
+            <a:rect l="l" t="t" r="r" b="b"/>
             <a:pathLst>
-              <a:path extrusionOk="0" h="120000" w="120000">
+              <a:path w="120000" h="120000" extrusionOk="0">
                 <a:moveTo>
                   <a:pt x="0" y="0"/>
                 </a:moveTo>
@@ -1244,9 +1192,11 @@
       <p:sp>
         <p:nvSpPr>
           <p:cNvPr id="83" name="Google Shape;83;g178a5f9ebe_0_67:notes"/>
-          <p:cNvSpPr txBox="1"/>
+          <p:cNvSpPr txBox="1">
+            <a:spLocks noGrp="1"/>
+          </p:cNvSpPr>
           <p:nvPr>
-            <p:ph idx="1" type="body"/>
+            <p:ph type="body" idx="1"/>
           </p:nvPr>
         </p:nvSpPr>
         <p:spPr>
@@ -1259,12 +1209,12 @@
           </a:prstGeom>
         </p:spPr>
         <p:txBody>
-          <a:bodyPr anchorCtr="0" anchor="t" bIns="91425" lIns="91425" spcFirstLastPara="1" rIns="91425" wrap="square" tIns="91425">
+          <a:bodyPr spcFirstLastPara="1" wrap="square" lIns="91425" tIns="91425" rIns="91425" bIns="91425" anchor="t" anchorCtr="0">
             <a:noAutofit/>
           </a:bodyPr>
           <a:lstStyle/>
           <a:p>
-            <a:pPr indent="0" lvl="0" marL="0" rtl="0" algn="l">
+            <a:pPr marL="0" lvl="0" indent="0" algn="l" rtl="0">
               <a:spcBef>
                 <a:spcPts val="0"/>
               </a:spcBef>
@@ -1273,9 +1223,6 @@
               </a:spcAft>
               <a:buNone/>
             </a:pPr>
-            <a:r>
-              <a:t/>
-            </a:r>
             <a:endParaRPr/>
           </a:p>
         </p:txBody>
@@ -1289,11 +1236,11 @@
 </file>
 
 <file path=ppt/notesSlides/notesSlide5.xml><?xml version="1.0" encoding="utf-8"?>
-<p:notes xmlns:a="http://schemas.openxmlformats.org/drawingml/2006/main" xmlns:r="http://schemas.openxmlformats.org/officeDocument/2006/relationships" xmlns:mc="http://schemas.openxmlformats.org/markup-compatibility/2006" xmlns:mv="urn:schemas-microsoft-com:mac:vml" xmlns:p="http://schemas.openxmlformats.org/presentationml/2006/main" xmlns:c="http://schemas.openxmlformats.org/drawingml/2006/chart" xmlns:dgm="http://schemas.openxmlformats.org/drawingml/2006/diagram" xmlns:o="urn:schemas-microsoft-com:office:office" xmlns:v="urn:schemas-microsoft-com:vml" xmlns:pvml="urn:schemas-microsoft-com:office:powerpoint" xmlns:com="http://schemas.openxmlformats.org/drawingml/2006/compatibility" xmlns:p14="http://schemas.microsoft.com/office/powerpoint/2010/main" xmlns:p15="http://schemas.microsoft.com/office/powerpoint/2012/main" showMasterPhAnim="0" showMasterSp="0">
+<p:notes xmlns:a="http://schemas.openxmlformats.org/drawingml/2006/main" xmlns:r="http://schemas.openxmlformats.org/officeDocument/2006/relationships" xmlns:p="http://schemas.openxmlformats.org/presentationml/2006/main" showMasterSp="0" showMasterPhAnim="0">
   <p:cSld>
     <p:spTree>
       <p:nvGrpSpPr>
-        <p:cNvPr id="88" name="Shape 88"/>
+        <p:cNvPr id="1" name="Shape 88"/>
         <p:cNvGrpSpPr/>
         <p:nvPr/>
       </p:nvGrpSpPr>
@@ -1308,9 +1255,11 @@
       <p:sp>
         <p:nvSpPr>
           <p:cNvPr id="89" name="Google Shape;89;g178a5f9ebe_0_72:notes"/>
-          <p:cNvSpPr/>
+          <p:cNvSpPr>
+            <a:spLocks noGrp="1" noRot="1" noChangeAspect="1"/>
+          </p:cNvSpPr>
           <p:nvPr>
-            <p:ph idx="2" type="sldImg"/>
+            <p:ph type="sldImg" idx="2"/>
           </p:nvPr>
         </p:nvSpPr>
         <p:spPr>
@@ -1319,9 +1268,13 @@
             <a:ext cx="6096000" cy="3429000"/>
           </a:xfrm>
           <a:custGeom>
-            <a:rect b="b" l="l" r="r" t="t"/>
+            <a:avLst/>
+            <a:gdLst/>
+            <a:ahLst/>
+            <a:cxnLst/>
+            <a:rect l="l" t="t" r="r" b="b"/>
             <a:pathLst>
-              <a:path extrusionOk="0" h="120000" w="120000">
+              <a:path w="120000" h="120000" extrusionOk="0">
                 <a:moveTo>
                   <a:pt x="0" y="0"/>
                 </a:moveTo>
@@ -1343,9 +1296,11 @@
       <p:sp>
         <p:nvSpPr>
           <p:cNvPr id="90" name="Google Shape;90;g178a5f9ebe_0_72:notes"/>
-          <p:cNvSpPr txBox="1"/>
+          <p:cNvSpPr txBox="1">
+            <a:spLocks noGrp="1"/>
+          </p:cNvSpPr>
           <p:nvPr>
-            <p:ph idx="1" type="body"/>
+            <p:ph type="body" idx="1"/>
           </p:nvPr>
         </p:nvSpPr>
         <p:spPr>
@@ -1358,12 +1313,12 @@
           </a:prstGeom>
         </p:spPr>
         <p:txBody>
-          <a:bodyPr anchorCtr="0" anchor="t" bIns="91425" lIns="91425" spcFirstLastPara="1" rIns="91425" wrap="square" tIns="91425">
+          <a:bodyPr spcFirstLastPara="1" wrap="square" lIns="91425" tIns="91425" rIns="91425" bIns="91425" anchor="t" anchorCtr="0">
             <a:noAutofit/>
           </a:bodyPr>
           <a:lstStyle/>
           <a:p>
-            <a:pPr indent="0" lvl="0" marL="0" rtl="0" algn="l">
+            <a:pPr marL="0" lvl="0" indent="0" algn="l" rtl="0">
               <a:spcBef>
                 <a:spcPts val="0"/>
               </a:spcBef>
@@ -1372,9 +1327,6 @@
               </a:spcAft>
               <a:buNone/>
             </a:pPr>
-            <a:r>
-              <a:t/>
-            </a:r>
             <a:endParaRPr/>
           </a:p>
         </p:txBody>
@@ -1388,11 +1340,11 @@
 </file>
 
 <file path=ppt/notesSlides/notesSlide6.xml><?xml version="1.0" encoding="utf-8"?>
-<p:notes xmlns:a="http://schemas.openxmlformats.org/drawingml/2006/main" xmlns:r="http://schemas.openxmlformats.org/officeDocument/2006/relationships" xmlns:mc="http://schemas.openxmlformats.org/markup-compatibility/2006" xmlns:mv="urn:schemas-microsoft-com:mac:vml" xmlns:p="http://schemas.openxmlformats.org/presentationml/2006/main" xmlns:c="http://schemas.openxmlformats.org/drawingml/2006/chart" xmlns:dgm="http://schemas.openxmlformats.org/drawingml/2006/diagram" xmlns:o="urn:schemas-microsoft-com:office:office" xmlns:v="urn:schemas-microsoft-com:vml" xmlns:pvml="urn:schemas-microsoft-com:office:powerpoint" xmlns:com="http://schemas.openxmlformats.org/drawingml/2006/compatibility" xmlns:p14="http://schemas.microsoft.com/office/powerpoint/2010/main" xmlns:p15="http://schemas.microsoft.com/office/powerpoint/2012/main" showMasterPhAnim="0" showMasterSp="0">
+<p:notes xmlns:a="http://schemas.openxmlformats.org/drawingml/2006/main" xmlns:r="http://schemas.openxmlformats.org/officeDocument/2006/relationships" xmlns:p="http://schemas.openxmlformats.org/presentationml/2006/main" showMasterSp="0" showMasterPhAnim="0">
   <p:cSld>
     <p:spTree>
       <p:nvGrpSpPr>
-        <p:cNvPr id="95" name="Shape 95"/>
+        <p:cNvPr id="1" name="Shape 95"/>
         <p:cNvGrpSpPr/>
         <p:nvPr/>
       </p:nvGrpSpPr>
@@ -1407,9 +1359,11 @@
       <p:sp>
         <p:nvSpPr>
           <p:cNvPr id="96" name="Google Shape;96;g178a5f9ebe_0_87:notes"/>
-          <p:cNvSpPr/>
+          <p:cNvSpPr>
+            <a:spLocks noGrp="1" noRot="1" noChangeAspect="1"/>
+          </p:cNvSpPr>
           <p:nvPr>
-            <p:ph idx="2" type="sldImg"/>
+            <p:ph type="sldImg" idx="2"/>
           </p:nvPr>
         </p:nvSpPr>
         <p:spPr>
@@ -1418,9 +1372,13 @@
             <a:ext cx="6096000" cy="3429000"/>
           </a:xfrm>
           <a:custGeom>
-            <a:rect b="b" l="l" r="r" t="t"/>
+            <a:avLst/>
+            <a:gdLst/>
+            <a:ahLst/>
+            <a:cxnLst/>
+            <a:rect l="l" t="t" r="r" b="b"/>
             <a:pathLst>
-              <a:path extrusionOk="0" h="120000" w="120000">
+              <a:path w="120000" h="120000" extrusionOk="0">
                 <a:moveTo>
                   <a:pt x="0" y="0"/>
                 </a:moveTo>
@@ -1442,9 +1400,11 @@
       <p:sp>
         <p:nvSpPr>
           <p:cNvPr id="97" name="Google Shape;97;g178a5f9ebe_0_87:notes"/>
-          <p:cNvSpPr txBox="1"/>
+          <p:cNvSpPr txBox="1">
+            <a:spLocks noGrp="1"/>
+          </p:cNvSpPr>
           <p:nvPr>
-            <p:ph idx="1" type="body"/>
+            <p:ph type="body" idx="1"/>
           </p:nvPr>
         </p:nvSpPr>
         <p:spPr>
@@ -1457,12 +1417,12 @@
           </a:prstGeom>
         </p:spPr>
         <p:txBody>
-          <a:bodyPr anchorCtr="0" anchor="t" bIns="91425" lIns="91425" spcFirstLastPara="1" rIns="91425" wrap="square" tIns="91425">
+          <a:bodyPr spcFirstLastPara="1" wrap="square" lIns="91425" tIns="91425" rIns="91425" bIns="91425" anchor="t" anchorCtr="0">
             <a:noAutofit/>
           </a:bodyPr>
           <a:lstStyle/>
           <a:p>
-            <a:pPr indent="0" lvl="0" marL="0" rtl="0" algn="l">
+            <a:pPr marL="0" lvl="0" indent="0" algn="l" rtl="0">
               <a:spcBef>
                 <a:spcPts val="0"/>
               </a:spcBef>
@@ -1471,9 +1431,6 @@
               </a:spcAft>
               <a:buNone/>
             </a:pPr>
-            <a:r>
-              <a:t/>
-            </a:r>
             <a:endParaRPr/>
           </a:p>
         </p:txBody>
@@ -1487,11 +1444,11 @@
 </file>
 
 <file path=ppt/notesSlides/notesSlide7.xml><?xml version="1.0" encoding="utf-8"?>
-<p:notes xmlns:a="http://schemas.openxmlformats.org/drawingml/2006/main" xmlns:r="http://schemas.openxmlformats.org/officeDocument/2006/relationships" xmlns:mc="http://schemas.openxmlformats.org/markup-compatibility/2006" xmlns:mv="urn:schemas-microsoft-com:mac:vml" xmlns:p="http://schemas.openxmlformats.org/presentationml/2006/main" xmlns:c="http://schemas.openxmlformats.org/drawingml/2006/chart" xmlns:dgm="http://schemas.openxmlformats.org/drawingml/2006/diagram" xmlns:o="urn:schemas-microsoft-com:office:office" xmlns:v="urn:schemas-microsoft-com:vml" xmlns:pvml="urn:schemas-microsoft-com:office:powerpoint" xmlns:com="http://schemas.openxmlformats.org/drawingml/2006/compatibility" xmlns:p14="http://schemas.microsoft.com/office/powerpoint/2010/main" xmlns:p15="http://schemas.microsoft.com/office/powerpoint/2012/main" showMasterPhAnim="0" showMasterSp="0">
+<p:notes xmlns:a="http://schemas.openxmlformats.org/drawingml/2006/main" xmlns:r="http://schemas.openxmlformats.org/officeDocument/2006/relationships" xmlns:p="http://schemas.openxmlformats.org/presentationml/2006/main" showMasterSp="0" showMasterPhAnim="0">
   <p:cSld>
     <p:spTree>
       <p:nvGrpSpPr>
-        <p:cNvPr id="101" name="Shape 101"/>
+        <p:cNvPr id="1" name="Shape 101"/>
         <p:cNvGrpSpPr/>
         <p:nvPr/>
       </p:nvGrpSpPr>
@@ -1506,9 +1463,11 @@
       <p:sp>
         <p:nvSpPr>
           <p:cNvPr id="102" name="Google Shape;102;g178a5f9ebe_0_77:notes"/>
-          <p:cNvSpPr/>
+          <p:cNvSpPr>
+            <a:spLocks noGrp="1" noRot="1" noChangeAspect="1"/>
+          </p:cNvSpPr>
           <p:nvPr>
-            <p:ph idx="2" type="sldImg"/>
+            <p:ph type="sldImg" idx="2"/>
           </p:nvPr>
         </p:nvSpPr>
         <p:spPr>
@@ -1517,9 +1476,13 @@
             <a:ext cx="6096000" cy="3429000"/>
           </a:xfrm>
           <a:custGeom>
-            <a:rect b="b" l="l" r="r" t="t"/>
+            <a:avLst/>
+            <a:gdLst/>
+            <a:ahLst/>
+            <a:cxnLst/>
+            <a:rect l="l" t="t" r="r" b="b"/>
             <a:pathLst>
-              <a:path extrusionOk="0" h="120000" w="120000">
+              <a:path w="120000" h="120000" extrusionOk="0">
                 <a:moveTo>
                   <a:pt x="0" y="0"/>
                 </a:moveTo>
@@ -1541,9 +1504,11 @@
       <p:sp>
         <p:nvSpPr>
           <p:cNvPr id="103" name="Google Shape;103;g178a5f9ebe_0_77:notes"/>
-          <p:cNvSpPr txBox="1"/>
+          <p:cNvSpPr txBox="1">
+            <a:spLocks noGrp="1"/>
+          </p:cNvSpPr>
           <p:nvPr>
-            <p:ph idx="1" type="body"/>
+            <p:ph type="body" idx="1"/>
           </p:nvPr>
         </p:nvSpPr>
         <p:spPr>
@@ -1556,12 +1521,12 @@
           </a:prstGeom>
         </p:spPr>
         <p:txBody>
-          <a:bodyPr anchorCtr="0" anchor="t" bIns="91425" lIns="91425" spcFirstLastPara="1" rIns="91425" wrap="square" tIns="91425">
+          <a:bodyPr spcFirstLastPara="1" wrap="square" lIns="91425" tIns="91425" rIns="91425" bIns="91425" anchor="t" anchorCtr="0">
             <a:noAutofit/>
           </a:bodyPr>
           <a:lstStyle/>
           <a:p>
-            <a:pPr indent="0" lvl="0" marL="0" rtl="0" algn="l">
+            <a:pPr marL="0" lvl="0" indent="0" algn="l" rtl="0">
               <a:spcBef>
                 <a:spcPts val="0"/>
               </a:spcBef>
@@ -1570,9 +1535,6 @@
               </a:spcAft>
               <a:buNone/>
             </a:pPr>
-            <a:r>
-              <a:t/>
-            </a:r>
             <a:endParaRPr/>
           </a:p>
         </p:txBody>
@@ -1586,11 +1548,11 @@
 </file>
 
 <file path=ppt/notesSlides/notesSlide8.xml><?xml version="1.0" encoding="utf-8"?>
-<p:notes xmlns:a="http://schemas.openxmlformats.org/drawingml/2006/main" xmlns:r="http://schemas.openxmlformats.org/officeDocument/2006/relationships" xmlns:mc="http://schemas.openxmlformats.org/markup-compatibility/2006" xmlns:mv="urn:schemas-microsoft-com:mac:vml" xmlns:p="http://schemas.openxmlformats.org/presentationml/2006/main" xmlns:c="http://schemas.openxmlformats.org/drawingml/2006/chart" xmlns:dgm="http://schemas.openxmlformats.org/drawingml/2006/diagram" xmlns:o="urn:schemas-microsoft-com:office:office" xmlns:v="urn:schemas-microsoft-com:vml" xmlns:pvml="urn:schemas-microsoft-com:office:powerpoint" xmlns:com="http://schemas.openxmlformats.org/drawingml/2006/compatibility" xmlns:p14="http://schemas.microsoft.com/office/powerpoint/2010/main" xmlns:p15="http://schemas.microsoft.com/office/powerpoint/2012/main" showMasterPhAnim="0" showMasterSp="0">
+<p:notes xmlns:a="http://schemas.openxmlformats.org/drawingml/2006/main" xmlns:r="http://schemas.openxmlformats.org/officeDocument/2006/relationships" xmlns:p="http://schemas.openxmlformats.org/presentationml/2006/main" showMasterSp="0" showMasterPhAnim="0">
   <p:cSld>
     <p:spTree>
       <p:nvGrpSpPr>
-        <p:cNvPr id="108" name="Shape 108"/>
+        <p:cNvPr id="1" name="Shape 108"/>
         <p:cNvGrpSpPr/>
         <p:nvPr/>
       </p:nvGrpSpPr>
@@ -1605,9 +1567,11 @@
       <p:sp>
         <p:nvSpPr>
           <p:cNvPr id="109" name="Google Shape;109;g178a5f9ebe_0_82:notes"/>
-          <p:cNvSpPr/>
+          <p:cNvSpPr>
+            <a:spLocks noGrp="1" noRot="1" noChangeAspect="1"/>
+          </p:cNvSpPr>
           <p:nvPr>
-            <p:ph idx="2" type="sldImg"/>
+            <p:ph type="sldImg" idx="2"/>
           </p:nvPr>
         </p:nvSpPr>
         <p:spPr>
@@ -1616,9 +1580,13 @@
             <a:ext cx="6096000" cy="3429000"/>
           </a:xfrm>
           <a:custGeom>
-            <a:rect b="b" l="l" r="r" t="t"/>
+            <a:avLst/>
+            <a:gdLst/>
+            <a:ahLst/>
+            <a:cxnLst/>
+            <a:rect l="l" t="t" r="r" b="b"/>
             <a:pathLst>
-              <a:path extrusionOk="0" h="120000" w="120000">
+              <a:path w="120000" h="120000" extrusionOk="0">
                 <a:moveTo>
                   <a:pt x="0" y="0"/>
                 </a:moveTo>
@@ -1640,9 +1608,11 @@
       <p:sp>
         <p:nvSpPr>
           <p:cNvPr id="110" name="Google Shape;110;g178a5f9ebe_0_82:notes"/>
-          <p:cNvSpPr txBox="1"/>
+          <p:cNvSpPr txBox="1">
+            <a:spLocks noGrp="1"/>
+          </p:cNvSpPr>
           <p:nvPr>
-            <p:ph idx="1" type="body"/>
+            <p:ph type="body" idx="1"/>
           </p:nvPr>
         </p:nvSpPr>
         <p:spPr>
@@ -1655,12 +1625,12 @@
           </a:prstGeom>
         </p:spPr>
         <p:txBody>
-          <a:bodyPr anchorCtr="0" anchor="t" bIns="91425" lIns="91425" spcFirstLastPara="1" rIns="91425" wrap="square" tIns="91425">
+          <a:bodyPr spcFirstLastPara="1" wrap="square" lIns="91425" tIns="91425" rIns="91425" bIns="91425" anchor="t" anchorCtr="0">
             <a:noAutofit/>
           </a:bodyPr>
           <a:lstStyle/>
           <a:p>
-            <a:pPr indent="0" lvl="0" marL="0" rtl="0" algn="l">
+            <a:pPr marL="0" lvl="0" indent="0" algn="l" rtl="0">
               <a:spcBef>
                 <a:spcPts val="0"/>
               </a:spcBef>
@@ -1669,9 +1639,6 @@
               </a:spcAft>
               <a:buNone/>
             </a:pPr>
-            <a:r>
-              <a:t/>
-            </a:r>
             <a:endParaRPr/>
           </a:p>
         </p:txBody>
@@ -1685,11 +1652,11 @@
 </file>
 
 <file path=ppt/notesSlides/notesSlide9.xml><?xml version="1.0" encoding="utf-8"?>
-<p:notes xmlns:a="http://schemas.openxmlformats.org/drawingml/2006/main" xmlns:r="http://schemas.openxmlformats.org/officeDocument/2006/relationships" xmlns:mc="http://schemas.openxmlformats.org/markup-compatibility/2006" xmlns:mv="urn:schemas-microsoft-com:mac:vml" xmlns:p="http://schemas.openxmlformats.org/presentationml/2006/main" xmlns:c="http://schemas.openxmlformats.org/drawingml/2006/chart" xmlns:dgm="http://schemas.openxmlformats.org/drawingml/2006/diagram" xmlns:o="urn:schemas-microsoft-com:office:office" xmlns:v="urn:schemas-microsoft-com:vml" xmlns:pvml="urn:schemas-microsoft-com:office:powerpoint" xmlns:com="http://schemas.openxmlformats.org/drawingml/2006/compatibility" xmlns:p14="http://schemas.microsoft.com/office/powerpoint/2010/main" xmlns:p15="http://schemas.microsoft.com/office/powerpoint/2012/main" showMasterPhAnim="0" showMasterSp="0">
+<p:notes xmlns:a="http://schemas.openxmlformats.org/drawingml/2006/main" xmlns:r="http://schemas.openxmlformats.org/officeDocument/2006/relationships" xmlns:p="http://schemas.openxmlformats.org/presentationml/2006/main" showMasterSp="0" showMasterPhAnim="0">
   <p:cSld>
     <p:spTree>
       <p:nvGrpSpPr>
-        <p:cNvPr id="115" name="Shape 115"/>
+        <p:cNvPr id="1" name="Shape 115"/>
         <p:cNvGrpSpPr/>
         <p:nvPr/>
       </p:nvGrpSpPr>
@@ -1704,9 +1671,11 @@
       <p:sp>
         <p:nvSpPr>
           <p:cNvPr id="116" name="Google Shape;116;g178a5f9ebe_0_92:notes"/>
-          <p:cNvSpPr/>
+          <p:cNvSpPr>
+            <a:spLocks noGrp="1" noRot="1" noChangeAspect="1"/>
+          </p:cNvSpPr>
           <p:nvPr>
-            <p:ph idx="2" type="sldImg"/>
+            <p:ph type="sldImg" idx="2"/>
           </p:nvPr>
         </p:nvSpPr>
         <p:spPr>
@@ -1715,9 +1684,13 @@
             <a:ext cx="6096000" cy="3429000"/>
           </a:xfrm>
           <a:custGeom>
-            <a:rect b="b" l="l" r="r" t="t"/>
+            <a:avLst/>
+            <a:gdLst/>
+            <a:ahLst/>
+            <a:cxnLst/>
+            <a:rect l="l" t="t" r="r" b="b"/>
             <a:pathLst>
-              <a:path extrusionOk="0" h="120000" w="120000">
+              <a:path w="120000" h="120000" extrusionOk="0">
                 <a:moveTo>
                   <a:pt x="0" y="0"/>
                 </a:moveTo>
@@ -1739,9 +1712,11 @@
       <p:sp>
         <p:nvSpPr>
           <p:cNvPr id="117" name="Google Shape;117;g178a5f9ebe_0_92:notes"/>
-          <p:cNvSpPr txBox="1"/>
+          <p:cNvSpPr txBox="1">
+            <a:spLocks noGrp="1"/>
+          </p:cNvSpPr>
           <p:nvPr>
-            <p:ph idx="1" type="body"/>
+            <p:ph type="body" idx="1"/>
           </p:nvPr>
         </p:nvSpPr>
         <p:spPr>
@@ -1754,12 +1729,12 @@
           </a:prstGeom>
         </p:spPr>
         <p:txBody>
-          <a:bodyPr anchorCtr="0" anchor="t" bIns="91425" lIns="91425" spcFirstLastPara="1" rIns="91425" wrap="square" tIns="91425">
+          <a:bodyPr spcFirstLastPara="1" wrap="square" lIns="91425" tIns="91425" rIns="91425" bIns="91425" anchor="t" anchorCtr="0">
             <a:noAutofit/>
           </a:bodyPr>
           <a:lstStyle/>
           <a:p>
-            <a:pPr indent="0" lvl="0" marL="0" rtl="0" algn="l">
+            <a:pPr marL="0" lvl="0" indent="0" algn="l" rtl="0">
               <a:spcBef>
                 <a:spcPts val="0"/>
               </a:spcBef>
@@ -1768,9 +1743,6 @@
               </a:spcAft>
               <a:buNone/>
             </a:pPr>
-            <a:r>
-              <a:t/>
-            </a:r>
             <a:endParaRPr/>
           </a:p>
         </p:txBody>
@@ -1784,11 +1756,11 @@
 </file>
 
 <file path=ppt/slideLayouts/slideLayout1.xml><?xml version="1.0" encoding="utf-8"?>
-<p:sldLayout xmlns:a="http://schemas.openxmlformats.org/drawingml/2006/main" xmlns:r="http://schemas.openxmlformats.org/officeDocument/2006/relationships" xmlns:mc="http://schemas.openxmlformats.org/markup-compatibility/2006" xmlns:mv="urn:schemas-microsoft-com:mac:vml" xmlns:p="http://schemas.openxmlformats.org/presentationml/2006/main" xmlns:c="http://schemas.openxmlformats.org/drawingml/2006/chart" xmlns:dgm="http://schemas.openxmlformats.org/drawingml/2006/diagram" xmlns:o="urn:schemas-microsoft-com:office:office" xmlns:v="urn:schemas-microsoft-com:vml" xmlns:pvml="urn:schemas-microsoft-com:office:powerpoint" xmlns:com="http://schemas.openxmlformats.org/drawingml/2006/compatibility" xmlns:p14="http://schemas.microsoft.com/office/powerpoint/2010/main" xmlns:p15="http://schemas.microsoft.com/office/powerpoint/2012/main" matchingName="Title slide" type="title">
+<p:sldLayout xmlns:a="http://schemas.openxmlformats.org/drawingml/2006/main" xmlns:r="http://schemas.openxmlformats.org/officeDocument/2006/relationships" xmlns:p="http://schemas.openxmlformats.org/presentationml/2006/main" matchingName="Title slide" type="title">
   <p:cSld name="TITLE">
     <p:spTree>
       <p:nvGrpSpPr>
-        <p:cNvPr id="9" name="Shape 9"/>
+        <p:cNvPr id="1" name="Shape 9"/>
         <p:cNvGrpSpPr/>
         <p:nvPr/>
       </p:nvGrpSpPr>
@@ -1815,14 +1787,14 @@
             <a:avLst/>
           </a:prstGeom>
           <a:noFill/>
-          <a:ln cap="flat" cmpd="sng" w="76200">
+          <a:ln w="76200" cap="flat" cmpd="sng">
             <a:solidFill>
               <a:schemeClr val="lt2"/>
             </a:solidFill>
             <a:prstDash val="solid"/>
             <a:round/>
-            <a:headEnd len="sm" w="sm" type="none"/>
-            <a:tailEnd len="sm" w="sm" type="none"/>
+            <a:headEnd type="none" w="sm" len="sm"/>
+            <a:tailEnd type="none" w="sm" len="sm"/>
           </a:ln>
         </p:spPr>
       </p:cxnSp>
@@ -1841,14 +1813,14 @@
             <a:avLst/>
           </a:prstGeom>
           <a:noFill/>
-          <a:ln cap="flat" cmpd="sng" w="76200">
+          <a:ln w="76200" cap="flat" cmpd="sng">
             <a:solidFill>
               <a:schemeClr val="lt2"/>
             </a:solidFill>
             <a:prstDash val="solid"/>
             <a:round/>
-            <a:headEnd len="sm" w="sm" type="none"/>
-            <a:tailEnd len="sm" w="sm" type="none"/>
+            <a:headEnd type="none" w="sm" len="sm"/>
+            <a:tailEnd type="none" w="sm" len="sm"/>
           </a:ln>
         </p:spPr>
       </p:cxnSp>
@@ -1881,14 +1853,14 @@
               <a:avLst/>
             </a:prstGeom>
             <a:noFill/>
-            <a:ln cap="flat" cmpd="sng" w="76200">
+            <a:ln w="76200" cap="flat" cmpd="sng">
               <a:solidFill>
                 <a:schemeClr val="accent3"/>
               </a:solidFill>
               <a:prstDash val="solid"/>
               <a:round/>
-              <a:headEnd len="sm" w="sm" type="none"/>
-              <a:tailEnd len="sm" w="sm" type="none"/>
+              <a:headEnd type="none" w="sm" len="sm"/>
+              <a:tailEnd type="none" w="sm" len="sm"/>
             </a:ln>
           </p:spPr>
         </p:cxnSp>
@@ -1907,14 +1879,14 @@
               <a:avLst/>
             </a:prstGeom>
             <a:noFill/>
-            <a:ln cap="flat" cmpd="sng" w="9525">
+            <a:ln w="9525" cap="flat" cmpd="sng">
               <a:solidFill>
                 <a:schemeClr val="accent3"/>
               </a:solidFill>
               <a:prstDash val="solid"/>
               <a:round/>
-              <a:headEnd len="sm" w="sm" type="none"/>
-              <a:tailEnd len="sm" w="sm" type="none"/>
+              <a:headEnd type="none" w="sm" len="sm"/>
+              <a:tailEnd type="none" w="sm" len="sm"/>
             </a:ln>
           </p:spPr>
         </p:cxnSp>
@@ -1948,14 +1920,14 @@
               <a:avLst/>
             </a:prstGeom>
             <a:noFill/>
-            <a:ln cap="flat" cmpd="sng" w="76200">
+            <a:ln w="76200" cap="flat" cmpd="sng">
               <a:solidFill>
                 <a:schemeClr val="accent3"/>
               </a:solidFill>
               <a:prstDash val="solid"/>
               <a:round/>
-              <a:headEnd len="sm" w="sm" type="none"/>
-              <a:tailEnd len="sm" w="sm" type="none"/>
+              <a:headEnd type="none" w="sm" len="sm"/>
+              <a:tailEnd type="none" w="sm" len="sm"/>
             </a:ln>
           </p:spPr>
         </p:cxnSp>
@@ -1974,14 +1946,14 @@
               <a:avLst/>
             </a:prstGeom>
             <a:noFill/>
-            <a:ln cap="flat" cmpd="sng" w="9525">
+            <a:ln w="9525" cap="flat" cmpd="sng">
               <a:solidFill>
                 <a:schemeClr val="accent3"/>
               </a:solidFill>
               <a:prstDash val="solid"/>
               <a:round/>
-              <a:headEnd len="sm" w="sm" type="none"/>
-              <a:tailEnd len="sm" w="sm" type="none"/>
+              <a:headEnd type="none" w="sm" len="sm"/>
+              <a:tailEnd type="none" w="sm" len="sm"/>
             </a:ln>
           </p:spPr>
         </p:cxnSp>
@@ -1989,7 +1961,9 @@
       <p:sp>
         <p:nvSpPr>
           <p:cNvPr id="18" name="Google Shape;18;p2"/>
-          <p:cNvSpPr txBox="1"/>
+          <p:cNvSpPr txBox="1">
+            <a:spLocks noGrp="1"/>
+          </p:cNvSpPr>
           <p:nvPr>
             <p:ph type="ctrTitle"/>
           </p:nvPr>
@@ -2004,7 +1978,7 @@
           </a:prstGeom>
         </p:spPr>
         <p:txBody>
-          <a:bodyPr anchorCtr="0" anchor="b" bIns="91425" lIns="91425" spcFirstLastPara="1" rIns="91425" wrap="square" tIns="91425">
+          <a:bodyPr spcFirstLastPara="1" wrap="square" lIns="91425" tIns="91425" rIns="91425" bIns="91425" anchor="b" anchorCtr="0">
             <a:noAutofit/>
           </a:bodyPr>
           <a:lstStyle>
@@ -2108,15 +2082,19 @@
               <a:defRPr sz="5400"/>
             </a:lvl9pPr>
           </a:lstStyle>
-          <a:p/>
+          <a:p>
+            <a:endParaRPr/>
+          </a:p>
         </p:txBody>
       </p:sp>
       <p:sp>
         <p:nvSpPr>
           <p:cNvPr id="19" name="Google Shape;19;p2"/>
-          <p:cNvSpPr txBox="1"/>
+          <p:cNvSpPr txBox="1">
+            <a:spLocks noGrp="1"/>
+          </p:cNvSpPr>
           <p:nvPr>
-            <p:ph idx="1" type="subTitle"/>
+            <p:ph type="subTitle" idx="1"/>
           </p:nvPr>
         </p:nvSpPr>
         <p:spPr>
@@ -2129,7 +2107,7 @@
           </a:prstGeom>
         </p:spPr>
         <p:txBody>
-          <a:bodyPr anchorCtr="0" anchor="t" bIns="91425" lIns="91425" spcFirstLastPara="1" rIns="91425" wrap="square" tIns="91425">
+          <a:bodyPr spcFirstLastPara="1" wrap="square" lIns="91425" tIns="91425" rIns="91425" bIns="91425" anchor="t" anchorCtr="0">
             <a:noAutofit/>
           </a:bodyPr>
           <a:lstStyle>
@@ -2260,15 +2238,19 @@
               <a:defRPr sz="2400"/>
             </a:lvl9pPr>
           </a:lstStyle>
-          <a:p/>
+          <a:p>
+            <a:endParaRPr/>
+          </a:p>
         </p:txBody>
       </p:sp>
       <p:sp>
         <p:nvSpPr>
           <p:cNvPr id="20" name="Google Shape;20;p2"/>
-          <p:cNvSpPr txBox="1"/>
+          <p:cNvSpPr txBox="1">
+            <a:spLocks noGrp="1"/>
+          </p:cNvSpPr>
           <p:nvPr>
-            <p:ph idx="12" type="sldNum"/>
+            <p:ph type="sldNum" idx="12"/>
           </p:nvPr>
         </p:nvSpPr>
         <p:spPr>
@@ -2281,7 +2263,7 @@
           </a:prstGeom>
         </p:spPr>
         <p:txBody>
-          <a:bodyPr anchorCtr="0" anchor="ctr" bIns="91425" lIns="91425" spcFirstLastPara="1" rIns="91425" wrap="square" tIns="91425">
+          <a:bodyPr spcFirstLastPara="1" wrap="square" lIns="91425" tIns="91425" rIns="91425" bIns="91425" anchor="ctr" anchorCtr="0">
             <a:noAutofit/>
           </a:bodyPr>
           <a:lstStyle>
@@ -2323,7 +2305,7 @@
             </a:lvl9pPr>
           </a:lstStyle>
           <a:p>
-            <a:pPr indent="0" lvl="0" marL="0" rtl="0" algn="r">
+            <a:pPr marL="0" lvl="0" indent="0" algn="r" rtl="0">
               <a:spcBef>
                 <a:spcPts val="0"/>
               </a:spcBef>
@@ -2349,11 +2331,11 @@
 </file>
 
 <file path=ppt/slideLayouts/slideLayout10.xml><?xml version="1.0" encoding="utf-8"?>
-<p:sldLayout xmlns:a="http://schemas.openxmlformats.org/drawingml/2006/main" xmlns:r="http://schemas.openxmlformats.org/officeDocument/2006/relationships" xmlns:mc="http://schemas.openxmlformats.org/markup-compatibility/2006" xmlns:mv="urn:schemas-microsoft-com:mac:vml" xmlns:p="http://schemas.openxmlformats.org/presentationml/2006/main" xmlns:c="http://schemas.openxmlformats.org/drawingml/2006/chart" xmlns:dgm="http://schemas.openxmlformats.org/drawingml/2006/diagram" xmlns:o="urn:schemas-microsoft-com:office:office" xmlns:v="urn:schemas-microsoft-com:vml" xmlns:pvml="urn:schemas-microsoft-com:office:powerpoint" xmlns:com="http://schemas.openxmlformats.org/drawingml/2006/compatibility" xmlns:p14="http://schemas.microsoft.com/office/powerpoint/2010/main" xmlns:p15="http://schemas.microsoft.com/office/powerpoint/2012/main" matchingName="Big number">
+<p:sldLayout xmlns:a="http://schemas.openxmlformats.org/drawingml/2006/main" xmlns:r="http://schemas.openxmlformats.org/officeDocument/2006/relationships" xmlns:p="http://schemas.openxmlformats.org/presentationml/2006/main" matchingName="Big number">
   <p:cSld name="BIG_NUMBER">
     <p:spTree>
       <p:nvGrpSpPr>
-        <p:cNvPr id="55" name="Shape 55"/>
+        <p:cNvPr id="1" name="Shape 55"/>
         <p:cNvGrpSpPr/>
         <p:nvPr/>
       </p:nvGrpSpPr>
@@ -2387,12 +2369,12 @@
           </a:ln>
         </p:spPr>
         <p:txBody>
-          <a:bodyPr anchorCtr="0" anchor="ctr" bIns="91425" lIns="91425" spcFirstLastPara="1" rIns="91425" wrap="square" tIns="91425">
+          <a:bodyPr spcFirstLastPara="1" wrap="square" lIns="91425" tIns="91425" rIns="91425" bIns="91425" anchor="ctr" anchorCtr="0">
             <a:noAutofit/>
           </a:bodyPr>
           <a:lstStyle/>
           <a:p>
-            <a:pPr indent="0" lvl="0" marL="0" rtl="0" algn="l">
+            <a:pPr marL="0" lvl="0" indent="0" algn="l" rtl="0">
               <a:spcBef>
                 <a:spcPts val="0"/>
               </a:spcBef>
@@ -2401,9 +2383,6 @@
               </a:spcAft>
               <a:buNone/>
             </a:pPr>
-            <a:r>
-              <a:t/>
-            </a:r>
             <a:endParaRPr/>
           </a:p>
         </p:txBody>
@@ -2411,9 +2390,11 @@
       <p:sp>
         <p:nvSpPr>
           <p:cNvPr id="57" name="Google Shape;57;p11"/>
-          <p:cNvSpPr txBox="1"/>
+          <p:cNvSpPr txBox="1">
+            <a:spLocks noGrp="1"/>
+          </p:cNvSpPr>
           <p:nvPr>
-            <p:ph hasCustomPrompt="1" type="title"/>
+            <p:ph type="title" hasCustomPrompt="1"/>
           </p:nvPr>
         </p:nvSpPr>
         <p:spPr>
@@ -2426,7 +2407,7 @@
           </a:prstGeom>
         </p:spPr>
         <p:txBody>
-          <a:bodyPr anchorCtr="0" anchor="ctr" bIns="91425" lIns="91425" spcFirstLastPara="1" rIns="91425" wrap="square" tIns="91425">
+          <a:bodyPr spcFirstLastPara="1" wrap="square" lIns="91425" tIns="91425" rIns="91425" bIns="91425" anchor="ctr" anchorCtr="0">
             <a:noAutofit/>
           </a:bodyPr>
           <a:lstStyle>
@@ -2603,9 +2584,11 @@
       <p:sp>
         <p:nvSpPr>
           <p:cNvPr id="58" name="Google Shape;58;p11"/>
-          <p:cNvSpPr txBox="1"/>
+          <p:cNvSpPr txBox="1">
+            <a:spLocks noGrp="1"/>
+          </p:cNvSpPr>
           <p:nvPr>
-            <p:ph idx="1" type="body"/>
+            <p:ph type="body" idx="1"/>
           </p:nvPr>
         </p:nvSpPr>
         <p:spPr>
@@ -2618,11 +2601,11 @@
           </a:prstGeom>
         </p:spPr>
         <p:txBody>
-          <a:bodyPr anchorCtr="0" anchor="t" bIns="91425" lIns="91425" spcFirstLastPara="1" rIns="91425" wrap="square" tIns="91425">
+          <a:bodyPr spcFirstLastPara="1" wrap="square" lIns="91425" tIns="91425" rIns="91425" bIns="91425" anchor="t" anchorCtr="0">
             <a:noAutofit/>
           </a:bodyPr>
           <a:lstStyle>
-            <a:lvl1pPr indent="-342900" lvl="0" marL="457200" algn="ctr">
+            <a:lvl1pPr marL="457200" lvl="0" indent="-342900" algn="ctr">
               <a:spcBef>
                 <a:spcPts val="0"/>
               </a:spcBef>
@@ -2633,7 +2616,7 @@
               <a:buChar char="●"/>
               <a:defRPr/>
             </a:lvl1pPr>
-            <a:lvl2pPr indent="-317500" lvl="1" marL="914400" algn="ctr">
+            <a:lvl2pPr marL="914400" lvl="1" indent="-317500" algn="ctr">
               <a:spcBef>
                 <a:spcPts val="1600"/>
               </a:spcBef>
@@ -2644,7 +2627,7 @@
               <a:buChar char="○"/>
               <a:defRPr/>
             </a:lvl2pPr>
-            <a:lvl3pPr indent="-317500" lvl="2" marL="1371600" algn="ctr">
+            <a:lvl3pPr marL="1371600" lvl="2" indent="-317500" algn="ctr">
               <a:spcBef>
                 <a:spcPts val="1600"/>
               </a:spcBef>
@@ -2655,7 +2638,7 @@
               <a:buChar char="■"/>
               <a:defRPr/>
             </a:lvl3pPr>
-            <a:lvl4pPr indent="-317500" lvl="3" marL="1828800" algn="ctr">
+            <a:lvl4pPr marL="1828800" lvl="3" indent="-317500" algn="ctr">
               <a:spcBef>
                 <a:spcPts val="1600"/>
               </a:spcBef>
@@ -2666,7 +2649,7 @@
               <a:buChar char="●"/>
               <a:defRPr/>
             </a:lvl4pPr>
-            <a:lvl5pPr indent="-317500" lvl="4" marL="2286000" algn="ctr">
+            <a:lvl5pPr marL="2286000" lvl="4" indent="-317500" algn="ctr">
               <a:spcBef>
                 <a:spcPts val="1600"/>
               </a:spcBef>
@@ -2677,7 +2660,7 @@
               <a:buChar char="○"/>
               <a:defRPr/>
             </a:lvl5pPr>
-            <a:lvl6pPr indent="-317500" lvl="5" marL="2743200" algn="ctr">
+            <a:lvl6pPr marL="2743200" lvl="5" indent="-317500" algn="ctr">
               <a:spcBef>
                 <a:spcPts val="1600"/>
               </a:spcBef>
@@ -2688,7 +2671,7 @@
               <a:buChar char="■"/>
               <a:defRPr/>
             </a:lvl6pPr>
-            <a:lvl7pPr indent="-317500" lvl="6" marL="3200400" algn="ctr">
+            <a:lvl7pPr marL="3200400" lvl="6" indent="-317500" algn="ctr">
               <a:spcBef>
                 <a:spcPts val="1600"/>
               </a:spcBef>
@@ -2699,7 +2682,7 @@
               <a:buChar char="●"/>
               <a:defRPr/>
             </a:lvl7pPr>
-            <a:lvl8pPr indent="-317500" lvl="7" marL="3657600" algn="ctr">
+            <a:lvl8pPr marL="3657600" lvl="7" indent="-317500" algn="ctr">
               <a:spcBef>
                 <a:spcPts val="1600"/>
               </a:spcBef>
@@ -2710,7 +2693,7 @@
               <a:buChar char="○"/>
               <a:defRPr/>
             </a:lvl8pPr>
-            <a:lvl9pPr indent="-317500" lvl="8" marL="4114800" algn="ctr">
+            <a:lvl9pPr marL="4114800" lvl="8" indent="-317500" algn="ctr">
               <a:spcBef>
                 <a:spcPts val="1600"/>
               </a:spcBef>
@@ -2722,15 +2705,19 @@
               <a:defRPr/>
             </a:lvl9pPr>
           </a:lstStyle>
-          <a:p/>
+          <a:p>
+            <a:endParaRPr/>
+          </a:p>
         </p:txBody>
       </p:sp>
       <p:sp>
         <p:nvSpPr>
           <p:cNvPr id="59" name="Google Shape;59;p11"/>
-          <p:cNvSpPr txBox="1"/>
+          <p:cNvSpPr txBox="1">
+            <a:spLocks noGrp="1"/>
+          </p:cNvSpPr>
           <p:nvPr>
-            <p:ph idx="12" type="sldNum"/>
+            <p:ph type="sldNum" idx="12"/>
           </p:nvPr>
         </p:nvSpPr>
         <p:spPr>
@@ -2743,7 +2730,7 @@
           </a:prstGeom>
         </p:spPr>
         <p:txBody>
-          <a:bodyPr anchorCtr="0" anchor="ctr" bIns="91425" lIns="91425" spcFirstLastPara="1" rIns="91425" wrap="square" tIns="91425">
+          <a:bodyPr spcFirstLastPara="1" wrap="square" lIns="91425" tIns="91425" rIns="91425" bIns="91425" anchor="ctr" anchorCtr="0">
             <a:noAutofit/>
           </a:bodyPr>
           <a:lstStyle>
@@ -2785,7 +2772,7 @@
             </a:lvl9pPr>
           </a:lstStyle>
           <a:p>
-            <a:pPr indent="0" lvl="0" marL="0" rtl="0" algn="r">
+            <a:pPr marL="0" lvl="0" indent="0" algn="r" rtl="0">
               <a:spcBef>
                 <a:spcPts val="0"/>
               </a:spcBef>
@@ -2811,11 +2798,11 @@
 </file>
 
 <file path=ppt/slideLayouts/slideLayout11.xml><?xml version="1.0" encoding="utf-8"?>
-<p:sldLayout xmlns:a="http://schemas.openxmlformats.org/drawingml/2006/main" xmlns:r="http://schemas.openxmlformats.org/officeDocument/2006/relationships" xmlns:mc="http://schemas.openxmlformats.org/markup-compatibility/2006" xmlns:mv="urn:schemas-microsoft-com:mac:vml" xmlns:p="http://schemas.openxmlformats.org/presentationml/2006/main" xmlns:c="http://schemas.openxmlformats.org/drawingml/2006/chart" xmlns:dgm="http://schemas.openxmlformats.org/drawingml/2006/diagram" xmlns:o="urn:schemas-microsoft-com:office:office" xmlns:v="urn:schemas-microsoft-com:vml" xmlns:pvml="urn:schemas-microsoft-com:office:powerpoint" xmlns:com="http://schemas.openxmlformats.org/drawingml/2006/compatibility" xmlns:p14="http://schemas.microsoft.com/office/powerpoint/2010/main" xmlns:p15="http://schemas.microsoft.com/office/powerpoint/2012/main" matchingName="Blank" type="blank">
+<p:sldLayout xmlns:a="http://schemas.openxmlformats.org/drawingml/2006/main" xmlns:r="http://schemas.openxmlformats.org/officeDocument/2006/relationships" xmlns:p="http://schemas.openxmlformats.org/presentationml/2006/main" matchingName="Blank" type="blank">
   <p:cSld name="BLANK">
     <p:spTree>
       <p:nvGrpSpPr>
-        <p:cNvPr id="60" name="Shape 60"/>
+        <p:cNvPr id="1" name="Shape 60"/>
         <p:cNvGrpSpPr/>
         <p:nvPr/>
       </p:nvGrpSpPr>
@@ -2830,9 +2817,11 @@
       <p:sp>
         <p:nvSpPr>
           <p:cNvPr id="61" name="Google Shape;61;p12"/>
-          <p:cNvSpPr txBox="1"/>
+          <p:cNvSpPr txBox="1">
+            <a:spLocks noGrp="1"/>
+          </p:cNvSpPr>
           <p:nvPr>
-            <p:ph idx="12" type="sldNum"/>
+            <p:ph type="sldNum" idx="12"/>
           </p:nvPr>
         </p:nvSpPr>
         <p:spPr>
@@ -2845,7 +2834,7 @@
           </a:prstGeom>
         </p:spPr>
         <p:txBody>
-          <a:bodyPr anchorCtr="0" anchor="ctr" bIns="91425" lIns="91425" spcFirstLastPara="1" rIns="91425" wrap="square" tIns="91425">
+          <a:bodyPr spcFirstLastPara="1" wrap="square" lIns="91425" tIns="91425" rIns="91425" bIns="91425" anchor="ctr" anchorCtr="0">
             <a:noAutofit/>
           </a:bodyPr>
           <a:lstStyle>
@@ -2887,7 +2876,7 @@
             </a:lvl9pPr>
           </a:lstStyle>
           <a:p>
-            <a:pPr indent="0" lvl="0" marL="0" rtl="0" algn="r">
+            <a:pPr marL="0" lvl="0" indent="0" algn="r" rtl="0">
               <a:spcBef>
                 <a:spcPts val="0"/>
               </a:spcBef>
@@ -2913,11 +2902,11 @@
 </file>
 
 <file path=ppt/slideLayouts/slideLayout2.xml><?xml version="1.0" encoding="utf-8"?>
-<p:sldLayout xmlns:a="http://schemas.openxmlformats.org/drawingml/2006/main" xmlns:r="http://schemas.openxmlformats.org/officeDocument/2006/relationships" xmlns:mc="http://schemas.openxmlformats.org/markup-compatibility/2006" xmlns:mv="urn:schemas-microsoft-com:mac:vml" xmlns:p="http://schemas.openxmlformats.org/presentationml/2006/main" xmlns:c="http://schemas.openxmlformats.org/drawingml/2006/chart" xmlns:dgm="http://schemas.openxmlformats.org/drawingml/2006/diagram" xmlns:o="urn:schemas-microsoft-com:office:office" xmlns:v="urn:schemas-microsoft-com:vml" xmlns:pvml="urn:schemas-microsoft-com:office:powerpoint" xmlns:com="http://schemas.openxmlformats.org/drawingml/2006/compatibility" xmlns:p14="http://schemas.microsoft.com/office/powerpoint/2010/main" xmlns:p15="http://schemas.microsoft.com/office/powerpoint/2012/main" matchingName="Section header" type="secHead">
+<p:sldLayout xmlns:a="http://schemas.openxmlformats.org/drawingml/2006/main" xmlns:r="http://schemas.openxmlformats.org/officeDocument/2006/relationships" xmlns:p="http://schemas.openxmlformats.org/presentationml/2006/main" matchingName="Section header" type="secHead">
   <p:cSld name="SECTION_HEADER">
     <p:spTree>
       <p:nvGrpSpPr>
-        <p:cNvPr id="21" name="Shape 21"/>
+        <p:cNvPr id="1" name="Shape 21"/>
         <p:cNvGrpSpPr/>
         <p:nvPr/>
       </p:nvGrpSpPr>
@@ -2951,12 +2940,12 @@
           </a:ln>
         </p:spPr>
         <p:txBody>
-          <a:bodyPr anchorCtr="0" anchor="ctr" bIns="91425" lIns="91425" spcFirstLastPara="1" rIns="91425" wrap="square" tIns="91425">
+          <a:bodyPr spcFirstLastPara="1" wrap="square" lIns="91425" tIns="91425" rIns="91425" bIns="91425" anchor="ctr" anchorCtr="0">
             <a:noAutofit/>
           </a:bodyPr>
           <a:lstStyle/>
           <a:p>
-            <a:pPr indent="0" lvl="0" marL="0" rtl="0" algn="l">
+            <a:pPr marL="0" lvl="0" indent="0" algn="l" rtl="0">
               <a:spcBef>
                 <a:spcPts val="0"/>
               </a:spcBef>
@@ -2965,9 +2954,6 @@
               </a:spcAft>
               <a:buNone/>
             </a:pPr>
-            <a:r>
-              <a:t/>
-            </a:r>
             <a:endParaRPr/>
           </a:p>
         </p:txBody>
@@ -2975,7 +2961,9 @@
       <p:sp>
         <p:nvSpPr>
           <p:cNvPr id="23" name="Google Shape;23;p3"/>
-          <p:cNvSpPr txBox="1"/>
+          <p:cNvSpPr txBox="1">
+            <a:spLocks noGrp="1"/>
+          </p:cNvSpPr>
           <p:nvPr>
             <p:ph type="title"/>
           </p:nvPr>
@@ -2990,7 +2978,7 @@
           </a:prstGeom>
         </p:spPr>
         <p:txBody>
-          <a:bodyPr anchorCtr="0" anchor="ctr" bIns="91425" lIns="91425" spcFirstLastPara="1" rIns="91425" wrap="square" tIns="91425">
+          <a:bodyPr spcFirstLastPara="1" wrap="square" lIns="91425" tIns="91425" rIns="91425" bIns="91425" anchor="ctr" anchorCtr="0">
             <a:noAutofit/>
           </a:bodyPr>
           <a:lstStyle>
@@ -3094,15 +3082,19 @@
               <a:defRPr/>
             </a:lvl9pPr>
           </a:lstStyle>
-          <a:p/>
+          <a:p>
+            <a:endParaRPr/>
+          </a:p>
         </p:txBody>
       </p:sp>
       <p:sp>
         <p:nvSpPr>
           <p:cNvPr id="24" name="Google Shape;24;p3"/>
-          <p:cNvSpPr txBox="1"/>
+          <p:cNvSpPr txBox="1">
+            <a:spLocks noGrp="1"/>
+          </p:cNvSpPr>
           <p:nvPr>
-            <p:ph idx="12" type="sldNum"/>
+            <p:ph type="sldNum" idx="12"/>
           </p:nvPr>
         </p:nvSpPr>
         <p:spPr>
@@ -3115,7 +3107,7 @@
           </a:prstGeom>
         </p:spPr>
         <p:txBody>
-          <a:bodyPr anchorCtr="0" anchor="ctr" bIns="91425" lIns="91425" spcFirstLastPara="1" rIns="91425" wrap="square" tIns="91425">
+          <a:bodyPr spcFirstLastPara="1" wrap="square" lIns="91425" tIns="91425" rIns="91425" bIns="91425" anchor="ctr" anchorCtr="0">
             <a:noAutofit/>
           </a:bodyPr>
           <a:lstStyle>
@@ -3193,7 +3185,7 @@
             </a:lvl9pPr>
           </a:lstStyle>
           <a:p>
-            <a:pPr indent="0" lvl="0" marL="0" rtl="0" algn="r">
+            <a:pPr marL="0" lvl="0" indent="0" algn="r" rtl="0">
               <a:spcBef>
                 <a:spcPts val="0"/>
               </a:spcBef>
@@ -3219,11 +3211,11 @@
 </file>
 
 <file path=ppt/slideLayouts/slideLayout3.xml><?xml version="1.0" encoding="utf-8"?>
-<p:sldLayout xmlns:a="http://schemas.openxmlformats.org/drawingml/2006/main" xmlns:r="http://schemas.openxmlformats.org/officeDocument/2006/relationships" xmlns:mc="http://schemas.openxmlformats.org/markup-compatibility/2006" xmlns:mv="urn:schemas-microsoft-com:mac:vml" xmlns:p="http://schemas.openxmlformats.org/presentationml/2006/main" xmlns:c="http://schemas.openxmlformats.org/drawingml/2006/chart" xmlns:dgm="http://schemas.openxmlformats.org/drawingml/2006/diagram" xmlns:o="urn:schemas-microsoft-com:office:office" xmlns:v="urn:schemas-microsoft-com:vml" xmlns:pvml="urn:schemas-microsoft-com:office:powerpoint" xmlns:com="http://schemas.openxmlformats.org/drawingml/2006/compatibility" xmlns:p14="http://schemas.microsoft.com/office/powerpoint/2010/main" xmlns:p15="http://schemas.microsoft.com/office/powerpoint/2012/main" matchingName="Title and body" type="tx">
+<p:sldLayout xmlns:a="http://schemas.openxmlformats.org/drawingml/2006/main" xmlns:r="http://schemas.openxmlformats.org/officeDocument/2006/relationships" xmlns:p="http://schemas.openxmlformats.org/presentationml/2006/main" matchingName="Title and body" type="tx">
   <p:cSld name="TITLE_AND_BODY">
     <p:spTree>
       <p:nvGrpSpPr>
-        <p:cNvPr id="25" name="Shape 25"/>
+        <p:cNvPr id="1" name="Shape 25"/>
         <p:cNvGrpSpPr/>
         <p:nvPr/>
       </p:nvGrpSpPr>
@@ -3257,12 +3249,12 @@
           </a:ln>
         </p:spPr>
         <p:txBody>
-          <a:bodyPr anchorCtr="0" anchor="ctr" bIns="91425" lIns="91425" spcFirstLastPara="1" rIns="91425" wrap="square" tIns="91425">
+          <a:bodyPr spcFirstLastPara="1" wrap="square" lIns="91425" tIns="91425" rIns="91425" bIns="91425" anchor="ctr" anchorCtr="0">
             <a:noAutofit/>
           </a:bodyPr>
           <a:lstStyle/>
           <a:p>
-            <a:pPr indent="0" lvl="0" marL="0" rtl="0" algn="l">
+            <a:pPr marL="0" lvl="0" indent="0" algn="l" rtl="0">
               <a:spcBef>
                 <a:spcPts val="0"/>
               </a:spcBef>
@@ -3271,9 +3263,6 @@
               </a:spcAft>
               <a:buNone/>
             </a:pPr>
-            <a:r>
-              <a:t/>
-            </a:r>
             <a:endParaRPr/>
           </a:p>
         </p:txBody>
@@ -3281,7 +3270,9 @@
       <p:sp>
         <p:nvSpPr>
           <p:cNvPr id="27" name="Google Shape;27;p4"/>
-          <p:cNvSpPr txBox="1"/>
+          <p:cNvSpPr txBox="1">
+            <a:spLocks noGrp="1"/>
+          </p:cNvSpPr>
           <p:nvPr>
             <p:ph type="title"/>
           </p:nvPr>
@@ -3296,7 +3287,7 @@
           </a:prstGeom>
         </p:spPr>
         <p:txBody>
-          <a:bodyPr anchorCtr="0" anchor="t" bIns="91425" lIns="91425" spcFirstLastPara="1" rIns="91425" wrap="square" tIns="91425">
+          <a:bodyPr spcFirstLastPara="1" wrap="square" lIns="91425" tIns="91425" rIns="91425" bIns="91425" anchor="t" anchorCtr="0">
             <a:noAutofit/>
           </a:bodyPr>
           <a:lstStyle>
@@ -3400,15 +3391,19 @@
               <a:defRPr/>
             </a:lvl9pPr>
           </a:lstStyle>
-          <a:p/>
+          <a:p>
+            <a:endParaRPr/>
+          </a:p>
         </p:txBody>
       </p:sp>
       <p:sp>
         <p:nvSpPr>
           <p:cNvPr id="28" name="Google Shape;28;p4"/>
-          <p:cNvSpPr txBox="1"/>
+          <p:cNvSpPr txBox="1">
+            <a:spLocks noGrp="1"/>
+          </p:cNvSpPr>
           <p:nvPr>
-            <p:ph idx="1" type="body"/>
+            <p:ph type="body" idx="1"/>
           </p:nvPr>
         </p:nvSpPr>
         <p:spPr>
@@ -3421,11 +3416,11 @@
           </a:prstGeom>
         </p:spPr>
         <p:txBody>
-          <a:bodyPr anchorCtr="0" anchor="t" bIns="91425" lIns="91425" spcFirstLastPara="1" rIns="91425" wrap="square" tIns="91425">
+          <a:bodyPr spcFirstLastPara="1" wrap="square" lIns="91425" tIns="91425" rIns="91425" bIns="91425" anchor="t" anchorCtr="0">
             <a:noAutofit/>
           </a:bodyPr>
           <a:lstStyle>
-            <a:lvl1pPr indent="-342900" lvl="0" marL="457200">
+            <a:lvl1pPr marL="457200" lvl="0" indent="-342900">
               <a:spcBef>
                 <a:spcPts val="0"/>
               </a:spcBef>
@@ -3436,7 +3431,7 @@
               <a:buChar char="●"/>
               <a:defRPr/>
             </a:lvl1pPr>
-            <a:lvl2pPr indent="-317500" lvl="1" marL="914400">
+            <a:lvl2pPr marL="914400" lvl="1" indent="-317500">
               <a:spcBef>
                 <a:spcPts val="1600"/>
               </a:spcBef>
@@ -3447,7 +3442,7 @@
               <a:buChar char="○"/>
               <a:defRPr/>
             </a:lvl2pPr>
-            <a:lvl3pPr indent="-317500" lvl="2" marL="1371600">
+            <a:lvl3pPr marL="1371600" lvl="2" indent="-317500">
               <a:spcBef>
                 <a:spcPts val="1600"/>
               </a:spcBef>
@@ -3458,7 +3453,7 @@
               <a:buChar char="■"/>
               <a:defRPr/>
             </a:lvl3pPr>
-            <a:lvl4pPr indent="-317500" lvl="3" marL="1828800">
+            <a:lvl4pPr marL="1828800" lvl="3" indent="-317500">
               <a:spcBef>
                 <a:spcPts val="1600"/>
               </a:spcBef>
@@ -3469,7 +3464,7 @@
               <a:buChar char="●"/>
               <a:defRPr/>
             </a:lvl4pPr>
-            <a:lvl5pPr indent="-317500" lvl="4" marL="2286000">
+            <a:lvl5pPr marL="2286000" lvl="4" indent="-317500">
               <a:spcBef>
                 <a:spcPts val="1600"/>
               </a:spcBef>
@@ -3480,7 +3475,7 @@
               <a:buChar char="○"/>
               <a:defRPr/>
             </a:lvl5pPr>
-            <a:lvl6pPr indent="-317500" lvl="5" marL="2743200">
+            <a:lvl6pPr marL="2743200" lvl="5" indent="-317500">
               <a:spcBef>
                 <a:spcPts val="1600"/>
               </a:spcBef>
@@ -3491,7 +3486,7 @@
               <a:buChar char="■"/>
               <a:defRPr/>
             </a:lvl6pPr>
-            <a:lvl7pPr indent="-317500" lvl="6" marL="3200400">
+            <a:lvl7pPr marL="3200400" lvl="6" indent="-317500">
               <a:spcBef>
                 <a:spcPts val="1600"/>
               </a:spcBef>
@@ -3502,7 +3497,7 @@
               <a:buChar char="●"/>
               <a:defRPr/>
             </a:lvl7pPr>
-            <a:lvl8pPr indent="-317500" lvl="7" marL="3657600">
+            <a:lvl8pPr marL="3657600" lvl="7" indent="-317500">
               <a:spcBef>
                 <a:spcPts val="1600"/>
               </a:spcBef>
@@ -3513,7 +3508,7 @@
               <a:buChar char="○"/>
               <a:defRPr/>
             </a:lvl8pPr>
-            <a:lvl9pPr indent="-317500" lvl="8" marL="4114800">
+            <a:lvl9pPr marL="4114800" lvl="8" indent="-317500">
               <a:spcBef>
                 <a:spcPts val="1600"/>
               </a:spcBef>
@@ -3525,15 +3520,19 @@
               <a:defRPr/>
             </a:lvl9pPr>
           </a:lstStyle>
-          <a:p/>
+          <a:p>
+            <a:endParaRPr/>
+          </a:p>
         </p:txBody>
       </p:sp>
       <p:sp>
         <p:nvSpPr>
           <p:cNvPr id="29" name="Google Shape;29;p4"/>
-          <p:cNvSpPr txBox="1"/>
+          <p:cNvSpPr txBox="1">
+            <a:spLocks noGrp="1"/>
+          </p:cNvSpPr>
           <p:nvPr>
-            <p:ph idx="12" type="sldNum"/>
+            <p:ph type="sldNum" idx="12"/>
           </p:nvPr>
         </p:nvSpPr>
         <p:spPr>
@@ -3546,7 +3545,7 @@
           </a:prstGeom>
         </p:spPr>
         <p:txBody>
-          <a:bodyPr anchorCtr="0" anchor="ctr" bIns="91425" lIns="91425" spcFirstLastPara="1" rIns="91425" wrap="square" tIns="91425">
+          <a:bodyPr spcFirstLastPara="1" wrap="square" lIns="91425" tIns="91425" rIns="91425" bIns="91425" anchor="ctr" anchorCtr="0">
             <a:noAutofit/>
           </a:bodyPr>
           <a:lstStyle>
@@ -3588,7 +3587,7 @@
             </a:lvl9pPr>
           </a:lstStyle>
           <a:p>
-            <a:pPr indent="0" lvl="0" marL="0" rtl="0" algn="r">
+            <a:pPr marL="0" lvl="0" indent="0" algn="r" rtl="0">
               <a:spcBef>
                 <a:spcPts val="0"/>
               </a:spcBef>
@@ -3614,11 +3613,11 @@
 </file>
 
 <file path=ppt/slideLayouts/slideLayout4.xml><?xml version="1.0" encoding="utf-8"?>
-<p:sldLayout xmlns:a="http://schemas.openxmlformats.org/drawingml/2006/main" xmlns:r="http://schemas.openxmlformats.org/officeDocument/2006/relationships" xmlns:mc="http://schemas.openxmlformats.org/markup-compatibility/2006" xmlns:mv="urn:schemas-microsoft-com:mac:vml" xmlns:p="http://schemas.openxmlformats.org/presentationml/2006/main" xmlns:c="http://schemas.openxmlformats.org/drawingml/2006/chart" xmlns:dgm="http://schemas.openxmlformats.org/drawingml/2006/diagram" xmlns:o="urn:schemas-microsoft-com:office:office" xmlns:v="urn:schemas-microsoft-com:vml" xmlns:pvml="urn:schemas-microsoft-com:office:powerpoint" xmlns:com="http://schemas.openxmlformats.org/drawingml/2006/compatibility" xmlns:p14="http://schemas.microsoft.com/office/powerpoint/2010/main" xmlns:p15="http://schemas.microsoft.com/office/powerpoint/2012/main" matchingName="Title and two columns" type="twoColTx">
+<p:sldLayout xmlns:a="http://schemas.openxmlformats.org/drawingml/2006/main" xmlns:r="http://schemas.openxmlformats.org/officeDocument/2006/relationships" xmlns:p="http://schemas.openxmlformats.org/presentationml/2006/main" matchingName="Title and two columns" type="twoColTx">
   <p:cSld name="TITLE_AND_TWO_COLUMNS">
     <p:spTree>
       <p:nvGrpSpPr>
-        <p:cNvPr id="30" name="Shape 30"/>
+        <p:cNvPr id="1" name="Shape 30"/>
         <p:cNvGrpSpPr/>
         <p:nvPr/>
       </p:nvGrpSpPr>
@@ -3633,7 +3632,9 @@
       <p:sp>
         <p:nvSpPr>
           <p:cNvPr id="31" name="Google Shape;31;p5"/>
-          <p:cNvSpPr txBox="1"/>
+          <p:cNvSpPr txBox="1">
+            <a:spLocks noGrp="1"/>
+          </p:cNvSpPr>
           <p:nvPr>
             <p:ph type="title"/>
           </p:nvPr>
@@ -3648,7 +3649,7 @@
           </a:prstGeom>
         </p:spPr>
         <p:txBody>
-          <a:bodyPr anchorCtr="0" anchor="t" bIns="91425" lIns="91425" spcFirstLastPara="1" rIns="91425" wrap="square" tIns="91425">
+          <a:bodyPr spcFirstLastPara="1" wrap="square" lIns="91425" tIns="91425" rIns="91425" bIns="91425" anchor="t" anchorCtr="0">
             <a:noAutofit/>
           </a:bodyPr>
           <a:lstStyle>
@@ -3752,15 +3753,19 @@
               <a:defRPr/>
             </a:lvl9pPr>
           </a:lstStyle>
-          <a:p/>
+          <a:p>
+            <a:endParaRPr/>
+          </a:p>
         </p:txBody>
       </p:sp>
       <p:sp>
         <p:nvSpPr>
           <p:cNvPr id="32" name="Google Shape;32;p5"/>
-          <p:cNvSpPr txBox="1"/>
+          <p:cNvSpPr txBox="1">
+            <a:spLocks noGrp="1"/>
+          </p:cNvSpPr>
           <p:nvPr>
-            <p:ph idx="1" type="body"/>
+            <p:ph type="body" idx="1"/>
           </p:nvPr>
         </p:nvSpPr>
         <p:spPr>
@@ -3773,11 +3778,11 @@
           </a:prstGeom>
         </p:spPr>
         <p:txBody>
-          <a:bodyPr anchorCtr="0" anchor="t" bIns="91425" lIns="91425" spcFirstLastPara="1" rIns="91425" wrap="square" tIns="91425">
+          <a:bodyPr spcFirstLastPara="1" wrap="square" lIns="91425" tIns="91425" rIns="91425" bIns="91425" anchor="t" anchorCtr="0">
             <a:noAutofit/>
           </a:bodyPr>
           <a:lstStyle>
-            <a:lvl1pPr indent="-317500" lvl="0" marL="457200">
+            <a:lvl1pPr marL="457200" lvl="0" indent="-317500">
               <a:spcBef>
                 <a:spcPts val="0"/>
               </a:spcBef>
@@ -3788,7 +3793,7 @@
               <a:buChar char="●"/>
               <a:defRPr sz="1400"/>
             </a:lvl1pPr>
-            <a:lvl2pPr indent="-304800" lvl="1" marL="914400">
+            <a:lvl2pPr marL="914400" lvl="1" indent="-304800">
               <a:spcBef>
                 <a:spcPts val="1600"/>
               </a:spcBef>
@@ -3799,7 +3804,7 @@
               <a:buChar char="○"/>
               <a:defRPr sz="1200"/>
             </a:lvl2pPr>
-            <a:lvl3pPr indent="-304800" lvl="2" marL="1371600">
+            <a:lvl3pPr marL="1371600" lvl="2" indent="-304800">
               <a:spcBef>
                 <a:spcPts val="1600"/>
               </a:spcBef>
@@ -3810,7 +3815,7 @@
               <a:buChar char="■"/>
               <a:defRPr sz="1200"/>
             </a:lvl3pPr>
-            <a:lvl4pPr indent="-304800" lvl="3" marL="1828800">
+            <a:lvl4pPr marL="1828800" lvl="3" indent="-304800">
               <a:spcBef>
                 <a:spcPts val="1600"/>
               </a:spcBef>
@@ -3821,7 +3826,7 @@
               <a:buChar char="●"/>
               <a:defRPr sz="1200"/>
             </a:lvl4pPr>
-            <a:lvl5pPr indent="-304800" lvl="4" marL="2286000">
+            <a:lvl5pPr marL="2286000" lvl="4" indent="-304800">
               <a:spcBef>
                 <a:spcPts val="1600"/>
               </a:spcBef>
@@ -3832,7 +3837,7 @@
               <a:buChar char="○"/>
               <a:defRPr sz="1200"/>
             </a:lvl5pPr>
-            <a:lvl6pPr indent="-304800" lvl="5" marL="2743200">
+            <a:lvl6pPr marL="2743200" lvl="5" indent="-304800">
               <a:spcBef>
                 <a:spcPts val="1600"/>
               </a:spcBef>
@@ -3843,7 +3848,7 @@
               <a:buChar char="■"/>
               <a:defRPr sz="1200"/>
             </a:lvl6pPr>
-            <a:lvl7pPr indent="-304800" lvl="6" marL="3200400">
+            <a:lvl7pPr marL="3200400" lvl="6" indent="-304800">
               <a:spcBef>
                 <a:spcPts val="1600"/>
               </a:spcBef>
@@ -3854,7 +3859,7 @@
               <a:buChar char="●"/>
               <a:defRPr sz="1200"/>
             </a:lvl7pPr>
-            <a:lvl8pPr indent="-304800" lvl="7" marL="3657600">
+            <a:lvl8pPr marL="3657600" lvl="7" indent="-304800">
               <a:spcBef>
                 <a:spcPts val="1600"/>
               </a:spcBef>
@@ -3865,7 +3870,7 @@
               <a:buChar char="○"/>
               <a:defRPr sz="1200"/>
             </a:lvl8pPr>
-            <a:lvl9pPr indent="-304800" lvl="8" marL="4114800">
+            <a:lvl9pPr marL="4114800" lvl="8" indent="-304800">
               <a:spcBef>
                 <a:spcPts val="1600"/>
               </a:spcBef>
@@ -3877,15 +3882,19 @@
               <a:defRPr sz="1200"/>
             </a:lvl9pPr>
           </a:lstStyle>
-          <a:p/>
+          <a:p>
+            <a:endParaRPr/>
+          </a:p>
         </p:txBody>
       </p:sp>
       <p:sp>
         <p:nvSpPr>
           <p:cNvPr id="33" name="Google Shape;33;p5"/>
-          <p:cNvSpPr txBox="1"/>
+          <p:cNvSpPr txBox="1">
+            <a:spLocks noGrp="1"/>
+          </p:cNvSpPr>
           <p:nvPr>
-            <p:ph idx="2" type="body"/>
+            <p:ph type="body" idx="2"/>
           </p:nvPr>
         </p:nvSpPr>
         <p:spPr>
@@ -3898,11 +3907,11 @@
           </a:prstGeom>
         </p:spPr>
         <p:txBody>
-          <a:bodyPr anchorCtr="0" anchor="t" bIns="91425" lIns="91425" spcFirstLastPara="1" rIns="91425" wrap="square" tIns="91425">
+          <a:bodyPr spcFirstLastPara="1" wrap="square" lIns="91425" tIns="91425" rIns="91425" bIns="91425" anchor="t" anchorCtr="0">
             <a:noAutofit/>
           </a:bodyPr>
           <a:lstStyle>
-            <a:lvl1pPr indent="-317500" lvl="0" marL="457200">
+            <a:lvl1pPr marL="457200" lvl="0" indent="-317500">
               <a:spcBef>
                 <a:spcPts val="0"/>
               </a:spcBef>
@@ -3913,7 +3922,7 @@
               <a:buChar char="●"/>
               <a:defRPr sz="1400"/>
             </a:lvl1pPr>
-            <a:lvl2pPr indent="-304800" lvl="1" marL="914400">
+            <a:lvl2pPr marL="914400" lvl="1" indent="-304800">
               <a:spcBef>
                 <a:spcPts val="1600"/>
               </a:spcBef>
@@ -3924,7 +3933,7 @@
               <a:buChar char="○"/>
               <a:defRPr sz="1200"/>
             </a:lvl2pPr>
-            <a:lvl3pPr indent="-304800" lvl="2" marL="1371600">
+            <a:lvl3pPr marL="1371600" lvl="2" indent="-304800">
               <a:spcBef>
                 <a:spcPts val="1600"/>
               </a:spcBef>
@@ -3935,7 +3944,7 @@
               <a:buChar char="■"/>
               <a:defRPr sz="1200"/>
             </a:lvl3pPr>
-            <a:lvl4pPr indent="-304800" lvl="3" marL="1828800">
+            <a:lvl4pPr marL="1828800" lvl="3" indent="-304800">
               <a:spcBef>
                 <a:spcPts val="1600"/>
               </a:spcBef>
@@ -3946,7 +3955,7 @@
               <a:buChar char="●"/>
               <a:defRPr sz="1200"/>
             </a:lvl4pPr>
-            <a:lvl5pPr indent="-304800" lvl="4" marL="2286000">
+            <a:lvl5pPr marL="2286000" lvl="4" indent="-304800">
               <a:spcBef>
                 <a:spcPts val="1600"/>
               </a:spcBef>
@@ -3957,7 +3966,7 @@
               <a:buChar char="○"/>
               <a:defRPr sz="1200"/>
             </a:lvl5pPr>
-            <a:lvl6pPr indent="-304800" lvl="5" marL="2743200">
+            <a:lvl6pPr marL="2743200" lvl="5" indent="-304800">
               <a:spcBef>
                 <a:spcPts val="1600"/>
               </a:spcBef>
@@ -3968,7 +3977,7 @@
               <a:buChar char="■"/>
               <a:defRPr sz="1200"/>
             </a:lvl6pPr>
-            <a:lvl7pPr indent="-304800" lvl="6" marL="3200400">
+            <a:lvl7pPr marL="3200400" lvl="6" indent="-304800">
               <a:spcBef>
                 <a:spcPts val="1600"/>
               </a:spcBef>
@@ -3979,7 +3988,7 @@
               <a:buChar char="●"/>
               <a:defRPr sz="1200"/>
             </a:lvl7pPr>
-            <a:lvl8pPr indent="-304800" lvl="7" marL="3657600">
+            <a:lvl8pPr marL="3657600" lvl="7" indent="-304800">
               <a:spcBef>
                 <a:spcPts val="1600"/>
               </a:spcBef>
@@ -3990,7 +3999,7 @@
               <a:buChar char="○"/>
               <a:defRPr sz="1200"/>
             </a:lvl8pPr>
-            <a:lvl9pPr indent="-304800" lvl="8" marL="4114800">
+            <a:lvl9pPr marL="4114800" lvl="8" indent="-304800">
               <a:spcBef>
                 <a:spcPts val="1600"/>
               </a:spcBef>
@@ -4002,15 +4011,19 @@
               <a:defRPr sz="1200"/>
             </a:lvl9pPr>
           </a:lstStyle>
-          <a:p/>
+          <a:p>
+            <a:endParaRPr/>
+          </a:p>
         </p:txBody>
       </p:sp>
       <p:sp>
         <p:nvSpPr>
           <p:cNvPr id="34" name="Google Shape;34;p5"/>
-          <p:cNvSpPr txBox="1"/>
+          <p:cNvSpPr txBox="1">
+            <a:spLocks noGrp="1"/>
+          </p:cNvSpPr>
           <p:nvPr>
-            <p:ph idx="12" type="sldNum"/>
+            <p:ph type="sldNum" idx="12"/>
           </p:nvPr>
         </p:nvSpPr>
         <p:spPr>
@@ -4023,7 +4036,7 @@
           </a:prstGeom>
         </p:spPr>
         <p:txBody>
-          <a:bodyPr anchorCtr="0" anchor="ctr" bIns="91425" lIns="91425" spcFirstLastPara="1" rIns="91425" wrap="square" tIns="91425">
+          <a:bodyPr spcFirstLastPara="1" wrap="square" lIns="91425" tIns="91425" rIns="91425" bIns="91425" anchor="ctr" anchorCtr="0">
             <a:noAutofit/>
           </a:bodyPr>
           <a:lstStyle>
@@ -4065,7 +4078,7 @@
             </a:lvl9pPr>
           </a:lstStyle>
           <a:p>
-            <a:pPr indent="0" lvl="0" marL="0" rtl="0" algn="r">
+            <a:pPr marL="0" lvl="0" indent="0" algn="r" rtl="0">
               <a:spcBef>
                 <a:spcPts val="0"/>
               </a:spcBef>
@@ -4091,11 +4104,11 @@
 </file>
 
 <file path=ppt/slideLayouts/slideLayout5.xml><?xml version="1.0" encoding="utf-8"?>
-<p:sldLayout xmlns:a="http://schemas.openxmlformats.org/drawingml/2006/main" xmlns:r="http://schemas.openxmlformats.org/officeDocument/2006/relationships" xmlns:mc="http://schemas.openxmlformats.org/markup-compatibility/2006" xmlns:mv="urn:schemas-microsoft-com:mac:vml" xmlns:p="http://schemas.openxmlformats.org/presentationml/2006/main" xmlns:c="http://schemas.openxmlformats.org/drawingml/2006/chart" xmlns:dgm="http://schemas.openxmlformats.org/drawingml/2006/diagram" xmlns:o="urn:schemas-microsoft-com:office:office" xmlns:v="urn:schemas-microsoft-com:vml" xmlns:pvml="urn:schemas-microsoft-com:office:powerpoint" xmlns:com="http://schemas.openxmlformats.org/drawingml/2006/compatibility" xmlns:p14="http://schemas.microsoft.com/office/powerpoint/2010/main" xmlns:p15="http://schemas.microsoft.com/office/powerpoint/2012/main" matchingName="Title only" type="titleOnly">
+<p:sldLayout xmlns:a="http://schemas.openxmlformats.org/drawingml/2006/main" xmlns:r="http://schemas.openxmlformats.org/officeDocument/2006/relationships" xmlns:p="http://schemas.openxmlformats.org/presentationml/2006/main" matchingName="Title only" type="titleOnly">
   <p:cSld name="TITLE_ONLY">
     <p:spTree>
       <p:nvGrpSpPr>
-        <p:cNvPr id="35" name="Shape 35"/>
+        <p:cNvPr id="1" name="Shape 35"/>
         <p:cNvGrpSpPr/>
         <p:nvPr/>
       </p:nvGrpSpPr>
@@ -4110,7 +4123,9 @@
       <p:sp>
         <p:nvSpPr>
           <p:cNvPr id="36" name="Google Shape;36;p6"/>
-          <p:cNvSpPr txBox="1"/>
+          <p:cNvSpPr txBox="1">
+            <a:spLocks noGrp="1"/>
+          </p:cNvSpPr>
           <p:nvPr>
             <p:ph type="title"/>
           </p:nvPr>
@@ -4125,7 +4140,7 @@
           </a:prstGeom>
         </p:spPr>
         <p:txBody>
-          <a:bodyPr anchorCtr="0" anchor="t" bIns="91425" lIns="91425" spcFirstLastPara="1" rIns="91425" wrap="square" tIns="91425">
+          <a:bodyPr spcFirstLastPara="1" wrap="square" lIns="91425" tIns="91425" rIns="91425" bIns="91425" anchor="t" anchorCtr="0">
             <a:noAutofit/>
           </a:bodyPr>
           <a:lstStyle>
@@ -4229,15 +4244,19 @@
               <a:defRPr/>
             </a:lvl9pPr>
           </a:lstStyle>
-          <a:p/>
+          <a:p>
+            <a:endParaRPr/>
+          </a:p>
         </p:txBody>
       </p:sp>
       <p:sp>
         <p:nvSpPr>
           <p:cNvPr id="37" name="Google Shape;37;p6"/>
-          <p:cNvSpPr txBox="1"/>
+          <p:cNvSpPr txBox="1">
+            <a:spLocks noGrp="1"/>
+          </p:cNvSpPr>
           <p:nvPr>
-            <p:ph idx="12" type="sldNum"/>
+            <p:ph type="sldNum" idx="12"/>
           </p:nvPr>
         </p:nvSpPr>
         <p:spPr>
@@ -4250,7 +4269,7 @@
           </a:prstGeom>
         </p:spPr>
         <p:txBody>
-          <a:bodyPr anchorCtr="0" anchor="ctr" bIns="91425" lIns="91425" spcFirstLastPara="1" rIns="91425" wrap="square" tIns="91425">
+          <a:bodyPr spcFirstLastPara="1" wrap="square" lIns="91425" tIns="91425" rIns="91425" bIns="91425" anchor="ctr" anchorCtr="0">
             <a:noAutofit/>
           </a:bodyPr>
           <a:lstStyle>
@@ -4292,7 +4311,7 @@
             </a:lvl9pPr>
           </a:lstStyle>
           <a:p>
-            <a:pPr indent="0" lvl="0" marL="0" rtl="0" algn="r">
+            <a:pPr marL="0" lvl="0" indent="0" algn="r" rtl="0">
               <a:spcBef>
                 <a:spcPts val="0"/>
               </a:spcBef>
@@ -4318,11 +4337,11 @@
 </file>
 
 <file path=ppt/slideLayouts/slideLayout6.xml><?xml version="1.0" encoding="utf-8"?>
-<p:sldLayout xmlns:a="http://schemas.openxmlformats.org/drawingml/2006/main" xmlns:r="http://schemas.openxmlformats.org/officeDocument/2006/relationships" xmlns:mc="http://schemas.openxmlformats.org/markup-compatibility/2006" xmlns:mv="urn:schemas-microsoft-com:mac:vml" xmlns:p="http://schemas.openxmlformats.org/presentationml/2006/main" xmlns:c="http://schemas.openxmlformats.org/drawingml/2006/chart" xmlns:dgm="http://schemas.openxmlformats.org/drawingml/2006/diagram" xmlns:o="urn:schemas-microsoft-com:office:office" xmlns:v="urn:schemas-microsoft-com:vml" xmlns:pvml="urn:schemas-microsoft-com:office:powerpoint" xmlns:com="http://schemas.openxmlformats.org/drawingml/2006/compatibility" xmlns:p14="http://schemas.microsoft.com/office/powerpoint/2010/main" xmlns:p15="http://schemas.microsoft.com/office/powerpoint/2012/main" matchingName="One column text">
+<p:sldLayout xmlns:a="http://schemas.openxmlformats.org/drawingml/2006/main" xmlns:r="http://schemas.openxmlformats.org/officeDocument/2006/relationships" xmlns:p="http://schemas.openxmlformats.org/presentationml/2006/main" matchingName="One column text">
   <p:cSld name="ONE_COLUMN_TEXT">
     <p:spTree>
       <p:nvGrpSpPr>
-        <p:cNvPr id="38" name="Shape 38"/>
+        <p:cNvPr id="1" name="Shape 38"/>
         <p:cNvGrpSpPr/>
         <p:nvPr/>
       </p:nvGrpSpPr>
@@ -4337,7 +4356,9 @@
       <p:sp>
         <p:nvSpPr>
           <p:cNvPr id="39" name="Google Shape;39;p7"/>
-          <p:cNvSpPr txBox="1"/>
+          <p:cNvSpPr txBox="1">
+            <a:spLocks noGrp="1"/>
+          </p:cNvSpPr>
           <p:nvPr>
             <p:ph type="title"/>
           </p:nvPr>
@@ -4352,7 +4373,7 @@
           </a:prstGeom>
         </p:spPr>
         <p:txBody>
-          <a:bodyPr anchorCtr="0" anchor="b" bIns="91425" lIns="91425" spcFirstLastPara="1" rIns="91425" wrap="square" tIns="91425">
+          <a:bodyPr spcFirstLastPara="1" wrap="square" lIns="91425" tIns="91425" rIns="91425" bIns="91425" anchor="b" anchorCtr="0">
             <a:noAutofit/>
           </a:bodyPr>
           <a:lstStyle>
@@ -4456,15 +4477,19 @@
               <a:defRPr sz="2400"/>
             </a:lvl9pPr>
           </a:lstStyle>
-          <a:p/>
+          <a:p>
+            <a:endParaRPr/>
+          </a:p>
         </p:txBody>
       </p:sp>
       <p:sp>
         <p:nvSpPr>
           <p:cNvPr id="40" name="Google Shape;40;p7"/>
-          <p:cNvSpPr txBox="1"/>
+          <p:cNvSpPr txBox="1">
+            <a:spLocks noGrp="1"/>
+          </p:cNvSpPr>
           <p:nvPr>
-            <p:ph idx="1" type="body"/>
+            <p:ph type="body" idx="1"/>
           </p:nvPr>
         </p:nvSpPr>
         <p:spPr>
@@ -4477,11 +4502,11 @@
           </a:prstGeom>
         </p:spPr>
         <p:txBody>
-          <a:bodyPr anchorCtr="0" anchor="t" bIns="91425" lIns="91425" spcFirstLastPara="1" rIns="91425" wrap="square" tIns="91425">
+          <a:bodyPr spcFirstLastPara="1" wrap="square" lIns="91425" tIns="91425" rIns="91425" bIns="91425" anchor="t" anchorCtr="0">
             <a:noAutofit/>
           </a:bodyPr>
           <a:lstStyle>
-            <a:lvl1pPr indent="-304800" lvl="0" marL="457200">
+            <a:lvl1pPr marL="457200" lvl="0" indent="-304800">
               <a:spcBef>
                 <a:spcPts val="0"/>
               </a:spcBef>
@@ -4492,7 +4517,7 @@
               <a:buChar char="●"/>
               <a:defRPr sz="1200"/>
             </a:lvl1pPr>
-            <a:lvl2pPr indent="-304800" lvl="1" marL="914400">
+            <a:lvl2pPr marL="914400" lvl="1" indent="-304800">
               <a:spcBef>
                 <a:spcPts val="1600"/>
               </a:spcBef>
@@ -4503,7 +4528,7 @@
               <a:buChar char="○"/>
               <a:defRPr sz="1200"/>
             </a:lvl2pPr>
-            <a:lvl3pPr indent="-304800" lvl="2" marL="1371600">
+            <a:lvl3pPr marL="1371600" lvl="2" indent="-304800">
               <a:spcBef>
                 <a:spcPts val="1600"/>
               </a:spcBef>
@@ -4514,7 +4539,7 @@
               <a:buChar char="■"/>
               <a:defRPr sz="1200"/>
             </a:lvl3pPr>
-            <a:lvl4pPr indent="-304800" lvl="3" marL="1828800">
+            <a:lvl4pPr marL="1828800" lvl="3" indent="-304800">
               <a:spcBef>
                 <a:spcPts val="1600"/>
               </a:spcBef>
@@ -4525,7 +4550,7 @@
               <a:buChar char="●"/>
               <a:defRPr sz="1200"/>
             </a:lvl4pPr>
-            <a:lvl5pPr indent="-304800" lvl="4" marL="2286000">
+            <a:lvl5pPr marL="2286000" lvl="4" indent="-304800">
               <a:spcBef>
                 <a:spcPts val="1600"/>
               </a:spcBef>
@@ -4536,7 +4561,7 @@
               <a:buChar char="○"/>
               <a:defRPr sz="1200"/>
             </a:lvl5pPr>
-            <a:lvl6pPr indent="-304800" lvl="5" marL="2743200">
+            <a:lvl6pPr marL="2743200" lvl="5" indent="-304800">
               <a:spcBef>
                 <a:spcPts val="1600"/>
               </a:spcBef>
@@ -4547,7 +4572,7 @@
               <a:buChar char="■"/>
               <a:defRPr sz="1200"/>
             </a:lvl6pPr>
-            <a:lvl7pPr indent="-304800" lvl="6" marL="3200400">
+            <a:lvl7pPr marL="3200400" lvl="6" indent="-304800">
               <a:spcBef>
                 <a:spcPts val="1600"/>
               </a:spcBef>
@@ -4558,7 +4583,7 @@
               <a:buChar char="●"/>
               <a:defRPr sz="1200"/>
             </a:lvl7pPr>
-            <a:lvl8pPr indent="-304800" lvl="7" marL="3657600">
+            <a:lvl8pPr marL="3657600" lvl="7" indent="-304800">
               <a:spcBef>
                 <a:spcPts val="1600"/>
               </a:spcBef>
@@ -4569,7 +4594,7 @@
               <a:buChar char="○"/>
               <a:defRPr sz="1200"/>
             </a:lvl8pPr>
-            <a:lvl9pPr indent="-304800" lvl="8" marL="4114800">
+            <a:lvl9pPr marL="4114800" lvl="8" indent="-304800">
               <a:spcBef>
                 <a:spcPts val="1600"/>
               </a:spcBef>
@@ -4581,15 +4606,19 @@
               <a:defRPr sz="1200"/>
             </a:lvl9pPr>
           </a:lstStyle>
-          <a:p/>
+          <a:p>
+            <a:endParaRPr/>
+          </a:p>
         </p:txBody>
       </p:sp>
       <p:sp>
         <p:nvSpPr>
           <p:cNvPr id="41" name="Google Shape;41;p7"/>
-          <p:cNvSpPr txBox="1"/>
+          <p:cNvSpPr txBox="1">
+            <a:spLocks noGrp="1"/>
+          </p:cNvSpPr>
           <p:nvPr>
-            <p:ph idx="12" type="sldNum"/>
+            <p:ph type="sldNum" idx="12"/>
           </p:nvPr>
         </p:nvSpPr>
         <p:spPr>
@@ -4602,7 +4631,7 @@
           </a:prstGeom>
         </p:spPr>
         <p:txBody>
-          <a:bodyPr anchorCtr="0" anchor="ctr" bIns="91425" lIns="91425" spcFirstLastPara="1" rIns="91425" wrap="square" tIns="91425">
+          <a:bodyPr spcFirstLastPara="1" wrap="square" lIns="91425" tIns="91425" rIns="91425" bIns="91425" anchor="ctr" anchorCtr="0">
             <a:noAutofit/>
           </a:bodyPr>
           <a:lstStyle>
@@ -4644,7 +4673,7 @@
             </a:lvl9pPr>
           </a:lstStyle>
           <a:p>
-            <a:pPr indent="0" lvl="0" marL="0" rtl="0" algn="r">
+            <a:pPr marL="0" lvl="0" indent="0" algn="r" rtl="0">
               <a:spcBef>
                 <a:spcPts val="0"/>
               </a:spcBef>
@@ -4670,18 +4699,19 @@
 </file>
 
 <file path=ppt/slideLayouts/slideLayout7.xml><?xml version="1.0" encoding="utf-8"?>
-<p:sldLayout xmlns:a="http://schemas.openxmlformats.org/drawingml/2006/main" xmlns:r="http://schemas.openxmlformats.org/officeDocument/2006/relationships" xmlns:mc="http://schemas.openxmlformats.org/markup-compatibility/2006" xmlns:mv="urn:schemas-microsoft-com:mac:vml" xmlns:p="http://schemas.openxmlformats.org/presentationml/2006/main" xmlns:c="http://schemas.openxmlformats.org/drawingml/2006/chart" xmlns:dgm="http://schemas.openxmlformats.org/drawingml/2006/diagram" xmlns:o="urn:schemas-microsoft-com:office:office" xmlns:v="urn:schemas-microsoft-com:vml" xmlns:pvml="urn:schemas-microsoft-com:office:powerpoint" xmlns:com="http://schemas.openxmlformats.org/drawingml/2006/compatibility" xmlns:p14="http://schemas.microsoft.com/office/powerpoint/2010/main" xmlns:p15="http://schemas.microsoft.com/office/powerpoint/2012/main" matchingName="Main point">
+<p:sldLayout xmlns:a="http://schemas.openxmlformats.org/drawingml/2006/main" xmlns:r="http://schemas.openxmlformats.org/officeDocument/2006/relationships" xmlns:p="http://schemas.openxmlformats.org/presentationml/2006/main" matchingName="Main point">
   <p:cSld name="MAIN_POINT">
     <p:bg>
       <p:bgPr>
         <a:solidFill>
           <a:schemeClr val="accent6"/>
         </a:solidFill>
+        <a:effectLst/>
       </p:bgPr>
     </p:bg>
     <p:spTree>
       <p:nvGrpSpPr>
-        <p:cNvPr id="42" name="Shape 42"/>
+        <p:cNvPr id="1" name="Shape 42"/>
         <p:cNvGrpSpPr/>
         <p:nvPr/>
       </p:nvGrpSpPr>
@@ -4696,7 +4726,9 @@
       <p:sp>
         <p:nvSpPr>
           <p:cNvPr id="43" name="Google Shape;43;p8"/>
-          <p:cNvSpPr txBox="1"/>
+          <p:cNvSpPr txBox="1">
+            <a:spLocks noGrp="1"/>
+          </p:cNvSpPr>
           <p:nvPr>
             <p:ph type="title"/>
           </p:nvPr>
@@ -4711,7 +4743,7 @@
           </a:prstGeom>
         </p:spPr>
         <p:txBody>
-          <a:bodyPr anchorCtr="0" anchor="ctr" bIns="91425" lIns="91425" spcFirstLastPara="1" rIns="91425" wrap="square" tIns="91425">
+          <a:bodyPr spcFirstLastPara="1" wrap="square" lIns="91425" tIns="91425" rIns="91425" bIns="91425" anchor="ctr" anchorCtr="0">
             <a:noAutofit/>
           </a:bodyPr>
           <a:lstStyle>
@@ -4727,7 +4759,7 @@
               </a:buClr>
               <a:buSzPts val="5400"/>
               <a:buNone/>
-              <a:defRPr b="0" sz="5400">
+              <a:defRPr sz="5400" b="0">
                 <a:solidFill>
                   <a:schemeClr val="dk2"/>
                 </a:solidFill>
@@ -4745,7 +4777,7 @@
               </a:buClr>
               <a:buSzPts val="5400"/>
               <a:buNone/>
-              <a:defRPr b="0" sz="5400">
+              <a:defRPr sz="5400" b="0">
                 <a:solidFill>
                   <a:schemeClr val="dk2"/>
                 </a:solidFill>
@@ -4763,7 +4795,7 @@
               </a:buClr>
               <a:buSzPts val="5400"/>
               <a:buNone/>
-              <a:defRPr b="0" sz="5400">
+              <a:defRPr sz="5400" b="0">
                 <a:solidFill>
                   <a:schemeClr val="dk2"/>
                 </a:solidFill>
@@ -4781,7 +4813,7 @@
               </a:buClr>
               <a:buSzPts val="5400"/>
               <a:buNone/>
-              <a:defRPr b="0" sz="5400">
+              <a:defRPr sz="5400" b="0">
                 <a:solidFill>
                   <a:schemeClr val="dk2"/>
                 </a:solidFill>
@@ -4799,7 +4831,7 @@
               </a:buClr>
               <a:buSzPts val="5400"/>
               <a:buNone/>
-              <a:defRPr b="0" sz="5400">
+              <a:defRPr sz="5400" b="0">
                 <a:solidFill>
                   <a:schemeClr val="dk2"/>
                 </a:solidFill>
@@ -4817,7 +4849,7 @@
               </a:buClr>
               <a:buSzPts val="5400"/>
               <a:buNone/>
-              <a:defRPr b="0" sz="5400">
+              <a:defRPr sz="5400" b="0">
                 <a:solidFill>
                   <a:schemeClr val="dk2"/>
                 </a:solidFill>
@@ -4835,7 +4867,7 @@
               </a:buClr>
               <a:buSzPts val="5400"/>
               <a:buNone/>
-              <a:defRPr b="0" sz="5400">
+              <a:defRPr sz="5400" b="0">
                 <a:solidFill>
                   <a:schemeClr val="dk2"/>
                 </a:solidFill>
@@ -4853,7 +4885,7 @@
               </a:buClr>
               <a:buSzPts val="5400"/>
               <a:buNone/>
-              <a:defRPr b="0" sz="5400">
+              <a:defRPr sz="5400" b="0">
                 <a:solidFill>
                   <a:schemeClr val="dk2"/>
                 </a:solidFill>
@@ -4871,22 +4903,26 @@
               </a:buClr>
               <a:buSzPts val="5400"/>
               <a:buNone/>
-              <a:defRPr b="0" sz="5400">
+              <a:defRPr sz="5400" b="0">
                 <a:solidFill>
                   <a:schemeClr val="dk2"/>
                 </a:solidFill>
               </a:defRPr>
             </a:lvl9pPr>
           </a:lstStyle>
-          <a:p/>
+          <a:p>
+            <a:endParaRPr/>
+          </a:p>
         </p:txBody>
       </p:sp>
       <p:sp>
         <p:nvSpPr>
           <p:cNvPr id="44" name="Google Shape;44;p8"/>
-          <p:cNvSpPr txBox="1"/>
+          <p:cNvSpPr txBox="1">
+            <a:spLocks noGrp="1"/>
+          </p:cNvSpPr>
           <p:nvPr>
-            <p:ph idx="12" type="sldNum"/>
+            <p:ph type="sldNum" idx="12"/>
           </p:nvPr>
         </p:nvSpPr>
         <p:spPr>
@@ -4899,7 +4935,7 @@
           </a:prstGeom>
         </p:spPr>
         <p:txBody>
-          <a:bodyPr anchorCtr="0" anchor="ctr" bIns="91425" lIns="91425" spcFirstLastPara="1" rIns="91425" wrap="square" tIns="91425">
+          <a:bodyPr spcFirstLastPara="1" wrap="square" lIns="91425" tIns="91425" rIns="91425" bIns="91425" anchor="ctr" anchorCtr="0">
             <a:noAutofit/>
           </a:bodyPr>
           <a:lstStyle>
@@ -4941,7 +4977,7 @@
             </a:lvl9pPr>
           </a:lstStyle>
           <a:p>
-            <a:pPr indent="0" lvl="0" marL="0" rtl="0" algn="r">
+            <a:pPr marL="0" lvl="0" indent="0" algn="r" rtl="0">
               <a:spcBef>
                 <a:spcPts val="0"/>
               </a:spcBef>
@@ -4967,11 +5003,11 @@
 </file>
 
 <file path=ppt/slideLayouts/slideLayout8.xml><?xml version="1.0" encoding="utf-8"?>
-<p:sldLayout xmlns:a="http://schemas.openxmlformats.org/drawingml/2006/main" xmlns:r="http://schemas.openxmlformats.org/officeDocument/2006/relationships" xmlns:mc="http://schemas.openxmlformats.org/markup-compatibility/2006" xmlns:mv="urn:schemas-microsoft-com:mac:vml" xmlns:p="http://schemas.openxmlformats.org/presentationml/2006/main" xmlns:c="http://schemas.openxmlformats.org/drawingml/2006/chart" xmlns:dgm="http://schemas.openxmlformats.org/drawingml/2006/diagram" xmlns:o="urn:schemas-microsoft-com:office:office" xmlns:v="urn:schemas-microsoft-com:vml" xmlns:pvml="urn:schemas-microsoft-com:office:powerpoint" xmlns:com="http://schemas.openxmlformats.org/drawingml/2006/compatibility" xmlns:p14="http://schemas.microsoft.com/office/powerpoint/2010/main" xmlns:p15="http://schemas.microsoft.com/office/powerpoint/2012/main" matchingName="Section title and description">
+<p:sldLayout xmlns:a="http://schemas.openxmlformats.org/drawingml/2006/main" xmlns:r="http://schemas.openxmlformats.org/officeDocument/2006/relationships" xmlns:p="http://schemas.openxmlformats.org/presentationml/2006/main" matchingName="Section title and description">
   <p:cSld name="SECTION_TITLE_AND_DESCRIPTION">
     <p:spTree>
       <p:nvGrpSpPr>
-        <p:cNvPr id="45" name="Shape 45"/>
+        <p:cNvPr id="1" name="Shape 45"/>
         <p:cNvGrpSpPr/>
         <p:nvPr/>
       </p:nvGrpSpPr>
@@ -5005,12 +5041,12 @@
           </a:ln>
         </p:spPr>
         <p:txBody>
-          <a:bodyPr anchorCtr="0" anchor="ctr" bIns="91425" lIns="91425" spcFirstLastPara="1" rIns="91425" wrap="square" tIns="91425">
+          <a:bodyPr spcFirstLastPara="1" wrap="square" lIns="91425" tIns="91425" rIns="91425" bIns="91425" anchor="ctr" anchorCtr="0">
             <a:noAutofit/>
           </a:bodyPr>
           <a:lstStyle/>
           <a:p>
-            <a:pPr indent="0" lvl="0" marL="0" rtl="0" algn="l">
+            <a:pPr marL="0" lvl="0" indent="0" algn="l" rtl="0">
               <a:spcBef>
                 <a:spcPts val="0"/>
               </a:spcBef>
@@ -5019,9 +5055,6 @@
               </a:spcAft>
               <a:buNone/>
             </a:pPr>
-            <a:r>
-              <a:t/>
-            </a:r>
             <a:endParaRPr/>
           </a:p>
         </p:txBody>
@@ -5041,21 +5074,23 @@
             <a:avLst/>
           </a:prstGeom>
           <a:noFill/>
-          <a:ln cap="flat" cmpd="sng" w="19050">
+          <a:ln w="19050" cap="flat" cmpd="sng">
             <a:solidFill>
               <a:schemeClr val="lt1"/>
             </a:solidFill>
             <a:prstDash val="solid"/>
             <a:round/>
-            <a:headEnd len="sm" w="sm" type="none"/>
-            <a:tailEnd len="sm" w="sm" type="none"/>
+            <a:headEnd type="none" w="sm" len="sm"/>
+            <a:tailEnd type="none" w="sm" len="sm"/>
           </a:ln>
         </p:spPr>
       </p:cxnSp>
       <p:sp>
         <p:nvSpPr>
           <p:cNvPr id="48" name="Google Shape;48;p9"/>
-          <p:cNvSpPr txBox="1"/>
+          <p:cNvSpPr txBox="1">
+            <a:spLocks noGrp="1"/>
+          </p:cNvSpPr>
           <p:nvPr>
             <p:ph type="title"/>
           </p:nvPr>
@@ -5070,7 +5105,7 @@
           </a:prstGeom>
         </p:spPr>
         <p:txBody>
-          <a:bodyPr anchorCtr="0" anchor="b" bIns="91425" lIns="91425" spcFirstLastPara="1" rIns="91425" wrap="square" tIns="91425">
+          <a:bodyPr spcFirstLastPara="1" wrap="square" lIns="91425" tIns="91425" rIns="91425" bIns="91425" anchor="b" anchorCtr="0">
             <a:noAutofit/>
           </a:bodyPr>
           <a:lstStyle>
@@ -5174,15 +5209,19 @@
               <a:defRPr sz="4200"/>
             </a:lvl9pPr>
           </a:lstStyle>
-          <a:p/>
+          <a:p>
+            <a:endParaRPr/>
+          </a:p>
         </p:txBody>
       </p:sp>
       <p:sp>
         <p:nvSpPr>
           <p:cNvPr id="49" name="Google Shape;49;p9"/>
-          <p:cNvSpPr txBox="1"/>
+          <p:cNvSpPr txBox="1">
+            <a:spLocks noGrp="1"/>
+          </p:cNvSpPr>
           <p:nvPr>
-            <p:ph idx="1" type="subTitle"/>
+            <p:ph type="subTitle" idx="1"/>
           </p:nvPr>
         </p:nvSpPr>
         <p:spPr>
@@ -5195,7 +5234,7 @@
           </a:prstGeom>
         </p:spPr>
         <p:txBody>
-          <a:bodyPr anchorCtr="0" anchor="t" bIns="91425" lIns="91425" spcFirstLastPara="1" rIns="91425" wrap="square" tIns="91425">
+          <a:bodyPr spcFirstLastPara="1" wrap="square" lIns="91425" tIns="91425" rIns="91425" bIns="91425" anchor="t" anchorCtr="0">
             <a:noAutofit/>
           </a:bodyPr>
           <a:lstStyle>
@@ -5326,15 +5365,19 @@
               <a:defRPr sz="2100"/>
             </a:lvl9pPr>
           </a:lstStyle>
-          <a:p/>
+          <a:p>
+            <a:endParaRPr/>
+          </a:p>
         </p:txBody>
       </p:sp>
       <p:sp>
         <p:nvSpPr>
           <p:cNvPr id="50" name="Google Shape;50;p9"/>
-          <p:cNvSpPr txBox="1"/>
+          <p:cNvSpPr txBox="1">
+            <a:spLocks noGrp="1"/>
+          </p:cNvSpPr>
           <p:nvPr>
-            <p:ph idx="2" type="body"/>
+            <p:ph type="body" idx="2"/>
           </p:nvPr>
         </p:nvSpPr>
         <p:spPr>
@@ -5347,11 +5390,11 @@
           </a:prstGeom>
         </p:spPr>
         <p:txBody>
-          <a:bodyPr anchorCtr="0" anchor="ctr" bIns="91425" lIns="91425" spcFirstLastPara="1" rIns="91425" wrap="square" tIns="91425">
+          <a:bodyPr spcFirstLastPara="1" wrap="square" lIns="91425" tIns="91425" rIns="91425" bIns="91425" anchor="ctr" anchorCtr="0">
             <a:noAutofit/>
           </a:bodyPr>
           <a:lstStyle>
-            <a:lvl1pPr indent="-342900" lvl="0" marL="457200">
+            <a:lvl1pPr marL="457200" lvl="0" indent="-342900">
               <a:spcBef>
                 <a:spcPts val="0"/>
               </a:spcBef>
@@ -5369,7 +5412,7 @@
                 </a:solidFill>
               </a:defRPr>
             </a:lvl1pPr>
-            <a:lvl2pPr indent="-317500" lvl="1" marL="914400">
+            <a:lvl2pPr marL="914400" lvl="1" indent="-317500">
               <a:spcBef>
                 <a:spcPts val="1600"/>
               </a:spcBef>
@@ -5387,7 +5430,7 @@
                 </a:solidFill>
               </a:defRPr>
             </a:lvl2pPr>
-            <a:lvl3pPr indent="-317500" lvl="2" marL="1371600">
+            <a:lvl3pPr marL="1371600" lvl="2" indent="-317500">
               <a:spcBef>
                 <a:spcPts val="1600"/>
               </a:spcBef>
@@ -5405,7 +5448,7 @@
                 </a:solidFill>
               </a:defRPr>
             </a:lvl3pPr>
-            <a:lvl4pPr indent="-317500" lvl="3" marL="1828800">
+            <a:lvl4pPr marL="1828800" lvl="3" indent="-317500">
               <a:spcBef>
                 <a:spcPts val="1600"/>
               </a:spcBef>
@@ -5423,7 +5466,7 @@
                 </a:solidFill>
               </a:defRPr>
             </a:lvl4pPr>
-            <a:lvl5pPr indent="-317500" lvl="4" marL="2286000">
+            <a:lvl5pPr marL="2286000" lvl="4" indent="-317500">
               <a:spcBef>
                 <a:spcPts val="1600"/>
               </a:spcBef>
@@ -5441,7 +5484,7 @@
                 </a:solidFill>
               </a:defRPr>
             </a:lvl5pPr>
-            <a:lvl6pPr indent="-317500" lvl="5" marL="2743200">
+            <a:lvl6pPr marL="2743200" lvl="5" indent="-317500">
               <a:spcBef>
                 <a:spcPts val="1600"/>
               </a:spcBef>
@@ -5459,7 +5502,7 @@
                 </a:solidFill>
               </a:defRPr>
             </a:lvl6pPr>
-            <a:lvl7pPr indent="-317500" lvl="6" marL="3200400">
+            <a:lvl7pPr marL="3200400" lvl="6" indent="-317500">
               <a:spcBef>
                 <a:spcPts val="1600"/>
               </a:spcBef>
@@ -5477,7 +5520,7 @@
                 </a:solidFill>
               </a:defRPr>
             </a:lvl7pPr>
-            <a:lvl8pPr indent="-317500" lvl="7" marL="3657600">
+            <a:lvl8pPr marL="3657600" lvl="7" indent="-317500">
               <a:spcBef>
                 <a:spcPts val="1600"/>
               </a:spcBef>
@@ -5495,7 +5538,7 @@
                 </a:solidFill>
               </a:defRPr>
             </a:lvl8pPr>
-            <a:lvl9pPr indent="-317500" lvl="8" marL="4114800">
+            <a:lvl9pPr marL="4114800" lvl="8" indent="-317500">
               <a:spcBef>
                 <a:spcPts val="1600"/>
               </a:spcBef>
@@ -5514,15 +5557,19 @@
               </a:defRPr>
             </a:lvl9pPr>
           </a:lstStyle>
-          <a:p/>
+          <a:p>
+            <a:endParaRPr/>
+          </a:p>
         </p:txBody>
       </p:sp>
       <p:sp>
         <p:nvSpPr>
           <p:cNvPr id="51" name="Google Shape;51;p9"/>
-          <p:cNvSpPr txBox="1"/>
+          <p:cNvSpPr txBox="1">
+            <a:spLocks noGrp="1"/>
+          </p:cNvSpPr>
           <p:nvPr>
-            <p:ph idx="12" type="sldNum"/>
+            <p:ph type="sldNum" idx="12"/>
           </p:nvPr>
         </p:nvSpPr>
         <p:spPr>
@@ -5535,7 +5582,7 @@
           </a:prstGeom>
         </p:spPr>
         <p:txBody>
-          <a:bodyPr anchorCtr="0" anchor="ctr" bIns="91425" lIns="91425" spcFirstLastPara="1" rIns="91425" wrap="square" tIns="91425">
+          <a:bodyPr spcFirstLastPara="1" wrap="square" lIns="91425" tIns="91425" rIns="91425" bIns="91425" anchor="ctr" anchorCtr="0">
             <a:noAutofit/>
           </a:bodyPr>
           <a:lstStyle>
@@ -5613,7 +5660,7 @@
             </a:lvl9pPr>
           </a:lstStyle>
           <a:p>
-            <a:pPr indent="0" lvl="0" marL="0" rtl="0" algn="r">
+            <a:pPr marL="0" lvl="0" indent="0" algn="r" rtl="0">
               <a:spcBef>
                 <a:spcPts val="0"/>
               </a:spcBef>
@@ -5639,11 +5686,11 @@
 </file>
 
 <file path=ppt/slideLayouts/slideLayout9.xml><?xml version="1.0" encoding="utf-8"?>
-<p:sldLayout xmlns:a="http://schemas.openxmlformats.org/drawingml/2006/main" xmlns:r="http://schemas.openxmlformats.org/officeDocument/2006/relationships" xmlns:mc="http://schemas.openxmlformats.org/markup-compatibility/2006" xmlns:mv="urn:schemas-microsoft-com:mac:vml" xmlns:p="http://schemas.openxmlformats.org/presentationml/2006/main" xmlns:c="http://schemas.openxmlformats.org/drawingml/2006/chart" xmlns:dgm="http://schemas.openxmlformats.org/drawingml/2006/diagram" xmlns:o="urn:schemas-microsoft-com:office:office" xmlns:v="urn:schemas-microsoft-com:vml" xmlns:pvml="urn:schemas-microsoft-com:office:powerpoint" xmlns:com="http://schemas.openxmlformats.org/drawingml/2006/compatibility" xmlns:p14="http://schemas.microsoft.com/office/powerpoint/2010/main" xmlns:p15="http://schemas.microsoft.com/office/powerpoint/2012/main" matchingName="Caption">
+<p:sldLayout xmlns:a="http://schemas.openxmlformats.org/drawingml/2006/main" xmlns:r="http://schemas.openxmlformats.org/officeDocument/2006/relationships" xmlns:p="http://schemas.openxmlformats.org/presentationml/2006/main" matchingName="Caption">
   <p:cSld name="CAPTION_ONLY">
     <p:spTree>
       <p:nvGrpSpPr>
-        <p:cNvPr id="52" name="Shape 52"/>
+        <p:cNvPr id="1" name="Shape 52"/>
         <p:cNvGrpSpPr/>
         <p:nvPr/>
       </p:nvGrpSpPr>
@@ -5658,9 +5705,11 @@
       <p:sp>
         <p:nvSpPr>
           <p:cNvPr id="53" name="Google Shape;53;p10"/>
-          <p:cNvSpPr txBox="1"/>
+          <p:cNvSpPr txBox="1">
+            <a:spLocks noGrp="1"/>
+          </p:cNvSpPr>
           <p:nvPr>
-            <p:ph idx="1" type="body"/>
+            <p:ph type="body" idx="1"/>
           </p:nvPr>
         </p:nvSpPr>
         <p:spPr>
@@ -5673,11 +5722,11 @@
           </a:prstGeom>
         </p:spPr>
         <p:txBody>
-          <a:bodyPr anchorCtr="0" anchor="ctr" bIns="91425" lIns="91425" spcFirstLastPara="1" rIns="91425" wrap="square" tIns="91425">
+          <a:bodyPr spcFirstLastPara="1" wrap="square" lIns="91425" tIns="91425" rIns="91425" bIns="91425" anchor="ctr" anchorCtr="0">
             <a:noAutofit/>
           </a:bodyPr>
           <a:lstStyle>
-            <a:lvl1pPr indent="-228600" lvl="0" marL="457200">
+            <a:lvl1pPr marL="457200" lvl="0" indent="-228600">
               <a:lnSpc>
                 <a:spcPct val="100000"/>
               </a:lnSpc>
@@ -5698,15 +5747,19 @@
               </a:defRPr>
             </a:lvl1pPr>
           </a:lstStyle>
-          <a:p/>
+          <a:p>
+            <a:endParaRPr/>
+          </a:p>
         </p:txBody>
       </p:sp>
       <p:sp>
         <p:nvSpPr>
           <p:cNvPr id="54" name="Google Shape;54;p10"/>
-          <p:cNvSpPr txBox="1"/>
+          <p:cNvSpPr txBox="1">
+            <a:spLocks noGrp="1"/>
+          </p:cNvSpPr>
           <p:nvPr>
-            <p:ph idx="12" type="sldNum"/>
+            <p:ph type="sldNum" idx="12"/>
           </p:nvPr>
         </p:nvSpPr>
         <p:spPr>
@@ -5719,7 +5772,7 @@
           </a:prstGeom>
         </p:spPr>
         <p:txBody>
-          <a:bodyPr anchorCtr="0" anchor="ctr" bIns="91425" lIns="91425" spcFirstLastPara="1" rIns="91425" wrap="square" tIns="91425">
+          <a:bodyPr spcFirstLastPara="1" wrap="square" lIns="91425" tIns="91425" rIns="91425" bIns="91425" anchor="ctr" anchorCtr="0">
             <a:noAutofit/>
           </a:bodyPr>
           <a:lstStyle>
@@ -5761,7 +5814,7 @@
             </a:lvl9pPr>
           </a:lstStyle>
           <a:p>
-            <a:pPr indent="0" lvl="0" marL="0" rtl="0" algn="r">
+            <a:pPr marL="0" lvl="0" indent="0" algn="r" rtl="0">
               <a:spcBef>
                 <a:spcPts val="0"/>
               </a:spcBef>
@@ -5787,18 +5840,19 @@
 </file>
 
 <file path=ppt/slideMasters/slideMaster1.xml><?xml version="1.0" encoding="utf-8"?>
-<p:sldMaster xmlns:a="http://schemas.openxmlformats.org/drawingml/2006/main" xmlns:r="http://schemas.openxmlformats.org/officeDocument/2006/relationships" xmlns:mc="http://schemas.openxmlformats.org/markup-compatibility/2006" xmlns:mv="urn:schemas-microsoft-com:mac:vml" xmlns:p="http://schemas.openxmlformats.org/presentationml/2006/main" xmlns:c="http://schemas.openxmlformats.org/drawingml/2006/chart" xmlns:dgm="http://schemas.openxmlformats.org/drawingml/2006/diagram" xmlns:o="urn:schemas-microsoft-com:office:office" xmlns:v="urn:schemas-microsoft-com:vml" xmlns:pvml="urn:schemas-microsoft-com:office:powerpoint" xmlns:com="http://schemas.openxmlformats.org/drawingml/2006/compatibility" xmlns:p14="http://schemas.microsoft.com/office/powerpoint/2010/main" xmlns:p15="http://schemas.microsoft.com/office/powerpoint/2012/main">
+<p:sldMaster xmlns:a="http://schemas.openxmlformats.org/drawingml/2006/main" xmlns:r="http://schemas.openxmlformats.org/officeDocument/2006/relationships" xmlns:p="http://schemas.openxmlformats.org/presentationml/2006/main">
   <p:cSld name="tropic">
     <p:bg>
       <p:bgPr>
         <a:solidFill>
           <a:schemeClr val="lt1"/>
         </a:solidFill>
+        <a:effectLst/>
       </p:bgPr>
     </p:bg>
     <p:spTree>
       <p:nvGrpSpPr>
-        <p:cNvPr id="5" name="Shape 5"/>
+        <p:cNvPr id="1" name="Shape 5"/>
         <p:cNvGrpSpPr/>
         <p:nvPr/>
       </p:nvGrpSpPr>
@@ -5813,7 +5867,9 @@
       <p:sp>
         <p:nvSpPr>
           <p:cNvPr id="6" name="Google Shape;6;p1"/>
-          <p:cNvSpPr txBox="1"/>
+          <p:cNvSpPr txBox="1">
+            <a:spLocks noGrp="1"/>
+          </p:cNvSpPr>
           <p:nvPr>
             <p:ph type="title"/>
           </p:nvPr>
@@ -5832,7 +5888,7 @@
           </a:ln>
         </p:spPr>
         <p:txBody>
-          <a:bodyPr anchorCtr="0" anchor="t" bIns="91425" lIns="91425" spcFirstLastPara="1" rIns="91425" wrap="square" tIns="91425">
+          <a:bodyPr spcFirstLastPara="1" wrap="square" lIns="91425" tIns="91425" rIns="91425" bIns="91425" anchor="t" anchorCtr="0">
             <a:noAutofit/>
           </a:bodyPr>
           <a:lstStyle>
@@ -5849,7 +5905,7 @@
               <a:buSzPts val="3600"/>
               <a:buFont typeface="PT Sans Narrow"/>
               <a:buNone/>
-              <a:defRPr b="1" sz="3600">
+              <a:defRPr sz="3600" b="1">
                 <a:solidFill>
                   <a:schemeClr val="accent1"/>
                 </a:solidFill>
@@ -5872,7 +5928,7 @@
               <a:buSzPts val="3600"/>
               <a:buFont typeface="PT Sans Narrow"/>
               <a:buNone/>
-              <a:defRPr b="1" sz="3600">
+              <a:defRPr sz="3600" b="1">
                 <a:solidFill>
                   <a:schemeClr val="accent1"/>
                 </a:solidFill>
@@ -5895,7 +5951,7 @@
               <a:buSzPts val="3600"/>
               <a:buFont typeface="PT Sans Narrow"/>
               <a:buNone/>
-              <a:defRPr b="1" sz="3600">
+              <a:defRPr sz="3600" b="1">
                 <a:solidFill>
                   <a:schemeClr val="accent1"/>
                 </a:solidFill>
@@ -5918,7 +5974,7 @@
               <a:buSzPts val="3600"/>
               <a:buFont typeface="PT Sans Narrow"/>
               <a:buNone/>
-              <a:defRPr b="1" sz="3600">
+              <a:defRPr sz="3600" b="1">
                 <a:solidFill>
                   <a:schemeClr val="accent1"/>
                 </a:solidFill>
@@ -5941,7 +5997,7 @@
               <a:buSzPts val="3600"/>
               <a:buFont typeface="PT Sans Narrow"/>
               <a:buNone/>
-              <a:defRPr b="1" sz="3600">
+              <a:defRPr sz="3600" b="1">
                 <a:solidFill>
                   <a:schemeClr val="accent1"/>
                 </a:solidFill>
@@ -5964,7 +6020,7 @@
               <a:buSzPts val="3600"/>
               <a:buFont typeface="PT Sans Narrow"/>
               <a:buNone/>
-              <a:defRPr b="1" sz="3600">
+              <a:defRPr sz="3600" b="1">
                 <a:solidFill>
                   <a:schemeClr val="accent1"/>
                 </a:solidFill>
@@ -5987,7 +6043,7 @@
               <a:buSzPts val="3600"/>
               <a:buFont typeface="PT Sans Narrow"/>
               <a:buNone/>
-              <a:defRPr b="1" sz="3600">
+              <a:defRPr sz="3600" b="1">
                 <a:solidFill>
                   <a:schemeClr val="accent1"/>
                 </a:solidFill>
@@ -6010,7 +6066,7 @@
               <a:buSzPts val="3600"/>
               <a:buFont typeface="PT Sans Narrow"/>
               <a:buNone/>
-              <a:defRPr b="1" sz="3600">
+              <a:defRPr sz="3600" b="1">
                 <a:solidFill>
                   <a:schemeClr val="accent1"/>
                 </a:solidFill>
@@ -6033,7 +6089,7 @@
               <a:buSzPts val="3600"/>
               <a:buFont typeface="PT Sans Narrow"/>
               <a:buNone/>
-              <a:defRPr b="1" sz="3600">
+              <a:defRPr sz="3600" b="1">
                 <a:solidFill>
                   <a:schemeClr val="accent1"/>
                 </a:solidFill>
@@ -6044,15 +6100,19 @@
               </a:defRPr>
             </a:lvl9pPr>
           </a:lstStyle>
-          <a:p/>
+          <a:p>
+            <a:endParaRPr/>
+          </a:p>
         </p:txBody>
       </p:sp>
       <p:sp>
         <p:nvSpPr>
           <p:cNvPr id="7" name="Google Shape;7;p1"/>
-          <p:cNvSpPr txBox="1"/>
+          <p:cNvSpPr txBox="1">
+            <a:spLocks noGrp="1"/>
+          </p:cNvSpPr>
           <p:nvPr>
-            <p:ph idx="1" type="body"/>
+            <p:ph type="body" idx="1"/>
           </p:nvPr>
         </p:nvSpPr>
         <p:spPr>
@@ -6069,11 +6129,11 @@
           </a:ln>
         </p:spPr>
         <p:txBody>
-          <a:bodyPr anchorCtr="0" anchor="t" bIns="91425" lIns="91425" spcFirstLastPara="1" rIns="91425" wrap="square" tIns="91425">
+          <a:bodyPr spcFirstLastPara="1" wrap="square" lIns="91425" tIns="91425" rIns="91425" bIns="91425" anchor="t" anchorCtr="0">
             <a:noAutofit/>
           </a:bodyPr>
           <a:lstStyle>
-            <a:lvl1pPr indent="-342900" lvl="0" marL="457200">
+            <a:lvl1pPr marL="457200" lvl="0" indent="-342900">
               <a:lnSpc>
                 <a:spcPct val="115000"/>
               </a:lnSpc>
@@ -6099,7 +6159,7 @@
                 <a:sym typeface="Open Sans"/>
               </a:defRPr>
             </a:lvl1pPr>
-            <a:lvl2pPr indent="-317500" lvl="1" marL="914400">
+            <a:lvl2pPr marL="914400" lvl="1" indent="-317500">
               <a:lnSpc>
                 <a:spcPct val="115000"/>
               </a:lnSpc>
@@ -6125,7 +6185,7 @@
                 <a:sym typeface="Open Sans"/>
               </a:defRPr>
             </a:lvl2pPr>
-            <a:lvl3pPr indent="-317500" lvl="2" marL="1371600">
+            <a:lvl3pPr marL="1371600" lvl="2" indent="-317500">
               <a:lnSpc>
                 <a:spcPct val="115000"/>
               </a:lnSpc>
@@ -6151,7 +6211,7 @@
                 <a:sym typeface="Open Sans"/>
               </a:defRPr>
             </a:lvl3pPr>
-            <a:lvl4pPr indent="-317500" lvl="3" marL="1828800">
+            <a:lvl4pPr marL="1828800" lvl="3" indent="-317500">
               <a:lnSpc>
                 <a:spcPct val="115000"/>
               </a:lnSpc>
@@ -6177,7 +6237,7 @@
                 <a:sym typeface="Open Sans"/>
               </a:defRPr>
             </a:lvl4pPr>
-            <a:lvl5pPr indent="-317500" lvl="4" marL="2286000">
+            <a:lvl5pPr marL="2286000" lvl="4" indent="-317500">
               <a:lnSpc>
                 <a:spcPct val="115000"/>
               </a:lnSpc>
@@ -6203,7 +6263,7 @@
                 <a:sym typeface="Open Sans"/>
               </a:defRPr>
             </a:lvl5pPr>
-            <a:lvl6pPr indent="-317500" lvl="5" marL="2743200">
+            <a:lvl6pPr marL="2743200" lvl="5" indent="-317500">
               <a:lnSpc>
                 <a:spcPct val="115000"/>
               </a:lnSpc>
@@ -6229,7 +6289,7 @@
                 <a:sym typeface="Open Sans"/>
               </a:defRPr>
             </a:lvl6pPr>
-            <a:lvl7pPr indent="-317500" lvl="6" marL="3200400">
+            <a:lvl7pPr marL="3200400" lvl="6" indent="-317500">
               <a:lnSpc>
                 <a:spcPct val="115000"/>
               </a:lnSpc>
@@ -6255,7 +6315,7 @@
                 <a:sym typeface="Open Sans"/>
               </a:defRPr>
             </a:lvl7pPr>
-            <a:lvl8pPr indent="-317500" lvl="7" marL="3657600">
+            <a:lvl8pPr marL="3657600" lvl="7" indent="-317500">
               <a:lnSpc>
                 <a:spcPct val="115000"/>
               </a:lnSpc>
@@ -6281,7 +6341,7 @@
                 <a:sym typeface="Open Sans"/>
               </a:defRPr>
             </a:lvl8pPr>
-            <a:lvl9pPr indent="-317500" lvl="8" marL="4114800">
+            <a:lvl9pPr marL="4114800" lvl="8" indent="-317500">
               <a:lnSpc>
                 <a:spcPct val="115000"/>
               </a:lnSpc>
@@ -6308,15 +6368,19 @@
               </a:defRPr>
             </a:lvl9pPr>
           </a:lstStyle>
-          <a:p/>
+          <a:p>
+            <a:endParaRPr/>
+          </a:p>
         </p:txBody>
       </p:sp>
       <p:sp>
         <p:nvSpPr>
           <p:cNvPr id="8" name="Google Shape;8;p1"/>
-          <p:cNvSpPr txBox="1"/>
+          <p:cNvSpPr txBox="1">
+            <a:spLocks noGrp="1"/>
+          </p:cNvSpPr>
           <p:nvPr>
-            <p:ph idx="12" type="sldNum"/>
+            <p:ph type="sldNum" idx="12"/>
           </p:nvPr>
         </p:nvSpPr>
         <p:spPr>
@@ -6333,7 +6397,7 @@
           </a:ln>
         </p:spPr>
         <p:txBody>
-          <a:bodyPr anchorCtr="0" anchor="ctr" bIns="91425" lIns="91425" spcFirstLastPara="1" rIns="91425" wrap="square" tIns="91425">
+          <a:bodyPr spcFirstLastPara="1" wrap="square" lIns="91425" tIns="91425" rIns="91425" bIns="91425" anchor="ctr" anchorCtr="0">
             <a:noAutofit/>
           </a:bodyPr>
           <a:lstStyle>
@@ -6447,7 +6511,7 @@
             </a:lvl9pPr>
           </a:lstStyle>
           <a:p>
-            <a:pPr indent="0" lvl="0" marL="0" rtl="0" algn="r">
+            <a:pPr marL="0" lvl="0" indent="0" algn="r" rtl="0">
               <a:spcBef>
                 <a:spcPts val="0"/>
               </a:spcBef>
@@ -6466,7 +6530,7 @@
       </p:sp>
     </p:spTree>
   </p:cSld>
-  <p:clrMap accent1="accent1" accent2="accent2" accent3="accent3" accent4="accent4" accent5="accent5" accent6="accent6" bg1="lt1" bg2="dk2" tx1="dk1" tx2="lt2" folHlink="folHlink" hlink="hlink"/>
+  <p:clrMap bg1="lt1" tx1="dk1" bg2="dk2" tx2="lt2" accent1="accent1" accent2="accent2" accent3="accent3" accent4="accent4" accent5="accent5" accent6="accent6" hlink="hlink" folHlink="folHlink"/>
   <p:sldLayoutIdLst>
     <p:sldLayoutId id="2147483648" r:id="rId1"/>
     <p:sldLayoutId id="2147483649" r:id="rId2"/>
@@ -6480,10 +6544,10 @@
     <p:sldLayoutId id="2147483657" r:id="rId10"/>
     <p:sldLayoutId id="2147483658" r:id="rId11"/>
   </p:sldLayoutIdLst>
-  <p:hf dt="0" ftr="0" hdr="0" sldNum="0"/>
+  <p:hf sldNum="0" hdr="0" ftr="0" dt="0"/>
   <p:txStyles>
     <p:titleStyle>
-      <a:defPPr lvl="0" marR="0" rtl="0" algn="l">
+      <a:defPPr marR="0" lvl="0" algn="l" rtl="0">
         <a:lnSpc>
           <a:spcPct val="100000"/>
         </a:lnSpc>
@@ -6494,7 +6558,7 @@
           <a:spcPts val="0"/>
         </a:spcAft>
       </a:defPPr>
-      <a:lvl1pPr lvl="0" marR="0" rtl="0" algn="l">
+      <a:lvl1pPr marR="0" lvl="0" algn="l" rtl="0">
         <a:lnSpc>
           <a:spcPct val="100000"/>
         </a:lnSpc>
@@ -6508,7 +6572,7 @@
           <a:srgbClr val="000000"/>
         </a:buClr>
         <a:buFont typeface="Arial"/>
-        <a:defRPr b="0" i="0" sz="1400" u="none" cap="none" strike="noStrike">
+        <a:defRPr sz="1400" b="0" i="0" u="none" strike="noStrike" cap="none">
           <a:solidFill>
             <a:srgbClr val="000000"/>
           </a:solidFill>
@@ -6518,7 +6582,7 @@
           <a:sym typeface="Arial"/>
         </a:defRPr>
       </a:lvl1pPr>
-      <a:lvl2pPr lvl="1" marR="0" rtl="0" algn="l">
+      <a:lvl2pPr marR="0" lvl="1" algn="l" rtl="0">
         <a:lnSpc>
           <a:spcPct val="100000"/>
         </a:lnSpc>
@@ -6532,7 +6596,7 @@
           <a:srgbClr val="000000"/>
         </a:buClr>
         <a:buFont typeface="Arial"/>
-        <a:defRPr b="0" i="0" sz="1400" u="none" cap="none" strike="noStrike">
+        <a:defRPr sz="1400" b="0" i="0" u="none" strike="noStrike" cap="none">
           <a:solidFill>
             <a:srgbClr val="000000"/>
           </a:solidFill>
@@ -6542,7 +6606,7 @@
           <a:sym typeface="Arial"/>
         </a:defRPr>
       </a:lvl2pPr>
-      <a:lvl3pPr lvl="2" marR="0" rtl="0" algn="l">
+      <a:lvl3pPr marR="0" lvl="2" algn="l" rtl="0">
         <a:lnSpc>
           <a:spcPct val="100000"/>
         </a:lnSpc>
@@ -6556,7 +6620,7 @@
           <a:srgbClr val="000000"/>
         </a:buClr>
         <a:buFont typeface="Arial"/>
-        <a:defRPr b="0" i="0" sz="1400" u="none" cap="none" strike="noStrike">
+        <a:defRPr sz="1400" b="0" i="0" u="none" strike="noStrike" cap="none">
           <a:solidFill>
             <a:srgbClr val="000000"/>
           </a:solidFill>
@@ -6566,7 +6630,7 @@
           <a:sym typeface="Arial"/>
         </a:defRPr>
       </a:lvl3pPr>
-      <a:lvl4pPr lvl="3" marR="0" rtl="0" algn="l">
+      <a:lvl4pPr marR="0" lvl="3" algn="l" rtl="0">
         <a:lnSpc>
           <a:spcPct val="100000"/>
         </a:lnSpc>
@@ -6580,7 +6644,7 @@
           <a:srgbClr val="000000"/>
         </a:buClr>
         <a:buFont typeface="Arial"/>
-        <a:defRPr b="0" i="0" sz="1400" u="none" cap="none" strike="noStrike">
+        <a:defRPr sz="1400" b="0" i="0" u="none" strike="noStrike" cap="none">
           <a:solidFill>
             <a:srgbClr val="000000"/>
           </a:solidFill>
@@ -6590,7 +6654,7 @@
           <a:sym typeface="Arial"/>
         </a:defRPr>
       </a:lvl4pPr>
-      <a:lvl5pPr lvl="4" marR="0" rtl="0" algn="l">
+      <a:lvl5pPr marR="0" lvl="4" algn="l" rtl="0">
         <a:lnSpc>
           <a:spcPct val="100000"/>
         </a:lnSpc>
@@ -6604,7 +6668,7 @@
           <a:srgbClr val="000000"/>
         </a:buClr>
         <a:buFont typeface="Arial"/>
-        <a:defRPr b="0" i="0" sz="1400" u="none" cap="none" strike="noStrike">
+        <a:defRPr sz="1400" b="0" i="0" u="none" strike="noStrike" cap="none">
           <a:solidFill>
             <a:srgbClr val="000000"/>
           </a:solidFill>
@@ -6614,7 +6678,7 @@
           <a:sym typeface="Arial"/>
         </a:defRPr>
       </a:lvl5pPr>
-      <a:lvl6pPr lvl="5" marR="0" rtl="0" algn="l">
+      <a:lvl6pPr marR="0" lvl="5" algn="l" rtl="0">
         <a:lnSpc>
           <a:spcPct val="100000"/>
         </a:lnSpc>
@@ -6628,7 +6692,7 @@
           <a:srgbClr val="000000"/>
         </a:buClr>
         <a:buFont typeface="Arial"/>
-        <a:defRPr b="0" i="0" sz="1400" u="none" cap="none" strike="noStrike">
+        <a:defRPr sz="1400" b="0" i="0" u="none" strike="noStrike" cap="none">
           <a:solidFill>
             <a:srgbClr val="000000"/>
           </a:solidFill>
@@ -6638,7 +6702,7 @@
           <a:sym typeface="Arial"/>
         </a:defRPr>
       </a:lvl6pPr>
-      <a:lvl7pPr lvl="6" marR="0" rtl="0" algn="l">
+      <a:lvl7pPr marR="0" lvl="6" algn="l" rtl="0">
         <a:lnSpc>
           <a:spcPct val="100000"/>
         </a:lnSpc>
@@ -6652,7 +6716,7 @@
           <a:srgbClr val="000000"/>
         </a:buClr>
         <a:buFont typeface="Arial"/>
-        <a:defRPr b="0" i="0" sz="1400" u="none" cap="none" strike="noStrike">
+        <a:defRPr sz="1400" b="0" i="0" u="none" strike="noStrike" cap="none">
           <a:solidFill>
             <a:srgbClr val="000000"/>
           </a:solidFill>
@@ -6662,7 +6726,7 @@
           <a:sym typeface="Arial"/>
         </a:defRPr>
       </a:lvl7pPr>
-      <a:lvl8pPr lvl="7" marR="0" rtl="0" algn="l">
+      <a:lvl8pPr marR="0" lvl="7" algn="l" rtl="0">
         <a:lnSpc>
           <a:spcPct val="100000"/>
         </a:lnSpc>
@@ -6676,7 +6740,7 @@
           <a:srgbClr val="000000"/>
         </a:buClr>
         <a:buFont typeface="Arial"/>
-        <a:defRPr b="0" i="0" sz="1400" u="none" cap="none" strike="noStrike">
+        <a:defRPr sz="1400" b="0" i="0" u="none" strike="noStrike" cap="none">
           <a:solidFill>
             <a:srgbClr val="000000"/>
           </a:solidFill>
@@ -6686,7 +6750,7 @@
           <a:sym typeface="Arial"/>
         </a:defRPr>
       </a:lvl8pPr>
-      <a:lvl9pPr lvl="8" marR="0" rtl="0" algn="l">
+      <a:lvl9pPr marR="0" lvl="8" algn="l" rtl="0">
         <a:lnSpc>
           <a:spcPct val="100000"/>
         </a:lnSpc>
@@ -6700,7 +6764,7 @@
           <a:srgbClr val="000000"/>
         </a:buClr>
         <a:buFont typeface="Arial"/>
-        <a:defRPr b="0" i="0" sz="1400" u="none" cap="none" strike="noStrike">
+        <a:defRPr sz="1400" b="0" i="0" u="none" strike="noStrike" cap="none">
           <a:solidFill>
             <a:srgbClr val="000000"/>
           </a:solidFill>
@@ -6712,7 +6776,7 @@
       </a:lvl9pPr>
     </p:titleStyle>
     <p:bodyStyle>
-      <a:defPPr lvl="0" marR="0" rtl="0" algn="l">
+      <a:defPPr marR="0" lvl="0" algn="l" rtl="0">
         <a:lnSpc>
           <a:spcPct val="100000"/>
         </a:lnSpc>
@@ -6723,7 +6787,7 @@
           <a:spcPts val="0"/>
         </a:spcAft>
       </a:defPPr>
-      <a:lvl1pPr lvl="0" marR="0" rtl="0" algn="l">
+      <a:lvl1pPr marR="0" lvl="0" algn="l" rtl="0">
         <a:lnSpc>
           <a:spcPct val="100000"/>
         </a:lnSpc>
@@ -6737,7 +6801,7 @@
           <a:srgbClr val="000000"/>
         </a:buClr>
         <a:buFont typeface="Arial"/>
-        <a:defRPr b="0" i="0" sz="1400" u="none" cap="none" strike="noStrike">
+        <a:defRPr sz="1400" b="0" i="0" u="none" strike="noStrike" cap="none">
           <a:solidFill>
             <a:srgbClr val="000000"/>
           </a:solidFill>
@@ -6747,7 +6811,7 @@
           <a:sym typeface="Arial"/>
         </a:defRPr>
       </a:lvl1pPr>
-      <a:lvl2pPr lvl="1" marR="0" rtl="0" algn="l">
+      <a:lvl2pPr marR="0" lvl="1" algn="l" rtl="0">
         <a:lnSpc>
           <a:spcPct val="100000"/>
         </a:lnSpc>
@@ -6761,7 +6825,7 @@
           <a:srgbClr val="000000"/>
         </a:buClr>
         <a:buFont typeface="Arial"/>
-        <a:defRPr b="0" i="0" sz="1400" u="none" cap="none" strike="noStrike">
+        <a:defRPr sz="1400" b="0" i="0" u="none" strike="noStrike" cap="none">
           <a:solidFill>
             <a:srgbClr val="000000"/>
           </a:solidFill>
@@ -6771,7 +6835,7 @@
           <a:sym typeface="Arial"/>
         </a:defRPr>
       </a:lvl2pPr>
-      <a:lvl3pPr lvl="2" marR="0" rtl="0" algn="l">
+      <a:lvl3pPr marR="0" lvl="2" algn="l" rtl="0">
         <a:lnSpc>
           <a:spcPct val="100000"/>
         </a:lnSpc>
@@ -6785,7 +6849,7 @@
           <a:srgbClr val="000000"/>
         </a:buClr>
         <a:buFont typeface="Arial"/>
-        <a:defRPr b="0" i="0" sz="1400" u="none" cap="none" strike="noStrike">
+        <a:defRPr sz="1400" b="0" i="0" u="none" strike="noStrike" cap="none">
           <a:solidFill>
             <a:srgbClr val="000000"/>
           </a:solidFill>
@@ -6795,7 +6859,7 @@
           <a:sym typeface="Arial"/>
         </a:defRPr>
       </a:lvl3pPr>
-      <a:lvl4pPr lvl="3" marR="0" rtl="0" algn="l">
+      <a:lvl4pPr marR="0" lvl="3" algn="l" rtl="0">
         <a:lnSpc>
           <a:spcPct val="100000"/>
         </a:lnSpc>
@@ -6809,7 +6873,7 @@
           <a:srgbClr val="000000"/>
         </a:buClr>
         <a:buFont typeface="Arial"/>
-        <a:defRPr b="0" i="0" sz="1400" u="none" cap="none" strike="noStrike">
+        <a:defRPr sz="1400" b="0" i="0" u="none" strike="noStrike" cap="none">
           <a:solidFill>
             <a:srgbClr val="000000"/>
           </a:solidFill>
@@ -6819,7 +6883,7 @@
           <a:sym typeface="Arial"/>
         </a:defRPr>
       </a:lvl4pPr>
-      <a:lvl5pPr lvl="4" marR="0" rtl="0" algn="l">
+      <a:lvl5pPr marR="0" lvl="4" algn="l" rtl="0">
         <a:lnSpc>
           <a:spcPct val="100000"/>
         </a:lnSpc>
@@ -6833,7 +6897,7 @@
           <a:srgbClr val="000000"/>
         </a:buClr>
         <a:buFont typeface="Arial"/>
-        <a:defRPr b="0" i="0" sz="1400" u="none" cap="none" strike="noStrike">
+        <a:defRPr sz="1400" b="0" i="0" u="none" strike="noStrike" cap="none">
           <a:solidFill>
             <a:srgbClr val="000000"/>
           </a:solidFill>
@@ -6843,7 +6907,7 @@
           <a:sym typeface="Arial"/>
         </a:defRPr>
       </a:lvl5pPr>
-      <a:lvl6pPr lvl="5" marR="0" rtl="0" algn="l">
+      <a:lvl6pPr marR="0" lvl="5" algn="l" rtl="0">
         <a:lnSpc>
           <a:spcPct val="100000"/>
         </a:lnSpc>
@@ -6857,7 +6921,7 @@
           <a:srgbClr val="000000"/>
         </a:buClr>
         <a:buFont typeface="Arial"/>
-        <a:defRPr b="0" i="0" sz="1400" u="none" cap="none" strike="noStrike">
+        <a:defRPr sz="1400" b="0" i="0" u="none" strike="noStrike" cap="none">
           <a:solidFill>
             <a:srgbClr val="000000"/>
           </a:solidFill>
@@ -6867,7 +6931,7 @@
           <a:sym typeface="Arial"/>
         </a:defRPr>
       </a:lvl6pPr>
-      <a:lvl7pPr lvl="6" marR="0" rtl="0" algn="l">
+      <a:lvl7pPr marR="0" lvl="6" algn="l" rtl="0">
         <a:lnSpc>
           <a:spcPct val="100000"/>
         </a:lnSpc>
@@ -6881,7 +6945,7 @@
           <a:srgbClr val="000000"/>
         </a:buClr>
         <a:buFont typeface="Arial"/>
-        <a:defRPr b="0" i="0" sz="1400" u="none" cap="none" strike="noStrike">
+        <a:defRPr sz="1400" b="0" i="0" u="none" strike="noStrike" cap="none">
           <a:solidFill>
             <a:srgbClr val="000000"/>
           </a:solidFill>
@@ -6891,7 +6955,7 @@
           <a:sym typeface="Arial"/>
         </a:defRPr>
       </a:lvl7pPr>
-      <a:lvl8pPr lvl="7" marR="0" rtl="0" algn="l">
+      <a:lvl8pPr marR="0" lvl="7" algn="l" rtl="0">
         <a:lnSpc>
           <a:spcPct val="100000"/>
         </a:lnSpc>
@@ -6905,7 +6969,7 @@
           <a:srgbClr val="000000"/>
         </a:buClr>
         <a:buFont typeface="Arial"/>
-        <a:defRPr b="0" i="0" sz="1400" u="none" cap="none" strike="noStrike">
+        <a:defRPr sz="1400" b="0" i="0" u="none" strike="noStrike" cap="none">
           <a:solidFill>
             <a:srgbClr val="000000"/>
           </a:solidFill>
@@ -6915,7 +6979,7 @@
           <a:sym typeface="Arial"/>
         </a:defRPr>
       </a:lvl8pPr>
-      <a:lvl9pPr lvl="8" marR="0" rtl="0" algn="l">
+      <a:lvl9pPr marR="0" lvl="8" algn="l" rtl="0">
         <a:lnSpc>
           <a:spcPct val="100000"/>
         </a:lnSpc>
@@ -6929,7 +6993,7 @@
           <a:srgbClr val="000000"/>
         </a:buClr>
         <a:buFont typeface="Arial"/>
-        <a:defRPr b="0" i="0" sz="1400" u="none" cap="none" strike="noStrike">
+        <a:defRPr sz="1400" b="0" i="0" u="none" strike="noStrike" cap="none">
           <a:solidFill>
             <a:srgbClr val="000000"/>
           </a:solidFill>
@@ -6941,7 +7005,7 @@
       </a:lvl9pPr>
     </p:bodyStyle>
     <p:otherStyle>
-      <a:defPPr lvl="0" marR="0" rtl="0" algn="l">
+      <a:defPPr marR="0" lvl="0" algn="l" rtl="0">
         <a:lnSpc>
           <a:spcPct val="100000"/>
         </a:lnSpc>
@@ -6952,7 +7016,7 @@
           <a:spcPts val="0"/>
         </a:spcAft>
       </a:defPPr>
-      <a:lvl1pPr lvl="0" marR="0" rtl="0" algn="l">
+      <a:lvl1pPr marR="0" lvl="0" algn="l" rtl="0">
         <a:lnSpc>
           <a:spcPct val="100000"/>
         </a:lnSpc>
@@ -6966,7 +7030,7 @@
           <a:srgbClr val="000000"/>
         </a:buClr>
         <a:buFont typeface="Arial"/>
-        <a:defRPr b="0" i="0" sz="1400" u="none" cap="none" strike="noStrike">
+        <a:defRPr sz="1400" b="0" i="0" u="none" strike="noStrike" cap="none">
           <a:solidFill>
             <a:srgbClr val="000000"/>
           </a:solidFill>
@@ -6976,7 +7040,7 @@
           <a:sym typeface="Arial"/>
         </a:defRPr>
       </a:lvl1pPr>
-      <a:lvl2pPr lvl="1" marR="0" rtl="0" algn="l">
+      <a:lvl2pPr marR="0" lvl="1" algn="l" rtl="0">
         <a:lnSpc>
           <a:spcPct val="100000"/>
         </a:lnSpc>
@@ -6990,7 +7054,7 @@
           <a:srgbClr val="000000"/>
         </a:buClr>
         <a:buFont typeface="Arial"/>
-        <a:defRPr b="0" i="0" sz="1400" u="none" cap="none" strike="noStrike">
+        <a:defRPr sz="1400" b="0" i="0" u="none" strike="noStrike" cap="none">
           <a:solidFill>
             <a:srgbClr val="000000"/>
           </a:solidFill>
@@ -7000,7 +7064,7 @@
           <a:sym typeface="Arial"/>
         </a:defRPr>
       </a:lvl2pPr>
-      <a:lvl3pPr lvl="2" marR="0" rtl="0" algn="l">
+      <a:lvl3pPr marR="0" lvl="2" algn="l" rtl="0">
         <a:lnSpc>
           <a:spcPct val="100000"/>
         </a:lnSpc>
@@ -7014,7 +7078,7 @@
           <a:srgbClr val="000000"/>
         </a:buClr>
         <a:buFont typeface="Arial"/>
-        <a:defRPr b="0" i="0" sz="1400" u="none" cap="none" strike="noStrike">
+        <a:defRPr sz="1400" b="0" i="0" u="none" strike="noStrike" cap="none">
           <a:solidFill>
             <a:srgbClr val="000000"/>
           </a:solidFill>
@@ -7024,7 +7088,7 @@
           <a:sym typeface="Arial"/>
         </a:defRPr>
       </a:lvl3pPr>
-      <a:lvl4pPr lvl="3" marR="0" rtl="0" algn="l">
+      <a:lvl4pPr marR="0" lvl="3" algn="l" rtl="0">
         <a:lnSpc>
           <a:spcPct val="100000"/>
         </a:lnSpc>
@@ -7038,7 +7102,7 @@
           <a:srgbClr val="000000"/>
         </a:buClr>
         <a:buFont typeface="Arial"/>
-        <a:defRPr b="0" i="0" sz="1400" u="none" cap="none" strike="noStrike">
+        <a:defRPr sz="1400" b="0" i="0" u="none" strike="noStrike" cap="none">
           <a:solidFill>
             <a:srgbClr val="000000"/>
           </a:solidFill>
@@ -7048,7 +7112,7 @@
           <a:sym typeface="Arial"/>
         </a:defRPr>
       </a:lvl4pPr>
-      <a:lvl5pPr lvl="4" marR="0" rtl="0" algn="l">
+      <a:lvl5pPr marR="0" lvl="4" algn="l" rtl="0">
         <a:lnSpc>
           <a:spcPct val="100000"/>
         </a:lnSpc>
@@ -7062,7 +7126,7 @@
           <a:srgbClr val="000000"/>
         </a:buClr>
         <a:buFont typeface="Arial"/>
-        <a:defRPr b="0" i="0" sz="1400" u="none" cap="none" strike="noStrike">
+        <a:defRPr sz="1400" b="0" i="0" u="none" strike="noStrike" cap="none">
           <a:solidFill>
             <a:srgbClr val="000000"/>
           </a:solidFill>
@@ -7072,7 +7136,7 @@
           <a:sym typeface="Arial"/>
         </a:defRPr>
       </a:lvl5pPr>
-      <a:lvl6pPr lvl="5" marR="0" rtl="0" algn="l">
+      <a:lvl6pPr marR="0" lvl="5" algn="l" rtl="0">
         <a:lnSpc>
           <a:spcPct val="100000"/>
         </a:lnSpc>
@@ -7086,7 +7150,7 @@
           <a:srgbClr val="000000"/>
         </a:buClr>
         <a:buFont typeface="Arial"/>
-        <a:defRPr b="0" i="0" sz="1400" u="none" cap="none" strike="noStrike">
+        <a:defRPr sz="1400" b="0" i="0" u="none" strike="noStrike" cap="none">
           <a:solidFill>
             <a:srgbClr val="000000"/>
           </a:solidFill>
@@ -7096,7 +7160,7 @@
           <a:sym typeface="Arial"/>
         </a:defRPr>
       </a:lvl6pPr>
-      <a:lvl7pPr lvl="6" marR="0" rtl="0" algn="l">
+      <a:lvl7pPr marR="0" lvl="6" algn="l" rtl="0">
         <a:lnSpc>
           <a:spcPct val="100000"/>
         </a:lnSpc>
@@ -7110,7 +7174,7 @@
           <a:srgbClr val="000000"/>
         </a:buClr>
         <a:buFont typeface="Arial"/>
-        <a:defRPr b="0" i="0" sz="1400" u="none" cap="none" strike="noStrike">
+        <a:defRPr sz="1400" b="0" i="0" u="none" strike="noStrike" cap="none">
           <a:solidFill>
             <a:srgbClr val="000000"/>
           </a:solidFill>
@@ -7120,7 +7184,7 @@
           <a:sym typeface="Arial"/>
         </a:defRPr>
       </a:lvl7pPr>
-      <a:lvl8pPr lvl="7" marR="0" rtl="0" algn="l">
+      <a:lvl8pPr marR="0" lvl="7" algn="l" rtl="0">
         <a:lnSpc>
           <a:spcPct val="100000"/>
         </a:lnSpc>
@@ -7134,7 +7198,7 @@
           <a:srgbClr val="000000"/>
         </a:buClr>
         <a:buFont typeface="Arial"/>
-        <a:defRPr b="0" i="0" sz="1400" u="none" cap="none" strike="noStrike">
+        <a:defRPr sz="1400" b="0" i="0" u="none" strike="noStrike" cap="none">
           <a:solidFill>
             <a:srgbClr val="000000"/>
           </a:solidFill>
@@ -7144,7 +7208,7 @@
           <a:sym typeface="Arial"/>
         </a:defRPr>
       </a:lvl8pPr>
-      <a:lvl9pPr lvl="8" marR="0" rtl="0" algn="l">
+      <a:lvl9pPr marR="0" lvl="8" algn="l" rtl="0">
         <a:lnSpc>
           <a:spcPct val="100000"/>
         </a:lnSpc>
@@ -7158,7 +7222,7 @@
           <a:srgbClr val="000000"/>
         </a:buClr>
         <a:buFont typeface="Arial"/>
-        <a:defRPr b="0" i="0" sz="1400" u="none" cap="none" strike="noStrike">
+        <a:defRPr sz="1400" b="0" i="0" u="none" strike="noStrike" cap="none">
           <a:solidFill>
             <a:srgbClr val="000000"/>
           </a:solidFill>
@@ -7174,11 +7238,11 @@
 </file>
 
 <file path=ppt/slides/slide1.xml><?xml version="1.0" encoding="utf-8"?>
-<p:sld xmlns:a="http://schemas.openxmlformats.org/drawingml/2006/main" xmlns:r="http://schemas.openxmlformats.org/officeDocument/2006/relationships" xmlns:mc="http://schemas.openxmlformats.org/markup-compatibility/2006" xmlns:mv="urn:schemas-microsoft-com:mac:vml" xmlns:p="http://schemas.openxmlformats.org/presentationml/2006/main" xmlns:c="http://schemas.openxmlformats.org/drawingml/2006/chart" xmlns:dgm="http://schemas.openxmlformats.org/drawingml/2006/diagram" xmlns:o="urn:schemas-microsoft-com:office:office" xmlns:v="urn:schemas-microsoft-com:vml" xmlns:pvml="urn:schemas-microsoft-com:office:powerpoint" xmlns:com="http://schemas.openxmlformats.org/drawingml/2006/compatibility" xmlns:p14="http://schemas.microsoft.com/office/powerpoint/2010/main" xmlns:p15="http://schemas.microsoft.com/office/powerpoint/2012/main">
+<p:sld xmlns:a="http://schemas.openxmlformats.org/drawingml/2006/main" xmlns:r="http://schemas.openxmlformats.org/officeDocument/2006/relationships" xmlns:p="http://schemas.openxmlformats.org/presentationml/2006/main">
   <p:cSld>
     <p:spTree>
       <p:nvGrpSpPr>
-        <p:cNvPr id="65" name="Shape 65"/>
+        <p:cNvPr id="1" name="Shape 65"/>
         <p:cNvGrpSpPr/>
         <p:nvPr/>
       </p:nvGrpSpPr>
@@ -7193,7 +7257,9 @@
       <p:sp>
         <p:nvSpPr>
           <p:cNvPr id="66" name="Google Shape;66;p13"/>
-          <p:cNvSpPr txBox="1"/>
+          <p:cNvSpPr txBox="1">
+            <a:spLocks noGrp="1"/>
+          </p:cNvSpPr>
           <p:nvPr>
             <p:ph type="ctrTitle"/>
           </p:nvPr>
@@ -7208,12 +7274,12 @@
           </a:prstGeom>
         </p:spPr>
         <p:txBody>
-          <a:bodyPr anchorCtr="0" anchor="b" bIns="91425" lIns="91425" spcFirstLastPara="1" rIns="91425" wrap="square" tIns="91425">
+          <a:bodyPr spcFirstLastPara="1" wrap="square" lIns="91425" tIns="91425" rIns="91425" bIns="91425" anchor="b" anchorCtr="0">
             <a:noAutofit/>
           </a:bodyPr>
           <a:lstStyle/>
           <a:p>
-            <a:pPr indent="0" lvl="0" marL="0" rtl="0" algn="ctr">
+            <a:pPr marL="0" lvl="0" indent="0" algn="ctr" rtl="0">
               <a:spcBef>
                 <a:spcPts val="0"/>
               </a:spcBef>
@@ -7233,9 +7299,11 @@
       <p:sp>
         <p:nvSpPr>
           <p:cNvPr id="67" name="Google Shape;67;p13"/>
-          <p:cNvSpPr txBox="1"/>
+          <p:cNvSpPr txBox="1">
+            <a:spLocks noGrp="1"/>
+          </p:cNvSpPr>
           <p:nvPr>
-            <p:ph idx="1" type="subTitle"/>
+            <p:ph type="subTitle" idx="1"/>
           </p:nvPr>
         </p:nvSpPr>
         <p:spPr>
@@ -7248,12 +7316,12 @@
           </a:prstGeom>
         </p:spPr>
         <p:txBody>
-          <a:bodyPr anchorCtr="0" anchor="t" bIns="91425" lIns="91425" spcFirstLastPara="1" rIns="91425" wrap="square" tIns="91425">
+          <a:bodyPr spcFirstLastPara="1" wrap="square" lIns="91425" tIns="91425" rIns="91425" bIns="91425" anchor="t" anchorCtr="0">
             <a:noAutofit/>
           </a:bodyPr>
           <a:lstStyle/>
           <a:p>
-            <a:pPr indent="0" lvl="0" marL="0" rtl="0" algn="ctr">
+            <a:pPr marL="0" lvl="0" indent="0" algn="ctr" rtl="0">
               <a:spcBef>
                 <a:spcPts val="0"/>
               </a:spcBef>
@@ -7290,12 +7358,12 @@
           </a:ln>
         </p:spPr>
         <p:txBody>
-          <a:bodyPr anchorCtr="0" anchor="t" bIns="91425" lIns="91425" spcFirstLastPara="1" rIns="91425" wrap="square" tIns="91425">
+          <a:bodyPr spcFirstLastPara="1" wrap="square" lIns="91425" tIns="91425" rIns="91425" bIns="91425" anchor="t" anchorCtr="0">
             <a:noAutofit/>
           </a:bodyPr>
           <a:lstStyle/>
           <a:p>
-            <a:pPr indent="0" lvl="0" marL="0" rtl="0" algn="l">
+            <a:pPr marL="0" lvl="0" indent="0" algn="l" rtl="0">
               <a:lnSpc>
                 <a:spcPct val="115000"/>
               </a:lnSpc>
@@ -7308,7 +7376,7 @@
               <a:buNone/>
             </a:pPr>
             <a:r>
-              <a:rPr b="1" lang="en" sz="3200">
+              <a:rPr lang="en" sz="3200" b="1">
                 <a:solidFill>
                   <a:srgbClr val="AFA186"/>
                 </a:solidFill>
@@ -7319,7 +7387,7 @@
               </a:rPr>
               <a:t>Brian Gillespie</a:t>
             </a:r>
-            <a:endParaRPr b="1" sz="3200">
+            <a:endParaRPr sz="3200" b="1">
               <a:solidFill>
                 <a:srgbClr val="AFA186"/>
               </a:solidFill>
@@ -7330,7 +7398,7 @@
             </a:endParaRPr>
           </a:p>
           <a:p>
-            <a:pPr indent="0" lvl="0" marL="0" rtl="0" algn="l">
+            <a:pPr marL="0" lvl="0" indent="0" algn="l" rtl="0">
               <a:spcBef>
                 <a:spcPts val="0"/>
               </a:spcBef>
@@ -7339,9 +7407,6 @@
               </a:spcAft>
               <a:buNone/>
             </a:pPr>
-            <a:r>
-              <a:t/>
-            </a:r>
             <a:endParaRPr/>
           </a:p>
         </p:txBody>
@@ -7355,11 +7420,11 @@
 </file>
 
 <file path=ppt/slides/slide10.xml><?xml version="1.0" encoding="utf-8"?>
-<p:sld xmlns:a="http://schemas.openxmlformats.org/drawingml/2006/main" xmlns:r="http://schemas.openxmlformats.org/officeDocument/2006/relationships" xmlns:mc="http://schemas.openxmlformats.org/markup-compatibility/2006" xmlns:mv="urn:schemas-microsoft-com:mac:vml" xmlns:p="http://schemas.openxmlformats.org/presentationml/2006/main" xmlns:c="http://schemas.openxmlformats.org/drawingml/2006/chart" xmlns:dgm="http://schemas.openxmlformats.org/drawingml/2006/diagram" xmlns:o="urn:schemas-microsoft-com:office:office" xmlns:v="urn:schemas-microsoft-com:vml" xmlns:pvml="urn:schemas-microsoft-com:office:powerpoint" xmlns:com="http://schemas.openxmlformats.org/drawingml/2006/compatibility" xmlns:p14="http://schemas.microsoft.com/office/powerpoint/2010/main" xmlns:p15="http://schemas.microsoft.com/office/powerpoint/2012/main">
+<p:sld xmlns:a="http://schemas.openxmlformats.org/drawingml/2006/main" xmlns:r="http://schemas.openxmlformats.org/officeDocument/2006/relationships" xmlns:p="http://schemas.openxmlformats.org/presentationml/2006/main">
   <p:cSld>
     <p:spTree>
       <p:nvGrpSpPr>
-        <p:cNvPr id="124" name="Shape 124"/>
+        <p:cNvPr id="1" name="Shape 124"/>
         <p:cNvGrpSpPr/>
         <p:nvPr/>
       </p:nvGrpSpPr>
@@ -7374,7 +7439,9 @@
       <p:sp>
         <p:nvSpPr>
           <p:cNvPr id="125" name="Google Shape;125;p22"/>
-          <p:cNvSpPr txBox="1"/>
+          <p:cNvSpPr txBox="1">
+            <a:spLocks noGrp="1"/>
+          </p:cNvSpPr>
           <p:nvPr>
             <p:ph type="title"/>
           </p:nvPr>
@@ -7389,12 +7456,12 @@
           </a:prstGeom>
         </p:spPr>
         <p:txBody>
-          <a:bodyPr anchorCtr="0" anchor="t" bIns="91425" lIns="91425" spcFirstLastPara="1" rIns="91425" wrap="square" tIns="91425">
+          <a:bodyPr spcFirstLastPara="1" wrap="square" lIns="91425" tIns="91425" rIns="91425" bIns="91425" anchor="t" anchorCtr="0">
             <a:noAutofit/>
           </a:bodyPr>
           <a:lstStyle/>
           <a:p>
-            <a:pPr indent="0" lvl="0" marL="0" rtl="0" algn="l">
+            <a:pPr marL="0" lvl="0" indent="0" algn="l" rtl="0">
               <a:spcBef>
                 <a:spcPts val="0"/>
               </a:spcBef>
@@ -7414,9 +7481,11 @@
       <p:sp>
         <p:nvSpPr>
           <p:cNvPr id="126" name="Google Shape;126;p22"/>
-          <p:cNvSpPr txBox="1"/>
+          <p:cNvSpPr txBox="1">
+            <a:spLocks noGrp="1"/>
+          </p:cNvSpPr>
           <p:nvPr>
-            <p:ph idx="1" type="body"/>
+            <p:ph type="body" idx="1"/>
           </p:nvPr>
         </p:nvSpPr>
         <p:spPr>
@@ -7429,12 +7498,12 @@
           </a:prstGeom>
         </p:spPr>
         <p:txBody>
-          <a:bodyPr anchorCtr="0" anchor="t" bIns="91425" lIns="91425" spcFirstLastPara="1" rIns="91425" wrap="square" tIns="91425">
+          <a:bodyPr spcFirstLastPara="1" wrap="square" lIns="91425" tIns="91425" rIns="91425" bIns="91425" anchor="t" anchorCtr="0">
             <a:noAutofit/>
           </a:bodyPr>
           <a:lstStyle/>
           <a:p>
-            <a:pPr indent="-342900" lvl="0" marL="457200" rtl="0" algn="l">
+            <a:pPr marL="457200" lvl="0" indent="-342900" algn="l" rtl="0">
               <a:spcBef>
                 <a:spcPts val="0"/>
               </a:spcBef>
@@ -7451,7 +7520,7 @@
             <a:endParaRPr/>
           </a:p>
           <a:p>
-            <a:pPr indent="-342900" lvl="0" marL="457200" rtl="0" algn="l">
+            <a:pPr marL="457200" lvl="0" indent="-342900" algn="l" rtl="0">
               <a:spcBef>
                 <a:spcPts val="0"/>
               </a:spcBef>
@@ -7468,7 +7537,7 @@
             <a:endParaRPr/>
           </a:p>
           <a:p>
-            <a:pPr indent="-342900" lvl="0" marL="457200" rtl="0" algn="l">
+            <a:pPr marL="457200" lvl="0" indent="-342900" algn="l" rtl="0">
               <a:spcBef>
                 <a:spcPts val="0"/>
               </a:spcBef>
@@ -7494,193 +7563,12 @@
 </p:sld>
 </file>
 
-<file path=ppt/slides/slide11.xml><?xml version="1.0" encoding="utf-8"?>
-<p:sld xmlns:a="http://schemas.openxmlformats.org/drawingml/2006/main" xmlns:r="http://schemas.openxmlformats.org/officeDocument/2006/relationships" xmlns:mc="http://schemas.openxmlformats.org/markup-compatibility/2006" xmlns:mv="urn:schemas-microsoft-com:mac:vml" xmlns:p="http://schemas.openxmlformats.org/presentationml/2006/main" xmlns:c="http://schemas.openxmlformats.org/drawingml/2006/chart" xmlns:dgm="http://schemas.openxmlformats.org/drawingml/2006/diagram" xmlns:o="urn:schemas-microsoft-com:office:office" xmlns:v="urn:schemas-microsoft-com:vml" xmlns:pvml="urn:schemas-microsoft-com:office:powerpoint" xmlns:com="http://schemas.openxmlformats.org/drawingml/2006/compatibility" xmlns:p14="http://schemas.microsoft.com/office/powerpoint/2010/main" xmlns:p15="http://schemas.microsoft.com/office/powerpoint/2012/main">
+<file path=ppt/slides/slide2.xml><?xml version="1.0" encoding="utf-8"?>
+<p:sld xmlns:a="http://schemas.openxmlformats.org/drawingml/2006/main" xmlns:r="http://schemas.openxmlformats.org/officeDocument/2006/relationships" xmlns:p="http://schemas.openxmlformats.org/presentationml/2006/main">
   <p:cSld>
     <p:spTree>
       <p:nvGrpSpPr>
-        <p:cNvPr id="130" name="Shape 130"/>
-        <p:cNvGrpSpPr/>
-        <p:nvPr/>
-      </p:nvGrpSpPr>
-      <p:grpSpPr>
-        <a:xfrm>
-          <a:off x="0" y="0"/>
-          <a:ext cx="0" cy="0"/>
-          <a:chOff x="0" y="0"/>
-          <a:chExt cx="0" cy="0"/>
-        </a:xfrm>
-      </p:grpSpPr>
-      <p:sp>
-        <p:nvSpPr>
-          <p:cNvPr id="131" name="Google Shape;131;p23"/>
-          <p:cNvSpPr txBox="1"/>
-          <p:nvPr>
-            <p:ph type="ctrTitle"/>
-          </p:nvPr>
-        </p:nvSpPr>
-        <p:spPr>
-          <a:xfrm>
-            <a:off x="1004150" y="1751764"/>
-            <a:ext cx="7136700" cy="1022400"/>
-          </a:xfrm>
-          <a:prstGeom prst="rect">
-            <a:avLst/>
-          </a:prstGeom>
-        </p:spPr>
-        <p:txBody>
-          <a:bodyPr anchorCtr="0" anchor="b" bIns="91425" lIns="91425" spcFirstLastPara="1" rIns="91425" wrap="square" tIns="91425">
-            <a:noAutofit/>
-          </a:bodyPr>
-          <a:lstStyle/>
-          <a:p>
-            <a:pPr indent="0" lvl="0" marL="0" rtl="0" algn="ctr">
-              <a:spcBef>
-                <a:spcPts val="0"/>
-              </a:spcBef>
-              <a:spcAft>
-                <a:spcPts val="0"/>
-              </a:spcAft>
-              <a:buNone/>
-            </a:pPr>
-            <a:r>
-              <a:rPr lang="en"/>
-              <a:t>Javascript Object Notation</a:t>
-            </a:r>
-            <a:endParaRPr/>
-          </a:p>
-        </p:txBody>
-      </p:sp>
-      <p:sp>
-        <p:nvSpPr>
-          <p:cNvPr id="132" name="Google Shape;132;p23"/>
-          <p:cNvSpPr txBox="1"/>
-          <p:nvPr>
-            <p:ph idx="1" type="subTitle"/>
-          </p:nvPr>
-        </p:nvSpPr>
-        <p:spPr>
-          <a:xfrm>
-            <a:off x="2137225" y="2850039"/>
-            <a:ext cx="4870500" cy="792600"/>
-          </a:xfrm>
-          <a:prstGeom prst="rect">
-            <a:avLst/>
-          </a:prstGeom>
-        </p:spPr>
-        <p:txBody>
-          <a:bodyPr anchorCtr="0" anchor="t" bIns="91425" lIns="91425" spcFirstLastPara="1" rIns="91425" wrap="square" tIns="91425">
-            <a:noAutofit/>
-          </a:bodyPr>
-          <a:lstStyle/>
-          <a:p>
-            <a:pPr indent="0" lvl="0" marL="0" rtl="0" algn="ctr">
-              <a:spcBef>
-                <a:spcPts val="0"/>
-              </a:spcBef>
-              <a:spcAft>
-                <a:spcPts val="0"/>
-              </a:spcAft>
-              <a:buNone/>
-            </a:pPr>
-            <a:r>
-              <a:rPr lang="en"/>
-              <a:t>Rich Web Application Technologies</a:t>
-            </a:r>
-            <a:endParaRPr/>
-          </a:p>
-        </p:txBody>
-      </p:sp>
-      <p:sp>
-        <p:nvSpPr>
-          <p:cNvPr id="133" name="Google Shape;133;p23"/>
-          <p:cNvSpPr txBox="1"/>
-          <p:nvPr/>
-        </p:nvSpPr>
-        <p:spPr>
-          <a:xfrm>
-            <a:off x="6204075" y="4217375"/>
-            <a:ext cx="2524500" cy="527700"/>
-          </a:xfrm>
-          <a:prstGeom prst="rect">
-            <a:avLst/>
-          </a:prstGeom>
-          <a:noFill/>
-          <a:ln>
-            <a:noFill/>
-          </a:ln>
-        </p:spPr>
-        <p:txBody>
-          <a:bodyPr anchorCtr="0" anchor="t" bIns="91425" lIns="91425" spcFirstLastPara="1" rIns="91425" wrap="square" tIns="91425">
-            <a:noAutofit/>
-          </a:bodyPr>
-          <a:lstStyle/>
-          <a:p>
-            <a:pPr indent="0" lvl="0" marL="0" rtl="0" algn="l">
-              <a:lnSpc>
-                <a:spcPct val="115000"/>
-              </a:lnSpc>
-              <a:spcBef>
-                <a:spcPts val="0"/>
-              </a:spcBef>
-              <a:spcAft>
-                <a:spcPts val="0"/>
-              </a:spcAft>
-              <a:buNone/>
-            </a:pPr>
-            <a:r>
-              <a:rPr b="1" lang="en" sz="3200">
-                <a:solidFill>
-                  <a:srgbClr val="AFA186"/>
-                </a:solidFill>
-                <a:latin typeface="PT Sans Narrow"/>
-                <a:ea typeface="PT Sans Narrow"/>
-                <a:cs typeface="PT Sans Narrow"/>
-                <a:sym typeface="PT Sans Narrow"/>
-              </a:rPr>
-              <a:t>Brian Gillespie</a:t>
-            </a:r>
-            <a:endParaRPr b="1" sz="3200">
-              <a:solidFill>
-                <a:srgbClr val="AFA186"/>
-              </a:solidFill>
-              <a:latin typeface="PT Sans Narrow"/>
-              <a:ea typeface="PT Sans Narrow"/>
-              <a:cs typeface="PT Sans Narrow"/>
-              <a:sym typeface="PT Sans Narrow"/>
-            </a:endParaRPr>
-          </a:p>
-          <a:p>
-            <a:pPr indent="0" lvl="0" marL="0" rtl="0" algn="l">
-              <a:spcBef>
-                <a:spcPts val="0"/>
-              </a:spcBef>
-              <a:spcAft>
-                <a:spcPts val="0"/>
-              </a:spcAft>
-              <a:buNone/>
-            </a:pPr>
-            <a:r>
-              <a:t/>
-            </a:r>
-            <a:endParaRPr/>
-          </a:p>
-        </p:txBody>
-      </p:sp>
-    </p:spTree>
-  </p:cSld>
-  <p:clrMapOvr>
-    <a:masterClrMapping/>
-  </p:clrMapOvr>
-</p:sld>
-</file>
-
-<file path=ppt/slides/slide2.xml><?xml version="1.0" encoding="utf-8"?>
-<p:sld xmlns:a="http://schemas.openxmlformats.org/drawingml/2006/main" xmlns:r="http://schemas.openxmlformats.org/officeDocument/2006/relationships" xmlns:mc="http://schemas.openxmlformats.org/markup-compatibility/2006" xmlns:mv="urn:schemas-microsoft-com:mac:vml" xmlns:p="http://schemas.openxmlformats.org/presentationml/2006/main" xmlns:c="http://schemas.openxmlformats.org/drawingml/2006/chart" xmlns:dgm="http://schemas.openxmlformats.org/drawingml/2006/diagram" xmlns:o="urn:schemas-microsoft-com:office:office" xmlns:v="urn:schemas-microsoft-com:vml" xmlns:pvml="urn:schemas-microsoft-com:office:powerpoint" xmlns:com="http://schemas.openxmlformats.org/drawingml/2006/compatibility" xmlns:p14="http://schemas.microsoft.com/office/powerpoint/2010/main" xmlns:p15="http://schemas.microsoft.com/office/powerpoint/2012/main">
-  <p:cSld>
-    <p:spTree>
-      <p:nvGrpSpPr>
-        <p:cNvPr id="72" name="Shape 72"/>
+        <p:cNvPr id="1" name="Shape 72"/>
         <p:cNvGrpSpPr/>
         <p:nvPr/>
       </p:nvGrpSpPr>
@@ -7695,7 +7583,9 @@
       <p:sp>
         <p:nvSpPr>
           <p:cNvPr id="73" name="Google Shape;73;p14"/>
-          <p:cNvSpPr txBox="1"/>
+          <p:cNvSpPr txBox="1">
+            <a:spLocks noGrp="1"/>
+          </p:cNvSpPr>
           <p:nvPr>
             <p:ph type="title"/>
           </p:nvPr>
@@ -7710,12 +7600,12 @@
           </a:prstGeom>
         </p:spPr>
         <p:txBody>
-          <a:bodyPr anchorCtr="0" anchor="t" bIns="91425" lIns="91425" spcFirstLastPara="1" rIns="91425" wrap="square" tIns="91425">
+          <a:bodyPr spcFirstLastPara="1" wrap="square" lIns="91425" tIns="91425" rIns="91425" bIns="91425" anchor="t" anchorCtr="0">
             <a:noAutofit/>
           </a:bodyPr>
           <a:lstStyle/>
           <a:p>
-            <a:pPr indent="0" lvl="0" marL="0" rtl="0" algn="l">
+            <a:pPr marL="0" lvl="0" indent="0" algn="l" rtl="0">
               <a:spcBef>
                 <a:spcPts val="0"/>
               </a:spcBef>
@@ -7735,9 +7625,11 @@
       <p:sp>
         <p:nvSpPr>
           <p:cNvPr id="74" name="Google Shape;74;p14"/>
-          <p:cNvSpPr txBox="1"/>
+          <p:cNvSpPr txBox="1">
+            <a:spLocks noGrp="1"/>
+          </p:cNvSpPr>
           <p:nvPr>
-            <p:ph idx="1" type="body"/>
+            <p:ph type="body" idx="1"/>
           </p:nvPr>
         </p:nvSpPr>
         <p:spPr>
@@ -7750,12 +7642,12 @@
           </a:prstGeom>
         </p:spPr>
         <p:txBody>
-          <a:bodyPr anchorCtr="0" anchor="t" bIns="91425" lIns="91425" spcFirstLastPara="1" rIns="91425" wrap="square" tIns="91425">
+          <a:bodyPr spcFirstLastPara="1" wrap="square" lIns="91425" tIns="91425" rIns="91425" bIns="91425" anchor="t" anchorCtr="0">
             <a:noAutofit/>
           </a:bodyPr>
           <a:lstStyle/>
           <a:p>
-            <a:pPr indent="-342900" lvl="0" marL="457200" rtl="0" algn="l">
+            <a:pPr marL="457200" lvl="0" indent="-342900" algn="l" rtl="0">
               <a:spcBef>
                 <a:spcPts val="0"/>
               </a:spcBef>
@@ -7772,7 +7664,7 @@
             <a:endParaRPr/>
           </a:p>
           <a:p>
-            <a:pPr indent="-342900" lvl="0" marL="457200" rtl="0" algn="l">
+            <a:pPr marL="457200" lvl="0" indent="-342900" algn="l" rtl="0">
               <a:spcBef>
                 <a:spcPts val="0"/>
               </a:spcBef>
@@ -7816,7 +7708,7 @@
             </a:endParaRPr>
           </a:p>
           <a:p>
-            <a:pPr indent="-342900" lvl="0" marL="457200" rtl="0" algn="l">
+            <a:pPr marL="457200" lvl="0" indent="-342900" algn="l" rtl="0">
               <a:spcBef>
                 <a:spcPts val="0"/>
               </a:spcBef>
@@ -7833,7 +7725,7 @@
             <a:endParaRPr/>
           </a:p>
           <a:p>
-            <a:pPr indent="-342900" lvl="0" marL="457200" rtl="0" algn="l">
+            <a:pPr marL="457200" lvl="0" indent="-342900" algn="l" rtl="0">
               <a:spcBef>
                 <a:spcPts val="0"/>
               </a:spcBef>
@@ -7860,11 +7752,11 @@
 </file>
 
 <file path=ppt/slides/slide3.xml><?xml version="1.0" encoding="utf-8"?>
-<p:sld xmlns:a="http://schemas.openxmlformats.org/drawingml/2006/main" xmlns:r="http://schemas.openxmlformats.org/officeDocument/2006/relationships" xmlns:mc="http://schemas.openxmlformats.org/markup-compatibility/2006" xmlns:mv="urn:schemas-microsoft-com:mac:vml" xmlns:p="http://schemas.openxmlformats.org/presentationml/2006/main" xmlns:c="http://schemas.openxmlformats.org/drawingml/2006/chart" xmlns:dgm="http://schemas.openxmlformats.org/drawingml/2006/diagram" xmlns:o="urn:schemas-microsoft-com:office:office" xmlns:v="urn:schemas-microsoft-com:vml" xmlns:pvml="urn:schemas-microsoft-com:office:powerpoint" xmlns:com="http://schemas.openxmlformats.org/drawingml/2006/compatibility" xmlns:p14="http://schemas.microsoft.com/office/powerpoint/2010/main" xmlns:p15="http://schemas.microsoft.com/office/powerpoint/2012/main">
+<p:sld xmlns:a="http://schemas.openxmlformats.org/drawingml/2006/main" xmlns:r="http://schemas.openxmlformats.org/officeDocument/2006/relationships" xmlns:p="http://schemas.openxmlformats.org/presentationml/2006/main">
   <p:cSld>
     <p:spTree>
       <p:nvGrpSpPr>
-        <p:cNvPr id="78" name="Shape 78"/>
+        <p:cNvPr id="1" name="Shape 78"/>
         <p:cNvGrpSpPr/>
         <p:nvPr/>
       </p:nvGrpSpPr>
@@ -7879,7 +7771,9 @@
       <p:sp>
         <p:nvSpPr>
           <p:cNvPr id="79" name="Google Shape;79;p15"/>
-          <p:cNvSpPr txBox="1"/>
+          <p:cNvSpPr txBox="1">
+            <a:spLocks noGrp="1"/>
+          </p:cNvSpPr>
           <p:nvPr>
             <p:ph type="title"/>
           </p:nvPr>
@@ -7894,12 +7788,12 @@
           </a:prstGeom>
         </p:spPr>
         <p:txBody>
-          <a:bodyPr anchorCtr="0" anchor="t" bIns="91425" lIns="91425" spcFirstLastPara="1" rIns="91425" wrap="square" tIns="91425">
+          <a:bodyPr spcFirstLastPara="1" wrap="square" lIns="91425" tIns="91425" rIns="91425" bIns="91425" anchor="t" anchorCtr="0">
             <a:noAutofit/>
           </a:bodyPr>
           <a:lstStyle/>
           <a:p>
-            <a:pPr indent="0" lvl="0" marL="0" rtl="0" algn="l">
+            <a:pPr marL="0" lvl="0" indent="0" algn="l" rtl="0">
               <a:spcBef>
                 <a:spcPts val="0"/>
               </a:spcBef>
@@ -7919,9 +7813,11 @@
       <p:sp>
         <p:nvSpPr>
           <p:cNvPr id="80" name="Google Shape;80;p15"/>
-          <p:cNvSpPr txBox="1"/>
+          <p:cNvSpPr txBox="1">
+            <a:spLocks noGrp="1"/>
+          </p:cNvSpPr>
           <p:nvPr>
-            <p:ph idx="1" type="body"/>
+            <p:ph type="body" idx="1"/>
           </p:nvPr>
         </p:nvSpPr>
         <p:spPr>
@@ -7934,12 +7830,12 @@
           </a:prstGeom>
         </p:spPr>
         <p:txBody>
-          <a:bodyPr anchorCtr="0" anchor="t" bIns="91425" lIns="91425" spcFirstLastPara="1" rIns="91425" wrap="square" tIns="91425">
+          <a:bodyPr spcFirstLastPara="1" wrap="square" lIns="91425" tIns="91425" rIns="91425" bIns="91425" anchor="t" anchorCtr="0">
             <a:noAutofit/>
           </a:bodyPr>
           <a:lstStyle/>
           <a:p>
-            <a:pPr indent="-342900" lvl="0" marL="457200" rtl="0" algn="l">
+            <a:pPr marL="457200" lvl="0" indent="-342900" algn="l" rtl="0">
               <a:spcBef>
                 <a:spcPts val="0"/>
               </a:spcBef>
@@ -7956,7 +7852,7 @@
             <a:endParaRPr/>
           </a:p>
           <a:p>
-            <a:pPr indent="-342900" lvl="0" marL="457200" rtl="0" algn="l">
+            <a:pPr marL="457200" lvl="0" indent="-342900" algn="l" rtl="0">
               <a:spcBef>
                 <a:spcPts val="0"/>
               </a:spcBef>
@@ -7973,7 +7869,7 @@
             <a:endParaRPr/>
           </a:p>
           <a:p>
-            <a:pPr indent="-342900" lvl="0" marL="457200" rtl="0" algn="l">
+            <a:pPr marL="457200" lvl="0" indent="-342900" algn="l" rtl="0">
               <a:spcBef>
                 <a:spcPts val="0"/>
               </a:spcBef>
@@ -7990,7 +7886,7 @@
             <a:endParaRPr/>
           </a:p>
           <a:p>
-            <a:pPr indent="-342900" lvl="0" marL="457200" rtl="0" algn="l">
+            <a:pPr marL="457200" lvl="0" indent="-342900" algn="l" rtl="0">
               <a:spcBef>
                 <a:spcPts val="0"/>
               </a:spcBef>
@@ -8017,11 +7913,11 @@
 </file>
 
 <file path=ppt/slides/slide4.xml><?xml version="1.0" encoding="utf-8"?>
-<p:sld xmlns:a="http://schemas.openxmlformats.org/drawingml/2006/main" xmlns:r="http://schemas.openxmlformats.org/officeDocument/2006/relationships" xmlns:mc="http://schemas.openxmlformats.org/markup-compatibility/2006" xmlns:mv="urn:schemas-microsoft-com:mac:vml" xmlns:p="http://schemas.openxmlformats.org/presentationml/2006/main" xmlns:c="http://schemas.openxmlformats.org/drawingml/2006/chart" xmlns:dgm="http://schemas.openxmlformats.org/drawingml/2006/diagram" xmlns:o="urn:schemas-microsoft-com:office:office" xmlns:v="urn:schemas-microsoft-com:vml" xmlns:pvml="urn:schemas-microsoft-com:office:powerpoint" xmlns:com="http://schemas.openxmlformats.org/drawingml/2006/compatibility" xmlns:p14="http://schemas.microsoft.com/office/powerpoint/2010/main" xmlns:p15="http://schemas.microsoft.com/office/powerpoint/2012/main">
+<p:sld xmlns:a="http://schemas.openxmlformats.org/drawingml/2006/main" xmlns:r="http://schemas.openxmlformats.org/officeDocument/2006/relationships" xmlns:p="http://schemas.openxmlformats.org/presentationml/2006/main">
   <p:cSld>
     <p:spTree>
       <p:nvGrpSpPr>
-        <p:cNvPr id="84" name="Shape 84"/>
+        <p:cNvPr id="1" name="Shape 84"/>
         <p:cNvGrpSpPr/>
         <p:nvPr/>
       </p:nvGrpSpPr>
@@ -8036,7 +7932,9 @@
       <p:sp>
         <p:nvSpPr>
           <p:cNvPr id="85" name="Google Shape;85;p16"/>
-          <p:cNvSpPr txBox="1"/>
+          <p:cNvSpPr txBox="1">
+            <a:spLocks noGrp="1"/>
+          </p:cNvSpPr>
           <p:nvPr>
             <p:ph type="title"/>
           </p:nvPr>
@@ -8051,12 +7949,12 @@
           </a:prstGeom>
         </p:spPr>
         <p:txBody>
-          <a:bodyPr anchorCtr="0" anchor="t" bIns="91425" lIns="91425" spcFirstLastPara="1" rIns="91425" wrap="square" tIns="91425">
+          <a:bodyPr spcFirstLastPara="1" wrap="square" lIns="91425" tIns="91425" rIns="91425" bIns="91425" anchor="t" anchorCtr="0">
             <a:noAutofit/>
           </a:bodyPr>
           <a:lstStyle/>
           <a:p>
-            <a:pPr indent="0" lvl="0" marL="0" rtl="0" algn="l">
+            <a:pPr marL="0" lvl="0" indent="0" algn="l" rtl="0">
               <a:spcBef>
                 <a:spcPts val="0"/>
               </a:spcBef>
@@ -8076,9 +7974,11 @@
       <p:sp>
         <p:nvSpPr>
           <p:cNvPr id="86" name="Google Shape;86;p16"/>
-          <p:cNvSpPr txBox="1"/>
+          <p:cNvSpPr txBox="1">
+            <a:spLocks noGrp="1"/>
+          </p:cNvSpPr>
           <p:nvPr>
-            <p:ph idx="1" type="body"/>
+            <p:ph type="body" idx="1"/>
           </p:nvPr>
         </p:nvSpPr>
         <p:spPr>
@@ -8091,12 +7991,12 @@
           </a:prstGeom>
         </p:spPr>
         <p:txBody>
-          <a:bodyPr anchorCtr="0" anchor="t" bIns="91425" lIns="91425" spcFirstLastPara="1" rIns="91425" wrap="square" tIns="91425">
+          <a:bodyPr spcFirstLastPara="1" wrap="square" lIns="91425" tIns="91425" rIns="91425" bIns="91425" anchor="t" anchorCtr="0">
             <a:noAutofit/>
           </a:bodyPr>
           <a:lstStyle/>
           <a:p>
-            <a:pPr indent="-342900" lvl="0" marL="457200" rtl="0" algn="l">
+            <a:pPr marL="457200" lvl="0" indent="-342900" algn="l" rtl="0">
               <a:spcBef>
                 <a:spcPts val="0"/>
               </a:spcBef>
@@ -8113,7 +8013,7 @@
             <a:endParaRPr/>
           </a:p>
           <a:p>
-            <a:pPr indent="-330200" lvl="1" marL="914400" rtl="0" algn="l">
+            <a:pPr marL="914400" lvl="1" indent="-330200" algn="l" rtl="0">
               <a:spcBef>
                 <a:spcPts val="0"/>
               </a:spcBef>
@@ -8130,7 +8030,7 @@
             <a:endParaRPr sz="1600"/>
           </a:p>
           <a:p>
-            <a:pPr indent="-330200" lvl="1" marL="914400" rtl="0" algn="l">
+            <a:pPr marL="914400" lvl="1" indent="-330200" algn="l" rtl="0">
               <a:spcBef>
                 <a:spcPts val="0"/>
               </a:spcBef>
@@ -8147,7 +8047,7 @@
             <a:endParaRPr sz="1600"/>
           </a:p>
           <a:p>
-            <a:pPr indent="-330200" lvl="1" marL="914400" rtl="0" algn="l">
+            <a:pPr marL="914400" lvl="1" indent="-330200" algn="l" rtl="0">
               <a:spcBef>
                 <a:spcPts val="0"/>
               </a:spcBef>
@@ -8164,7 +8064,7 @@
             <a:endParaRPr sz="1600"/>
           </a:p>
           <a:p>
-            <a:pPr indent="0" lvl="0" marL="0" rtl="0" algn="l">
+            <a:pPr marL="0" lvl="0" indent="0" algn="l" rtl="0">
               <a:spcBef>
                 <a:spcPts val="1600"/>
               </a:spcBef>
@@ -8173,9 +8073,6 @@
               </a:spcAft>
               <a:buNone/>
             </a:pPr>
-            <a:r>
-              <a:t/>
-            </a:r>
             <a:endParaRPr sz="1600"/>
           </a:p>
         </p:txBody>
@@ -8188,7 +8085,7 @@
         </p:nvGraphicFramePr>
         <p:xfrm>
           <a:off x="952500" y="2884325"/>
-          <a:ext cx="3000000" cy="3000000"/>
+          <a:ext cx="7239000" cy="2103090"/>
         </p:xfrm>
         <a:graphic>
           <a:graphicData uri="http://schemas.openxmlformats.org/drawingml/2006/table">
@@ -8198,7 +8095,13 @@
                 <a:tableStyleId>{6E1E95ED-5BD3-4543-9699-7060A336FCC1}</a:tableStyleId>
               </a:tblPr>
               <a:tblGrid>
-                <a:gridCol w="7239000"/>
+                <a:gridCol w="7239000">
+                  <a:extLst>
+                    <a:ext uri="{9D8B030D-6E8A-4147-A177-3AD203B41FA5}">
+                      <a16:colId xmlns:a16="http://schemas.microsoft.com/office/drawing/2014/main" val="20000"/>
+                    </a:ext>
+                  </a:extLst>
+                </a:gridCol>
               </a:tblGrid>
               <a:tr h="381000">
                 <a:tc>
@@ -8206,7 +8109,7 @@
                     <a:bodyPr/>
                     <a:lstStyle/>
                     <a:p>
-                      <a:pPr indent="0" lvl="0" marL="0" rtl="0" algn="l">
+                      <a:pPr marL="0" lvl="0" indent="0" algn="l" rtl="0">
                         <a:spcBef>
                           <a:spcPts val="0"/>
                         </a:spcBef>
@@ -8232,7 +8135,7 @@
                       </a:endParaRPr>
                     </a:p>
                     <a:p>
-                      <a:pPr indent="0" lvl="0" marL="0" rtl="0" algn="l">
+                      <a:pPr marL="0" lvl="0" indent="0" algn="l" rtl="0">
                         <a:spcBef>
                           <a:spcPts val="0"/>
                         </a:spcBef>
@@ -8258,7 +8161,7 @@
                       </a:endParaRPr>
                     </a:p>
                     <a:p>
-                      <a:pPr indent="0" lvl="0" marL="0" rtl="0" algn="l">
+                      <a:pPr marL="0" lvl="0" indent="0" algn="l" rtl="0">
                         <a:spcBef>
                           <a:spcPts val="0"/>
                         </a:spcBef>
@@ -8284,7 +8187,7 @@
                       </a:endParaRPr>
                     </a:p>
                     <a:p>
-                      <a:pPr indent="0" lvl="0" marL="0" rtl="0" algn="l">
+                      <a:pPr marL="0" lvl="0" indent="0" algn="l" rtl="0">
                         <a:spcBef>
                           <a:spcPts val="0"/>
                         </a:spcBef>
@@ -8310,7 +8213,7 @@
                       </a:endParaRPr>
                     </a:p>
                     <a:p>
-                      <a:pPr indent="0" lvl="0" marL="0" rtl="0" algn="l">
+                      <a:pPr marL="0" lvl="0" indent="0" algn="l" rtl="0">
                         <a:spcBef>
                           <a:spcPts val="0"/>
                         </a:spcBef>
@@ -8358,7 +8261,7 @@
                       </a:endParaRPr>
                     </a:p>
                     <a:p>
-                      <a:pPr indent="0" lvl="0" marL="0" rtl="0" algn="l">
+                      <a:pPr marL="0" lvl="0" indent="0" algn="l" rtl="0">
                         <a:spcBef>
                           <a:spcPts val="0"/>
                         </a:spcBef>
@@ -8384,7 +8287,7 @@
                       </a:endParaRPr>
                     </a:p>
                     <a:p>
-                      <a:pPr indent="0" lvl="0" marL="0" rtl="0" algn="l">
+                      <a:pPr marL="0" lvl="0" indent="0" algn="l" rtl="0">
                         <a:spcBef>
                           <a:spcPts val="0"/>
                         </a:spcBef>
@@ -8410,7 +8313,7 @@
                       </a:endParaRPr>
                     </a:p>
                     <a:p>
-                      <a:pPr indent="0" lvl="0" marL="0" rtl="0" algn="l">
+                      <a:pPr marL="0" lvl="0" indent="0" algn="l" rtl="0">
                         <a:spcBef>
                           <a:spcPts val="0"/>
                         </a:spcBef>
@@ -8436,7 +8339,7 @@
                       </a:endParaRPr>
                     </a:p>
                     <a:p>
-                      <a:pPr indent="0" lvl="0" marL="0" rtl="0" algn="l">
+                      <a:pPr marL="0" lvl="0" indent="0" algn="l" rtl="0">
                         <a:spcBef>
                           <a:spcPts val="0"/>
                         </a:spcBef>
@@ -8462,8 +8365,13 @@
                       </a:endParaRPr>
                     </a:p>
                   </a:txBody>
-                  <a:tcPr marT="91425" marB="91425" marR="91425" marL="91425"/>
+                  <a:tcPr marL="91425" marR="91425" marT="91425" marB="91425"/>
                 </a:tc>
+                <a:extLst>
+                  <a:ext uri="{0D108BD9-81ED-4DB2-BD59-A6C34878D82A}">
+                    <a16:rowId xmlns:a16="http://schemas.microsoft.com/office/drawing/2014/main" val="10000"/>
+                  </a:ext>
+                </a:extLst>
               </a:tr>
             </a:tbl>
           </a:graphicData>
@@ -8478,11 +8386,11 @@
 </file>
 
 <file path=ppt/slides/slide5.xml><?xml version="1.0" encoding="utf-8"?>
-<p:sld xmlns:a="http://schemas.openxmlformats.org/drawingml/2006/main" xmlns:r="http://schemas.openxmlformats.org/officeDocument/2006/relationships" xmlns:mc="http://schemas.openxmlformats.org/markup-compatibility/2006" xmlns:mv="urn:schemas-microsoft-com:mac:vml" xmlns:p="http://schemas.openxmlformats.org/presentationml/2006/main" xmlns:c="http://schemas.openxmlformats.org/drawingml/2006/chart" xmlns:dgm="http://schemas.openxmlformats.org/drawingml/2006/diagram" xmlns:o="urn:schemas-microsoft-com:office:office" xmlns:v="urn:schemas-microsoft-com:vml" xmlns:pvml="urn:schemas-microsoft-com:office:powerpoint" xmlns:com="http://schemas.openxmlformats.org/drawingml/2006/compatibility" xmlns:p14="http://schemas.microsoft.com/office/powerpoint/2010/main" xmlns:p15="http://schemas.microsoft.com/office/powerpoint/2012/main">
+<p:sld xmlns:a="http://schemas.openxmlformats.org/drawingml/2006/main" xmlns:r="http://schemas.openxmlformats.org/officeDocument/2006/relationships" xmlns:p="http://schemas.openxmlformats.org/presentationml/2006/main">
   <p:cSld>
     <p:spTree>
       <p:nvGrpSpPr>
-        <p:cNvPr id="91" name="Shape 91"/>
+        <p:cNvPr id="1" name="Shape 91"/>
         <p:cNvGrpSpPr/>
         <p:nvPr/>
       </p:nvGrpSpPr>
@@ -8497,7 +8405,9 @@
       <p:sp>
         <p:nvSpPr>
           <p:cNvPr id="92" name="Google Shape;92;p17"/>
-          <p:cNvSpPr txBox="1"/>
+          <p:cNvSpPr txBox="1">
+            <a:spLocks noGrp="1"/>
+          </p:cNvSpPr>
           <p:nvPr>
             <p:ph type="title"/>
           </p:nvPr>
@@ -8512,12 +8422,12 @@
           </a:prstGeom>
         </p:spPr>
         <p:txBody>
-          <a:bodyPr anchorCtr="0" anchor="t" bIns="91425" lIns="91425" spcFirstLastPara="1" rIns="91425" wrap="square" tIns="91425">
+          <a:bodyPr spcFirstLastPara="1" wrap="square" lIns="91425" tIns="91425" rIns="91425" bIns="91425" anchor="t" anchorCtr="0">
             <a:noAutofit/>
           </a:bodyPr>
           <a:lstStyle/>
           <a:p>
-            <a:pPr indent="0" lvl="0" marL="0" rtl="0" algn="l">
+            <a:pPr marL="0" lvl="0" indent="0" algn="l" rtl="0">
               <a:spcBef>
                 <a:spcPts val="0"/>
               </a:spcBef>
@@ -8537,9 +8447,11 @@
       <p:sp>
         <p:nvSpPr>
           <p:cNvPr id="93" name="Google Shape;93;p17"/>
-          <p:cNvSpPr txBox="1"/>
+          <p:cNvSpPr txBox="1">
+            <a:spLocks noGrp="1"/>
+          </p:cNvSpPr>
           <p:nvPr>
-            <p:ph idx="1" type="body"/>
+            <p:ph type="body" idx="1"/>
           </p:nvPr>
         </p:nvSpPr>
         <p:spPr>
@@ -8552,12 +8464,12 @@
           </a:prstGeom>
         </p:spPr>
         <p:txBody>
-          <a:bodyPr anchorCtr="0" anchor="t" bIns="91425" lIns="91425" spcFirstLastPara="1" rIns="91425" wrap="square" tIns="91425">
+          <a:bodyPr spcFirstLastPara="1" wrap="square" lIns="91425" tIns="91425" rIns="91425" bIns="91425" anchor="t" anchorCtr="0">
             <a:noAutofit/>
           </a:bodyPr>
           <a:lstStyle/>
           <a:p>
-            <a:pPr indent="-342900" lvl="0" marL="457200" rtl="0" algn="l">
+            <a:pPr marL="457200" lvl="0" indent="-342900" algn="l" rtl="0">
               <a:spcBef>
                 <a:spcPts val="0"/>
               </a:spcBef>
@@ -8593,7 +8505,7 @@
         </p:nvGraphicFramePr>
         <p:xfrm>
           <a:off x="884925" y="2194075"/>
-          <a:ext cx="3000000" cy="3000000"/>
+          <a:ext cx="7239000" cy="2218975"/>
         </p:xfrm>
         <a:graphic>
           <a:graphicData uri="http://schemas.openxmlformats.org/drawingml/2006/table">
@@ -8603,7 +8515,13 @@
                 <a:tableStyleId>{6E1E95ED-5BD3-4543-9699-7060A336FCC1}</a:tableStyleId>
               </a:tblPr>
               <a:tblGrid>
-                <a:gridCol w="7239000"/>
+                <a:gridCol w="7239000">
+                  <a:extLst>
+                    <a:ext uri="{9D8B030D-6E8A-4147-A177-3AD203B41FA5}">
+                      <a16:colId xmlns:a16="http://schemas.microsoft.com/office/drawing/2014/main" val="20000"/>
+                    </a:ext>
+                  </a:extLst>
+                </a:gridCol>
               </a:tblGrid>
               <a:tr h="2218975">
                 <a:tc>
@@ -8611,7 +8529,7 @@
                     <a:bodyPr/>
                     <a:lstStyle/>
                     <a:p>
-                      <a:pPr indent="0" lvl="0" marL="0" rtl="0" algn="l">
+                      <a:pPr marL="0" lvl="0" indent="0" algn="l" rtl="0">
                         <a:spcBef>
                           <a:spcPts val="0"/>
                         </a:spcBef>
@@ -8637,7 +8555,7 @@
                       </a:endParaRPr>
                     </a:p>
                     <a:p>
-                      <a:pPr indent="0" lvl="0" marL="0" rtl="0" algn="l">
+                      <a:pPr marL="0" lvl="0" indent="0" algn="l" rtl="0">
                         <a:spcBef>
                           <a:spcPts val="0"/>
                         </a:spcBef>
@@ -8663,7 +8581,7 @@
                       </a:endParaRPr>
                     </a:p>
                     <a:p>
-                      <a:pPr indent="0" lvl="0" marL="0" rtl="0" algn="l">
+                      <a:pPr marL="0" lvl="0" indent="0" algn="l" rtl="0">
                         <a:spcBef>
                           <a:spcPts val="0"/>
                         </a:spcBef>
@@ -8689,7 +8607,7 @@
                       </a:endParaRPr>
                     </a:p>
                     <a:p>
-                      <a:pPr indent="0" lvl="0" marL="0" rtl="0" algn="l">
+                      <a:pPr marL="0" lvl="0" indent="0" algn="l" rtl="0">
                         <a:spcBef>
                           <a:spcPts val="0"/>
                         </a:spcBef>
@@ -8715,7 +8633,7 @@
                       </a:endParaRPr>
                     </a:p>
                     <a:p>
-                      <a:pPr indent="0" lvl="0" marL="0" rtl="0" algn="l">
+                      <a:pPr marL="0" lvl="0" indent="0" algn="l" rtl="0">
                         <a:spcBef>
                           <a:spcPts val="0"/>
                         </a:spcBef>
@@ -8763,7 +8681,7 @@
                       </a:endParaRPr>
                     </a:p>
                     <a:p>
-                      <a:pPr indent="0" lvl="0" marL="0" rtl="0" algn="l">
+                      <a:pPr marL="0" lvl="0" indent="0" algn="l" rtl="0">
                         <a:spcBef>
                           <a:spcPts val="0"/>
                         </a:spcBef>
@@ -8789,7 +8707,7 @@
                       </a:endParaRPr>
                     </a:p>
                     <a:p>
-                      <a:pPr indent="0" lvl="0" marL="0" rtl="0" algn="l">
+                      <a:pPr marL="0" lvl="0" indent="0" algn="l" rtl="0">
                         <a:spcBef>
                           <a:spcPts val="0"/>
                         </a:spcBef>
@@ -8815,7 +8733,7 @@
                       </a:endParaRPr>
                     </a:p>
                     <a:p>
-                      <a:pPr indent="0" lvl="0" marL="0" rtl="0" algn="l">
+                      <a:pPr marL="0" lvl="0" indent="0" algn="l" rtl="0">
                         <a:spcBef>
                           <a:spcPts val="0"/>
                         </a:spcBef>
@@ -8841,7 +8759,7 @@
                       </a:endParaRPr>
                     </a:p>
                     <a:p>
-                      <a:pPr indent="0" lvl="0" marL="0" rtl="0" algn="l">
+                      <a:pPr marL="0" lvl="0" indent="0" algn="l" rtl="0">
                         <a:spcBef>
                           <a:spcPts val="0"/>
                         </a:spcBef>
@@ -8862,8 +8780,13 @@
                       <a:endParaRPr/>
                     </a:p>
                   </a:txBody>
-                  <a:tcPr marT="91425" marB="91425" marR="91425" marL="91425"/>
+                  <a:tcPr marL="91425" marR="91425" marT="91425" marB="91425"/>
                 </a:tc>
+                <a:extLst>
+                  <a:ext uri="{0D108BD9-81ED-4DB2-BD59-A6C34878D82A}">
+                    <a16:rowId xmlns:a16="http://schemas.microsoft.com/office/drawing/2014/main" val="10000"/>
+                  </a:ext>
+                </a:extLst>
               </a:tr>
             </a:tbl>
           </a:graphicData>
@@ -8878,11 +8801,11 @@
 </file>
 
 <file path=ppt/slides/slide6.xml><?xml version="1.0" encoding="utf-8"?>
-<p:sld xmlns:a="http://schemas.openxmlformats.org/drawingml/2006/main" xmlns:r="http://schemas.openxmlformats.org/officeDocument/2006/relationships" xmlns:mc="http://schemas.openxmlformats.org/markup-compatibility/2006" xmlns:mv="urn:schemas-microsoft-com:mac:vml" xmlns:p="http://schemas.openxmlformats.org/presentationml/2006/main" xmlns:c="http://schemas.openxmlformats.org/drawingml/2006/chart" xmlns:dgm="http://schemas.openxmlformats.org/drawingml/2006/diagram" xmlns:o="urn:schemas-microsoft-com:office:office" xmlns:v="urn:schemas-microsoft-com:vml" xmlns:pvml="urn:schemas-microsoft-com:office:powerpoint" xmlns:com="http://schemas.openxmlformats.org/drawingml/2006/compatibility" xmlns:p14="http://schemas.microsoft.com/office/powerpoint/2010/main" xmlns:p15="http://schemas.microsoft.com/office/powerpoint/2012/main">
+<p:sld xmlns:a="http://schemas.openxmlformats.org/drawingml/2006/main" xmlns:r="http://schemas.openxmlformats.org/officeDocument/2006/relationships" xmlns:p="http://schemas.openxmlformats.org/presentationml/2006/main">
   <p:cSld>
     <p:spTree>
       <p:nvGrpSpPr>
-        <p:cNvPr id="98" name="Shape 98"/>
+        <p:cNvPr id="1" name="Shape 98"/>
         <p:cNvGrpSpPr/>
         <p:nvPr/>
       </p:nvGrpSpPr>
@@ -8897,7 +8820,9 @@
       <p:sp>
         <p:nvSpPr>
           <p:cNvPr id="99" name="Google Shape;99;p18"/>
-          <p:cNvSpPr txBox="1"/>
+          <p:cNvSpPr txBox="1">
+            <a:spLocks noGrp="1"/>
+          </p:cNvSpPr>
           <p:nvPr>
             <p:ph type="title"/>
           </p:nvPr>
@@ -8912,12 +8837,12 @@
           </a:prstGeom>
         </p:spPr>
         <p:txBody>
-          <a:bodyPr anchorCtr="0" anchor="t" bIns="91425" lIns="91425" spcFirstLastPara="1" rIns="91425" wrap="square" tIns="91425">
+          <a:bodyPr spcFirstLastPara="1" wrap="square" lIns="91425" tIns="91425" rIns="91425" bIns="91425" anchor="t" anchorCtr="0">
             <a:noAutofit/>
           </a:bodyPr>
           <a:lstStyle/>
           <a:p>
-            <a:pPr indent="0" lvl="0" marL="0" rtl="0" algn="l">
+            <a:pPr marL="0" lvl="0" indent="0" algn="l" rtl="0">
               <a:spcBef>
                 <a:spcPts val="0"/>
               </a:spcBef>
@@ -8937,9 +8862,11 @@
       <p:sp>
         <p:nvSpPr>
           <p:cNvPr id="100" name="Google Shape;100;p18"/>
-          <p:cNvSpPr txBox="1"/>
+          <p:cNvSpPr txBox="1">
+            <a:spLocks noGrp="1"/>
+          </p:cNvSpPr>
           <p:nvPr>
-            <p:ph idx="1" type="body"/>
+            <p:ph type="body" idx="1"/>
           </p:nvPr>
         </p:nvSpPr>
         <p:spPr>
@@ -8952,12 +8879,12 @@
           </a:prstGeom>
         </p:spPr>
         <p:txBody>
-          <a:bodyPr anchorCtr="0" anchor="t" bIns="91425" lIns="91425" spcFirstLastPara="1" rIns="91425" wrap="square" tIns="91425">
+          <a:bodyPr spcFirstLastPara="1" wrap="square" lIns="91425" tIns="91425" rIns="91425" bIns="91425" anchor="t" anchorCtr="0">
             <a:noAutofit/>
           </a:bodyPr>
           <a:lstStyle/>
           <a:p>
-            <a:pPr indent="-342900" lvl="0" marL="457200" rtl="0" algn="l">
+            <a:pPr marL="457200" lvl="0" indent="-342900" algn="l" rtl="0">
               <a:spcBef>
                 <a:spcPts val="0"/>
               </a:spcBef>
@@ -8983,7 +8910,7 @@
             <a:endParaRPr/>
           </a:p>
           <a:p>
-            <a:pPr indent="-342900" lvl="0" marL="457200" rtl="0" algn="l">
+            <a:pPr marL="457200" lvl="0" indent="-342900" algn="l" rtl="0">
               <a:spcBef>
                 <a:spcPts val="0"/>
               </a:spcBef>
@@ -9012,7 +8939,7 @@
             </a:endParaRPr>
           </a:p>
           <a:p>
-            <a:pPr indent="-342900" lvl="0" marL="457200" rtl="0" algn="l">
+            <a:pPr marL="457200" lvl="0" indent="-342900" algn="l" rtl="0">
               <a:spcBef>
                 <a:spcPts val="0"/>
               </a:spcBef>
@@ -9037,7 +8964,7 @@
             </a:endParaRPr>
           </a:p>
           <a:p>
-            <a:pPr indent="-342900" lvl="0" marL="457200" rtl="0" algn="l">
+            <a:pPr marL="457200" lvl="0" indent="-342900" algn="l" rtl="0">
               <a:spcBef>
                 <a:spcPts val="0"/>
               </a:spcBef>
@@ -9058,7 +8985,7 @@
             <a:endParaRPr/>
           </a:p>
           <a:p>
-            <a:pPr indent="-342900" lvl="0" marL="457200" rtl="0" algn="l">
+            <a:pPr marL="457200" lvl="0" indent="-342900" algn="l" rtl="0">
               <a:spcBef>
                 <a:spcPts val="0"/>
               </a:spcBef>
@@ -9075,7 +9002,7 @@
             <a:endParaRPr/>
           </a:p>
           <a:p>
-            <a:pPr indent="-342900" lvl="0" marL="457200" rtl="0" algn="l">
+            <a:pPr marL="457200" lvl="0" indent="-342900" algn="l" rtl="0">
               <a:spcBef>
                 <a:spcPts val="0"/>
               </a:spcBef>
@@ -9102,11 +9029,11 @@
 </file>
 
 <file path=ppt/slides/slide7.xml><?xml version="1.0" encoding="utf-8"?>
-<p:sld xmlns:a="http://schemas.openxmlformats.org/drawingml/2006/main" xmlns:r="http://schemas.openxmlformats.org/officeDocument/2006/relationships" xmlns:mc="http://schemas.openxmlformats.org/markup-compatibility/2006" xmlns:mv="urn:schemas-microsoft-com:mac:vml" xmlns:p="http://schemas.openxmlformats.org/presentationml/2006/main" xmlns:c="http://schemas.openxmlformats.org/drawingml/2006/chart" xmlns:dgm="http://schemas.openxmlformats.org/drawingml/2006/diagram" xmlns:o="urn:schemas-microsoft-com:office:office" xmlns:v="urn:schemas-microsoft-com:vml" xmlns:pvml="urn:schemas-microsoft-com:office:powerpoint" xmlns:com="http://schemas.openxmlformats.org/drawingml/2006/compatibility" xmlns:p14="http://schemas.microsoft.com/office/powerpoint/2010/main" xmlns:p15="http://schemas.microsoft.com/office/powerpoint/2012/main">
+<p:sld xmlns:a="http://schemas.openxmlformats.org/drawingml/2006/main" xmlns:r="http://schemas.openxmlformats.org/officeDocument/2006/relationships" xmlns:p="http://schemas.openxmlformats.org/presentationml/2006/main">
   <p:cSld>
     <p:spTree>
       <p:nvGrpSpPr>
-        <p:cNvPr id="104" name="Shape 104"/>
+        <p:cNvPr id="1" name="Shape 104"/>
         <p:cNvGrpSpPr/>
         <p:nvPr/>
       </p:nvGrpSpPr>
@@ -9121,7 +9048,9 @@
       <p:sp>
         <p:nvSpPr>
           <p:cNvPr id="105" name="Google Shape;105;p19"/>
-          <p:cNvSpPr txBox="1"/>
+          <p:cNvSpPr txBox="1">
+            <a:spLocks noGrp="1"/>
+          </p:cNvSpPr>
           <p:nvPr>
             <p:ph type="title"/>
           </p:nvPr>
@@ -9136,12 +9065,12 @@
           </a:prstGeom>
         </p:spPr>
         <p:txBody>
-          <a:bodyPr anchorCtr="0" anchor="t" bIns="91425" lIns="91425" spcFirstLastPara="1" rIns="91425" wrap="square" tIns="91425">
+          <a:bodyPr spcFirstLastPara="1" wrap="square" lIns="91425" tIns="91425" rIns="91425" bIns="91425" anchor="t" anchorCtr="0">
             <a:noAutofit/>
           </a:bodyPr>
           <a:lstStyle/>
           <a:p>
-            <a:pPr indent="0" lvl="0" marL="0" rtl="0" algn="l">
+            <a:pPr marL="0" lvl="0" indent="0" algn="l" rtl="0">
               <a:spcBef>
                 <a:spcPts val="0"/>
               </a:spcBef>
@@ -9161,9 +9090,11 @@
       <p:sp>
         <p:nvSpPr>
           <p:cNvPr id="106" name="Google Shape;106;p19"/>
-          <p:cNvSpPr txBox="1"/>
+          <p:cNvSpPr txBox="1">
+            <a:spLocks noGrp="1"/>
+          </p:cNvSpPr>
           <p:nvPr>
-            <p:ph idx="1" type="body"/>
+            <p:ph type="body" idx="1"/>
           </p:nvPr>
         </p:nvSpPr>
         <p:spPr>
@@ -9176,12 +9107,12 @@
           </a:prstGeom>
         </p:spPr>
         <p:txBody>
-          <a:bodyPr anchorCtr="0" anchor="t" bIns="91425" lIns="91425" spcFirstLastPara="1" rIns="91425" wrap="square" tIns="91425">
+          <a:bodyPr spcFirstLastPara="1" wrap="square" lIns="91425" tIns="91425" rIns="91425" bIns="91425" anchor="t" anchorCtr="0">
             <a:noAutofit/>
           </a:bodyPr>
           <a:lstStyle/>
           <a:p>
-            <a:pPr indent="-342900" lvl="0" marL="457200" rtl="0" algn="l">
+            <a:pPr marL="457200" lvl="0" indent="-342900" algn="l" rtl="0">
               <a:spcBef>
                 <a:spcPts val="0"/>
               </a:spcBef>
@@ -9211,7 +9142,7 @@
             <a:endParaRPr/>
           </a:p>
           <a:p>
-            <a:pPr indent="0" lvl="0" marL="0" rtl="0" algn="l">
+            <a:pPr marL="0" lvl="0" indent="0" algn="l" rtl="0">
               <a:spcBef>
                 <a:spcPts val="1600"/>
               </a:spcBef>
@@ -9220,9 +9151,6 @@
               </a:spcAft>
               <a:buNone/>
             </a:pPr>
-            <a:r>
-              <a:t/>
-            </a:r>
             <a:endParaRPr/>
           </a:p>
         </p:txBody>
@@ -9235,7 +9163,7 @@
         </p:nvGraphicFramePr>
         <p:xfrm>
           <a:off x="952500" y="1900700"/>
-          <a:ext cx="3000000" cy="3000000"/>
+          <a:ext cx="7239000" cy="2865090"/>
         </p:xfrm>
         <a:graphic>
           <a:graphicData uri="http://schemas.openxmlformats.org/drawingml/2006/table">
@@ -9245,7 +9173,13 @@
                 <a:tableStyleId>{6E1E95ED-5BD3-4543-9699-7060A336FCC1}</a:tableStyleId>
               </a:tblPr>
               <a:tblGrid>
-                <a:gridCol w="7239000"/>
+                <a:gridCol w="7239000">
+                  <a:extLst>
+                    <a:ext uri="{9D8B030D-6E8A-4147-A177-3AD203B41FA5}">
+                      <a16:colId xmlns:a16="http://schemas.microsoft.com/office/drawing/2014/main" val="20000"/>
+                    </a:ext>
+                  </a:extLst>
+                </a:gridCol>
               </a:tblGrid>
               <a:tr h="381000">
                 <a:tc>
@@ -9253,7 +9187,7 @@
                     <a:bodyPr/>
                     <a:lstStyle/>
                     <a:p>
-                      <a:pPr indent="0" lvl="0" marL="0" rtl="0" algn="l">
+                      <a:pPr marL="0" lvl="0" indent="0" algn="l" rtl="0">
                         <a:spcBef>
                           <a:spcPts val="0"/>
                         </a:spcBef>
@@ -9431,7 +9365,7 @@
                       </a:endParaRPr>
                     </a:p>
                     <a:p>
-                      <a:pPr indent="0" lvl="0" marL="0" rtl="0" algn="l">
+                      <a:pPr marL="0" lvl="0" indent="0" algn="l" rtl="0">
                         <a:spcBef>
                           <a:spcPts val="0"/>
                         </a:spcBef>
@@ -9440,9 +9374,6 @@
                         </a:spcAft>
                         <a:buNone/>
                       </a:pPr>
-                      <a:r>
-                        <a:t/>
-                      </a:r>
                       <a:endParaRPr>
                         <a:latin typeface="Consolas"/>
                         <a:ea typeface="Consolas"/>
@@ -9451,7 +9382,7 @@
                       </a:endParaRPr>
                     </a:p>
                     <a:p>
-                      <a:pPr indent="0" lvl="0" marL="0" rtl="0" algn="r">
+                      <a:pPr marL="0" lvl="0" indent="0" algn="r" rtl="0">
                         <a:spcBef>
                           <a:spcPts val="0"/>
                         </a:spcBef>
@@ -9477,8 +9408,13 @@
                       </a:endParaRPr>
                     </a:p>
                   </a:txBody>
-                  <a:tcPr marT="91425" marB="91425" marR="91425" marL="91425"/>
+                  <a:tcPr marL="91425" marR="91425" marT="91425" marB="91425"/>
                 </a:tc>
+                <a:extLst>
+                  <a:ext uri="{0D108BD9-81ED-4DB2-BD59-A6C34878D82A}">
+                    <a16:rowId xmlns:a16="http://schemas.microsoft.com/office/drawing/2014/main" val="10000"/>
+                  </a:ext>
+                </a:extLst>
               </a:tr>
             </a:tbl>
           </a:graphicData>
@@ -9493,11 +9429,11 @@
 </file>
 
 <file path=ppt/slides/slide8.xml><?xml version="1.0" encoding="utf-8"?>
-<p:sld xmlns:a="http://schemas.openxmlformats.org/drawingml/2006/main" xmlns:r="http://schemas.openxmlformats.org/officeDocument/2006/relationships" xmlns:mc="http://schemas.openxmlformats.org/markup-compatibility/2006" xmlns:mv="urn:schemas-microsoft-com:mac:vml" xmlns:p="http://schemas.openxmlformats.org/presentationml/2006/main" xmlns:c="http://schemas.openxmlformats.org/drawingml/2006/chart" xmlns:dgm="http://schemas.openxmlformats.org/drawingml/2006/diagram" xmlns:o="urn:schemas-microsoft-com:office:office" xmlns:v="urn:schemas-microsoft-com:vml" xmlns:pvml="urn:schemas-microsoft-com:office:powerpoint" xmlns:com="http://schemas.openxmlformats.org/drawingml/2006/compatibility" xmlns:p14="http://schemas.microsoft.com/office/powerpoint/2010/main" xmlns:p15="http://schemas.microsoft.com/office/powerpoint/2012/main">
+<p:sld xmlns:a="http://schemas.openxmlformats.org/drawingml/2006/main" xmlns:r="http://schemas.openxmlformats.org/officeDocument/2006/relationships" xmlns:p="http://schemas.openxmlformats.org/presentationml/2006/main">
   <p:cSld>
     <p:spTree>
       <p:nvGrpSpPr>
-        <p:cNvPr id="111" name="Shape 111"/>
+        <p:cNvPr id="1" name="Shape 111"/>
         <p:cNvGrpSpPr/>
         <p:nvPr/>
       </p:nvGrpSpPr>
@@ -9512,7 +9448,9 @@
       <p:sp>
         <p:nvSpPr>
           <p:cNvPr id="112" name="Google Shape;112;p20"/>
-          <p:cNvSpPr txBox="1"/>
+          <p:cNvSpPr txBox="1">
+            <a:spLocks noGrp="1"/>
+          </p:cNvSpPr>
           <p:nvPr>
             <p:ph type="title"/>
           </p:nvPr>
@@ -9527,12 +9465,12 @@
           </a:prstGeom>
         </p:spPr>
         <p:txBody>
-          <a:bodyPr anchorCtr="0" anchor="t" bIns="91425" lIns="91425" spcFirstLastPara="1" rIns="91425" wrap="square" tIns="91425">
+          <a:bodyPr spcFirstLastPara="1" wrap="square" lIns="91425" tIns="91425" rIns="91425" bIns="91425" anchor="t" anchorCtr="0">
             <a:noAutofit/>
           </a:bodyPr>
           <a:lstStyle/>
           <a:p>
-            <a:pPr indent="0" lvl="0" marL="0" rtl="0" algn="l">
+            <a:pPr marL="0" lvl="0" indent="0" algn="l" rtl="0">
               <a:spcBef>
                 <a:spcPts val="0"/>
               </a:spcBef>
@@ -9552,9 +9490,11 @@
       <p:sp>
         <p:nvSpPr>
           <p:cNvPr id="113" name="Google Shape;113;p20"/>
-          <p:cNvSpPr txBox="1"/>
+          <p:cNvSpPr txBox="1">
+            <a:spLocks noGrp="1"/>
+          </p:cNvSpPr>
           <p:nvPr>
-            <p:ph idx="1" type="body"/>
+            <p:ph type="body" idx="1"/>
           </p:nvPr>
         </p:nvSpPr>
         <p:spPr>
@@ -9567,12 +9507,12 @@
           </a:prstGeom>
         </p:spPr>
         <p:txBody>
-          <a:bodyPr anchorCtr="0" anchor="t" bIns="91425" lIns="91425" spcFirstLastPara="1" rIns="91425" wrap="square" tIns="91425">
+          <a:bodyPr spcFirstLastPara="1" wrap="square" lIns="91425" tIns="91425" rIns="91425" bIns="91425" anchor="t" anchorCtr="0">
             <a:noAutofit/>
           </a:bodyPr>
           <a:lstStyle/>
           <a:p>
-            <a:pPr indent="-342900" lvl="0" marL="457200" rtl="0" algn="l">
+            <a:pPr marL="457200" lvl="0" indent="-342900" algn="l" rtl="0">
               <a:spcBef>
                 <a:spcPts val="0"/>
               </a:spcBef>
@@ -9602,7 +9542,7 @@
             <a:endParaRPr/>
           </a:p>
           <a:p>
-            <a:pPr indent="0" lvl="0" marL="0" rtl="0" algn="l">
+            <a:pPr marL="0" lvl="0" indent="0" algn="l" rtl="0">
               <a:spcBef>
                 <a:spcPts val="1600"/>
               </a:spcBef>
@@ -9611,13 +9551,10 @@
               </a:spcAft>
               <a:buNone/>
             </a:pPr>
-            <a:r>
-              <a:t/>
-            </a:r>
             <a:endParaRPr/>
           </a:p>
           <a:p>
-            <a:pPr indent="0" lvl="0" marL="0" rtl="0" algn="l">
+            <a:pPr marL="0" lvl="0" indent="0" algn="l" rtl="0">
               <a:spcBef>
                 <a:spcPts val="1600"/>
               </a:spcBef>
@@ -9626,13 +9563,10 @@
               </a:spcAft>
               <a:buNone/>
             </a:pPr>
-            <a:r>
-              <a:t/>
-            </a:r>
             <a:endParaRPr/>
           </a:p>
           <a:p>
-            <a:pPr indent="0" lvl="0" marL="0" rtl="0" algn="l">
+            <a:pPr marL="0" lvl="0" indent="0" algn="l" rtl="0">
               <a:spcBef>
                 <a:spcPts val="1600"/>
               </a:spcBef>
@@ -9641,13 +9575,10 @@
               </a:spcAft>
               <a:buNone/>
             </a:pPr>
-            <a:r>
-              <a:t/>
-            </a:r>
             <a:endParaRPr/>
           </a:p>
           <a:p>
-            <a:pPr indent="0" lvl="0" marL="0" rtl="0" algn="l">
+            <a:pPr marL="0" lvl="0" indent="0" algn="l" rtl="0">
               <a:spcBef>
                 <a:spcPts val="1600"/>
               </a:spcBef>
@@ -9656,13 +9587,10 @@
               </a:spcAft>
               <a:buNone/>
             </a:pPr>
-            <a:r>
-              <a:t/>
-            </a:r>
             <a:endParaRPr/>
           </a:p>
           <a:p>
-            <a:pPr indent="-342900" lvl="0" marL="457200" rtl="0" algn="l">
+            <a:pPr marL="457200" lvl="0" indent="-342900" algn="l" rtl="0">
               <a:spcBef>
                 <a:spcPts val="1600"/>
               </a:spcBef>
@@ -9697,7 +9625,7 @@
         </p:nvGraphicFramePr>
         <p:xfrm>
           <a:off x="899950" y="1956450"/>
-          <a:ext cx="3000000" cy="3000000"/>
+          <a:ext cx="7239000" cy="1798290"/>
         </p:xfrm>
         <a:graphic>
           <a:graphicData uri="http://schemas.openxmlformats.org/drawingml/2006/table">
@@ -9707,7 +9635,13 @@
                 <a:tableStyleId>{6E1E95ED-5BD3-4543-9699-7060A336FCC1}</a:tableStyleId>
               </a:tblPr>
               <a:tblGrid>
-                <a:gridCol w="7239000"/>
+                <a:gridCol w="7239000">
+                  <a:extLst>
+                    <a:ext uri="{9D8B030D-6E8A-4147-A177-3AD203B41FA5}">
+                      <a16:colId xmlns:a16="http://schemas.microsoft.com/office/drawing/2014/main" val="20000"/>
+                    </a:ext>
+                  </a:extLst>
+                </a:gridCol>
               </a:tblGrid>
               <a:tr h="381000">
                 <a:tc>
@@ -9715,7 +9649,7 @@
                     <a:bodyPr/>
                     <a:lstStyle/>
                     <a:p>
-                      <a:pPr indent="0" lvl="0" marL="0" rtl="0" algn="l">
+                      <a:pPr marL="0" lvl="0" indent="0" algn="l" rtl="0">
                         <a:spcBef>
                           <a:spcPts val="0"/>
                         </a:spcBef>
@@ -9809,7 +9743,7 @@
                       </a:endParaRPr>
                     </a:p>
                     <a:p>
-                      <a:pPr indent="0" lvl="0" marL="0" rtl="0" algn="l">
+                      <a:pPr marL="0" lvl="0" indent="0" algn="l" rtl="0">
                         <a:spcBef>
                           <a:spcPts val="0"/>
                         </a:spcBef>
@@ -9835,7 +9769,7 @@
                       </a:endParaRPr>
                     </a:p>
                     <a:p>
-                      <a:pPr indent="0" lvl="0" marL="0" rtl="0" algn="l">
+                      <a:pPr marL="0" lvl="0" indent="0" algn="l" rtl="0">
                         <a:spcBef>
                           <a:spcPts val="0"/>
                         </a:spcBef>
@@ -9844,9 +9778,6 @@
                         </a:spcAft>
                         <a:buNone/>
                       </a:pPr>
-                      <a:r>
-                        <a:t/>
-                      </a:r>
                       <a:endParaRPr>
                         <a:latin typeface="Consolas"/>
                         <a:ea typeface="Consolas"/>
@@ -9855,7 +9786,7 @@
                       </a:endParaRPr>
                     </a:p>
                     <a:p>
-                      <a:pPr indent="0" lvl="0" marL="0" rtl="0" algn="r">
+                      <a:pPr marL="0" lvl="0" indent="0" algn="r" rtl="0">
                         <a:spcBef>
                           <a:spcPts val="0"/>
                         </a:spcBef>
@@ -9881,8 +9812,13 @@
                       </a:endParaRPr>
                     </a:p>
                   </a:txBody>
-                  <a:tcPr marT="91425" marB="91425" marR="91425" marL="91425"/>
+                  <a:tcPr marL="91425" marR="91425" marT="91425" marB="91425"/>
                 </a:tc>
+                <a:extLst>
+                  <a:ext uri="{0D108BD9-81ED-4DB2-BD59-A6C34878D82A}">
+                    <a16:rowId xmlns:a16="http://schemas.microsoft.com/office/drawing/2014/main" val="10000"/>
+                  </a:ext>
+                </a:extLst>
               </a:tr>
             </a:tbl>
           </a:graphicData>
@@ -9897,11 +9833,11 @@
 </file>
 
 <file path=ppt/slides/slide9.xml><?xml version="1.0" encoding="utf-8"?>
-<p:sld xmlns:a="http://schemas.openxmlformats.org/drawingml/2006/main" xmlns:r="http://schemas.openxmlformats.org/officeDocument/2006/relationships" xmlns:mc="http://schemas.openxmlformats.org/markup-compatibility/2006" xmlns:mv="urn:schemas-microsoft-com:mac:vml" xmlns:p="http://schemas.openxmlformats.org/presentationml/2006/main" xmlns:c="http://schemas.openxmlformats.org/drawingml/2006/chart" xmlns:dgm="http://schemas.openxmlformats.org/drawingml/2006/diagram" xmlns:o="urn:schemas-microsoft-com:office:office" xmlns:v="urn:schemas-microsoft-com:vml" xmlns:pvml="urn:schemas-microsoft-com:office:powerpoint" xmlns:com="http://schemas.openxmlformats.org/drawingml/2006/compatibility" xmlns:p14="http://schemas.microsoft.com/office/powerpoint/2010/main" xmlns:p15="http://schemas.microsoft.com/office/powerpoint/2012/main">
+<p:sld xmlns:a="http://schemas.openxmlformats.org/drawingml/2006/main" xmlns:r="http://schemas.openxmlformats.org/officeDocument/2006/relationships" xmlns:p="http://schemas.openxmlformats.org/presentationml/2006/main">
   <p:cSld>
     <p:spTree>
       <p:nvGrpSpPr>
-        <p:cNvPr id="118" name="Shape 118"/>
+        <p:cNvPr id="1" name="Shape 118"/>
         <p:cNvGrpSpPr/>
         <p:nvPr/>
       </p:nvGrpSpPr>
@@ -9916,7 +9852,9 @@
       <p:sp>
         <p:nvSpPr>
           <p:cNvPr id="119" name="Google Shape;119;p21"/>
-          <p:cNvSpPr txBox="1"/>
+          <p:cNvSpPr txBox="1">
+            <a:spLocks noGrp="1"/>
+          </p:cNvSpPr>
           <p:nvPr>
             <p:ph type="title"/>
           </p:nvPr>
@@ -9931,12 +9869,12 @@
           </a:prstGeom>
         </p:spPr>
         <p:txBody>
-          <a:bodyPr anchorCtr="0" anchor="t" bIns="91425" lIns="91425" spcFirstLastPara="1" rIns="91425" wrap="square" tIns="91425">
+          <a:bodyPr spcFirstLastPara="1" wrap="square" lIns="91425" tIns="91425" rIns="91425" bIns="91425" anchor="t" anchorCtr="0">
             <a:noAutofit/>
           </a:bodyPr>
           <a:lstStyle/>
           <a:p>
-            <a:pPr indent="0" lvl="0" marL="0" rtl="0" algn="l">
+            <a:pPr marL="0" lvl="0" indent="0" algn="l" rtl="0">
               <a:spcBef>
                 <a:spcPts val="0"/>
               </a:spcBef>
@@ -9956,9 +9894,11 @@
       <p:sp>
         <p:nvSpPr>
           <p:cNvPr id="120" name="Google Shape;120;p21"/>
-          <p:cNvSpPr txBox="1"/>
+          <p:cNvSpPr txBox="1">
+            <a:spLocks noGrp="1"/>
+          </p:cNvSpPr>
           <p:nvPr>
-            <p:ph idx="1" type="body"/>
+            <p:ph type="body" idx="1"/>
           </p:nvPr>
         </p:nvSpPr>
         <p:spPr>
@@ -9971,12 +9911,12 @@
           </a:prstGeom>
         </p:spPr>
         <p:txBody>
-          <a:bodyPr anchorCtr="0" anchor="t" bIns="91425" lIns="91425" spcFirstLastPara="1" rIns="91425" wrap="square" tIns="91425">
+          <a:bodyPr spcFirstLastPara="1" wrap="square" lIns="91425" tIns="91425" rIns="91425" bIns="91425" anchor="t" anchorCtr="0">
             <a:noAutofit/>
           </a:bodyPr>
           <a:lstStyle/>
           <a:p>
-            <a:pPr indent="-342900" lvl="0" marL="457200" rtl="0" algn="l">
+            <a:pPr marL="457200" lvl="0" indent="-342900" algn="l" rtl="0">
               <a:spcBef>
                 <a:spcPts val="0"/>
               </a:spcBef>
@@ -9993,7 +9933,7 @@
             <a:endParaRPr/>
           </a:p>
           <a:p>
-            <a:pPr indent="-342900" lvl="0" marL="457200" rtl="0" algn="l">
+            <a:pPr marL="457200" lvl="0" indent="-342900" algn="l" rtl="0">
               <a:spcBef>
                 <a:spcPts val="0"/>
               </a:spcBef>
@@ -10010,7 +9950,7 @@
             <a:endParaRPr/>
           </a:p>
           <a:p>
-            <a:pPr indent="-342900" lvl="0" marL="457200" rtl="0" algn="l">
+            <a:pPr marL="457200" lvl="0" indent="-342900" algn="l" rtl="0">
               <a:spcBef>
                 <a:spcPts val="0"/>
               </a:spcBef>
@@ -10027,7 +9967,7 @@
             <a:endParaRPr/>
           </a:p>
           <a:p>
-            <a:pPr indent="-342900" lvl="0" marL="457200" rtl="0" algn="l">
+            <a:pPr marL="457200" lvl="0" indent="-342900" algn="l" rtl="0">
               <a:spcBef>
                 <a:spcPts val="0"/>
               </a:spcBef>
@@ -10054,7 +9994,288 @@
 </file>
 
 <file path=ppt/theme/theme1.xml><?xml version="1.0" encoding="utf-8"?>
-<a:theme xmlns:a="http://schemas.openxmlformats.org/drawingml/2006/main" xmlns:r="http://schemas.openxmlformats.org/officeDocument/2006/relationships">
+<a:theme xmlns:a="http://schemas.openxmlformats.org/drawingml/2006/main" name="Tropic">
+  <a:themeElements>
+    <a:clrScheme name="Tropic">
+      <a:dk1>
+        <a:srgbClr val="A1E8D9"/>
+      </a:dk1>
+      <a:lt1>
+        <a:srgbClr val="FFFFFF"/>
+      </a:lt1>
+      <a:dk2>
+        <a:srgbClr val="695D46"/>
+      </a:dk2>
+      <a:lt2>
+        <a:srgbClr val="B3A77D"/>
+      </a:lt2>
+      <a:accent1>
+        <a:srgbClr val="EF6C00"/>
+      </a:accent1>
+      <a:accent2>
+        <a:srgbClr val="009668"/>
+      </a:accent2>
+      <a:accent3>
+        <a:srgbClr val="4DB6AC"/>
+      </a:accent3>
+      <a:accent4>
+        <a:srgbClr val="FF9800"/>
+      </a:accent4>
+      <a:accent5>
+        <a:srgbClr val="CE93D8"/>
+      </a:accent5>
+      <a:accent6>
+        <a:srgbClr val="EEFF41"/>
+      </a:accent6>
+      <a:hlink>
+        <a:srgbClr val="CE93D8"/>
+      </a:hlink>
+      <a:folHlink>
+        <a:srgbClr val="CE93D8"/>
+      </a:folHlink>
+    </a:clrScheme>
+    <a:fontScheme name="Office">
+      <a:majorFont>
+        <a:latin typeface="Arial"/>
+        <a:ea typeface=""/>
+        <a:cs typeface=""/>
+        <a:font script="Jpan" typeface="ＭＳ Ｐゴシック"/>
+        <a:font script="Hang" typeface="맑은 고딕"/>
+        <a:font script="Hans" typeface="宋体"/>
+        <a:font script="Hant" typeface="新細明體"/>
+        <a:font script="Arab" typeface="Times New Roman"/>
+        <a:font script="Hebr" typeface="Times New Roman"/>
+        <a:font script="Thai" typeface="Angsana New"/>
+        <a:font script="Ethi" typeface="Nyala"/>
+        <a:font script="Beng" typeface="Vrinda"/>
+        <a:font script="Gujr" typeface="Shruti"/>
+        <a:font script="Khmr" typeface="MoolBoran"/>
+        <a:font script="Knda" typeface="Tunga"/>
+        <a:font script="Guru" typeface="Raavi"/>
+        <a:font script="Cans" typeface="Euphemia"/>
+        <a:font script="Cher" typeface="Plantagenet Cherokee"/>
+        <a:font script="Yiii" typeface="Microsoft Yi Baiti"/>
+        <a:font script="Tibt" typeface="Microsoft Himalaya"/>
+        <a:font script="Thaa" typeface="MV Boli"/>
+        <a:font script="Deva" typeface="Mangal"/>
+        <a:font script="Telu" typeface="Gautami"/>
+        <a:font script="Taml" typeface="Latha"/>
+        <a:font script="Syrc" typeface="Estrangelo Edessa"/>
+        <a:font script="Orya" typeface="Kalinga"/>
+        <a:font script="Mlym" typeface="Kartika"/>
+        <a:font script="Laoo" typeface="DokChampa"/>
+        <a:font script="Sinh" typeface="Iskoola Pota"/>
+        <a:font script="Mong" typeface="Mongolian Baiti"/>
+        <a:font script="Viet" typeface="Times New Roman"/>
+        <a:font script="Uigh" typeface="Microsoft Uighur"/>
+        <a:font script="Geor" typeface="Sylfaen"/>
+      </a:majorFont>
+      <a:minorFont>
+        <a:latin typeface="Arial"/>
+        <a:ea typeface=""/>
+        <a:cs typeface=""/>
+        <a:font script="Jpan" typeface="ＭＳ Ｐゴシック"/>
+        <a:font script="Hang" typeface="맑은 고딕"/>
+        <a:font script="Hans" typeface="宋体"/>
+        <a:font script="Hant" typeface="新細明體"/>
+        <a:font script="Arab" typeface="Arial"/>
+        <a:font script="Hebr" typeface="Arial"/>
+        <a:font script="Thai" typeface="Cordia New"/>
+        <a:font script="Ethi" typeface="Nyala"/>
+        <a:font script="Beng" typeface="Vrinda"/>
+        <a:font script="Gujr" typeface="Shruti"/>
+        <a:font script="Khmr" typeface="DaunPenh"/>
+        <a:font script="Knda" typeface="Tunga"/>
+        <a:font script="Guru" typeface="Raavi"/>
+        <a:font script="Cans" typeface="Euphemia"/>
+        <a:font script="Cher" typeface="Plantagenet Cherokee"/>
+        <a:font script="Yiii" typeface="Microsoft Yi Baiti"/>
+        <a:font script="Tibt" typeface="Microsoft Himalaya"/>
+        <a:font script="Thaa" typeface="MV Boli"/>
+        <a:font script="Deva" typeface="Mangal"/>
+        <a:font script="Telu" typeface="Gautami"/>
+        <a:font script="Taml" typeface="Latha"/>
+        <a:font script="Syrc" typeface="Estrangelo Edessa"/>
+        <a:font script="Orya" typeface="Kalinga"/>
+        <a:font script="Mlym" typeface="Kartika"/>
+        <a:font script="Laoo" typeface="DokChampa"/>
+        <a:font script="Sinh" typeface="Iskoola Pota"/>
+        <a:font script="Mong" typeface="Mongolian Baiti"/>
+        <a:font script="Viet" typeface="Arial"/>
+        <a:font script="Uigh" typeface="Microsoft Uighur"/>
+        <a:font script="Geor" typeface="Sylfaen"/>
+      </a:minorFont>
+    </a:fontScheme>
+    <a:fmtScheme name="Office">
+      <a:fillStyleLst>
+        <a:solidFill>
+          <a:schemeClr val="phClr"/>
+        </a:solidFill>
+        <a:gradFill rotWithShape="1">
+          <a:gsLst>
+            <a:gs pos="0">
+              <a:schemeClr val="phClr">
+                <a:tint val="50000"/>
+                <a:satMod val="300000"/>
+              </a:schemeClr>
+            </a:gs>
+            <a:gs pos="35000">
+              <a:schemeClr val="phClr">
+                <a:tint val="37000"/>
+                <a:satMod val="300000"/>
+              </a:schemeClr>
+            </a:gs>
+            <a:gs pos="100000">
+              <a:schemeClr val="phClr">
+                <a:tint val="15000"/>
+                <a:satMod val="350000"/>
+              </a:schemeClr>
+            </a:gs>
+          </a:gsLst>
+          <a:lin ang="16200000" scaled="1"/>
+        </a:gradFill>
+        <a:gradFill rotWithShape="1">
+          <a:gsLst>
+            <a:gs pos="0">
+              <a:schemeClr val="phClr">
+                <a:tint val="100000"/>
+                <a:shade val="100000"/>
+                <a:satMod val="130000"/>
+              </a:schemeClr>
+            </a:gs>
+            <a:gs pos="100000">
+              <a:schemeClr val="phClr">
+                <a:tint val="50000"/>
+                <a:shade val="100000"/>
+                <a:satMod val="350000"/>
+              </a:schemeClr>
+            </a:gs>
+          </a:gsLst>
+          <a:lin ang="16200000" scaled="0"/>
+        </a:gradFill>
+      </a:fillStyleLst>
+      <a:lnStyleLst>
+        <a:ln w="9525" cap="flat" cmpd="sng" algn="ctr">
+          <a:solidFill>
+            <a:schemeClr val="phClr">
+              <a:shade val="95000"/>
+              <a:satMod val="105000"/>
+            </a:schemeClr>
+          </a:solidFill>
+          <a:prstDash val="solid"/>
+        </a:ln>
+        <a:ln w="25400" cap="flat" cmpd="sng" algn="ctr">
+          <a:solidFill>
+            <a:schemeClr val="phClr"/>
+          </a:solidFill>
+          <a:prstDash val="solid"/>
+        </a:ln>
+        <a:ln w="38100" cap="flat" cmpd="sng" algn="ctr">
+          <a:solidFill>
+            <a:schemeClr val="phClr"/>
+          </a:solidFill>
+          <a:prstDash val="solid"/>
+        </a:ln>
+      </a:lnStyleLst>
+      <a:effectStyleLst>
+        <a:effectStyle>
+          <a:effectLst>
+            <a:outerShdw blurRad="40000" dist="20000" dir="5400000" rotWithShape="0">
+              <a:srgbClr val="000000">
+                <a:alpha val="38000"/>
+              </a:srgbClr>
+            </a:outerShdw>
+          </a:effectLst>
+        </a:effectStyle>
+        <a:effectStyle>
+          <a:effectLst>
+            <a:outerShdw blurRad="40000" dist="23000" dir="5400000" rotWithShape="0">
+              <a:srgbClr val="000000">
+                <a:alpha val="35000"/>
+              </a:srgbClr>
+            </a:outerShdw>
+          </a:effectLst>
+        </a:effectStyle>
+        <a:effectStyle>
+          <a:effectLst>
+            <a:outerShdw blurRad="40000" dist="23000" dir="5400000" rotWithShape="0">
+              <a:srgbClr val="000000">
+                <a:alpha val="35000"/>
+              </a:srgbClr>
+            </a:outerShdw>
+          </a:effectLst>
+          <a:scene3d>
+            <a:camera prst="orthographicFront">
+              <a:rot lat="0" lon="0" rev="0"/>
+            </a:camera>
+            <a:lightRig rig="threePt" dir="t">
+              <a:rot lat="0" lon="0" rev="1200000"/>
+            </a:lightRig>
+          </a:scene3d>
+          <a:sp3d>
+            <a:bevelT w="63500" h="25400"/>
+          </a:sp3d>
+        </a:effectStyle>
+      </a:effectStyleLst>
+      <a:bgFillStyleLst>
+        <a:solidFill>
+          <a:schemeClr val="phClr"/>
+        </a:solidFill>
+        <a:gradFill rotWithShape="1">
+          <a:gsLst>
+            <a:gs pos="0">
+              <a:schemeClr val="phClr">
+                <a:tint val="40000"/>
+                <a:satMod val="350000"/>
+              </a:schemeClr>
+            </a:gs>
+            <a:gs pos="40000">
+              <a:schemeClr val="phClr">
+                <a:tint val="45000"/>
+                <a:shade val="99000"/>
+                <a:satMod val="350000"/>
+              </a:schemeClr>
+            </a:gs>
+            <a:gs pos="100000">
+              <a:schemeClr val="phClr">
+                <a:shade val="20000"/>
+                <a:satMod val="255000"/>
+              </a:schemeClr>
+            </a:gs>
+          </a:gsLst>
+          <a:path path="circle">
+            <a:fillToRect l="50000" t="-80000" r="50000" b="180000"/>
+          </a:path>
+        </a:gradFill>
+        <a:gradFill rotWithShape="1">
+          <a:gsLst>
+            <a:gs pos="0">
+              <a:schemeClr val="phClr">
+                <a:tint val="80000"/>
+                <a:satMod val="300000"/>
+              </a:schemeClr>
+            </a:gs>
+            <a:gs pos="100000">
+              <a:schemeClr val="phClr">
+                <a:shade val="30000"/>
+                <a:satMod val="200000"/>
+              </a:schemeClr>
+            </a:gs>
+          </a:gsLst>
+          <a:path path="circle">
+            <a:fillToRect l="50000" t="50000" r="50000" b="50000"/>
+          </a:path>
+        </a:gradFill>
+      </a:bgFillStyleLst>
+    </a:fmtScheme>
+  </a:themeElements>
+  <a:objectDefaults/>
+  <a:extraClrSchemeLst/>
+</a:theme>
+</file>
+
+<file path=ppt/theme/theme2.xml><?xml version="1.0" encoding="utf-8"?>
+<a:theme xmlns:a="http://schemas.openxmlformats.org/drawingml/2006/main">
   <a:themeElements>
     <a:clrScheme name="Default">
       <a:dk1>
@@ -10329,284 +10550,7 @@
       </a:bgFillStyleLst>
     </a:fmtScheme>
   </a:themeElements>
-</a:theme>
-</file>
-
-<file path=ppt/theme/theme2.xml><?xml version="1.0" encoding="utf-8"?>
-<a:theme xmlns:a="http://schemas.openxmlformats.org/drawingml/2006/main" xmlns:r="http://schemas.openxmlformats.org/officeDocument/2006/relationships" name="Tropic">
-  <a:themeElements>
-    <a:clrScheme name="Tropic">
-      <a:dk1>
-        <a:srgbClr val="A1E8D9"/>
-      </a:dk1>
-      <a:lt1>
-        <a:srgbClr val="FFFFFF"/>
-      </a:lt1>
-      <a:dk2>
-        <a:srgbClr val="695D46"/>
-      </a:dk2>
-      <a:lt2>
-        <a:srgbClr val="B3A77D"/>
-      </a:lt2>
-      <a:accent1>
-        <a:srgbClr val="EF6C00"/>
-      </a:accent1>
-      <a:accent2>
-        <a:srgbClr val="009668"/>
-      </a:accent2>
-      <a:accent3>
-        <a:srgbClr val="4DB6AC"/>
-      </a:accent3>
-      <a:accent4>
-        <a:srgbClr val="FF9800"/>
-      </a:accent4>
-      <a:accent5>
-        <a:srgbClr val="CE93D8"/>
-      </a:accent5>
-      <a:accent6>
-        <a:srgbClr val="EEFF41"/>
-      </a:accent6>
-      <a:hlink>
-        <a:srgbClr val="CE93D8"/>
-      </a:hlink>
-      <a:folHlink>
-        <a:srgbClr val="CE93D8"/>
-      </a:folHlink>
-    </a:clrScheme>
-    <a:fontScheme name="Office">
-      <a:majorFont>
-        <a:latin typeface="Arial"/>
-        <a:ea typeface=""/>
-        <a:cs typeface=""/>
-        <a:font script="Jpan" typeface="ＭＳ Ｐゴシック"/>
-        <a:font script="Hang" typeface="맑은 고딕"/>
-        <a:font script="Hans" typeface="宋体"/>
-        <a:font script="Hant" typeface="新細明體"/>
-        <a:font script="Arab" typeface="Times New Roman"/>
-        <a:font script="Hebr" typeface="Times New Roman"/>
-        <a:font script="Thai" typeface="Angsana New"/>
-        <a:font script="Ethi" typeface="Nyala"/>
-        <a:font script="Beng" typeface="Vrinda"/>
-        <a:font script="Gujr" typeface="Shruti"/>
-        <a:font script="Khmr" typeface="MoolBoran"/>
-        <a:font script="Knda" typeface="Tunga"/>
-        <a:font script="Guru" typeface="Raavi"/>
-        <a:font script="Cans" typeface="Euphemia"/>
-        <a:font script="Cher" typeface="Plantagenet Cherokee"/>
-        <a:font script="Yiii" typeface="Microsoft Yi Baiti"/>
-        <a:font script="Tibt" typeface="Microsoft Himalaya"/>
-        <a:font script="Thaa" typeface="MV Boli"/>
-        <a:font script="Deva" typeface="Mangal"/>
-        <a:font script="Telu" typeface="Gautami"/>
-        <a:font script="Taml" typeface="Latha"/>
-        <a:font script="Syrc" typeface="Estrangelo Edessa"/>
-        <a:font script="Orya" typeface="Kalinga"/>
-        <a:font script="Mlym" typeface="Kartika"/>
-        <a:font script="Laoo" typeface="DokChampa"/>
-        <a:font script="Sinh" typeface="Iskoola Pota"/>
-        <a:font script="Mong" typeface="Mongolian Baiti"/>
-        <a:font script="Viet" typeface="Times New Roman"/>
-        <a:font script="Uigh" typeface="Microsoft Uighur"/>
-        <a:font script="Geor" typeface="Sylfaen"/>
-      </a:majorFont>
-      <a:minorFont>
-        <a:latin typeface="Arial"/>
-        <a:ea typeface=""/>
-        <a:cs typeface=""/>
-        <a:font script="Jpan" typeface="ＭＳ Ｐゴシック"/>
-        <a:font script="Hang" typeface="맑은 고딕"/>
-        <a:font script="Hans" typeface="宋体"/>
-        <a:font script="Hant" typeface="新細明體"/>
-        <a:font script="Arab" typeface="Arial"/>
-        <a:font script="Hebr" typeface="Arial"/>
-        <a:font script="Thai" typeface="Cordia New"/>
-        <a:font script="Ethi" typeface="Nyala"/>
-        <a:font script="Beng" typeface="Vrinda"/>
-        <a:font script="Gujr" typeface="Shruti"/>
-        <a:font script="Khmr" typeface="DaunPenh"/>
-        <a:font script="Knda" typeface="Tunga"/>
-        <a:font script="Guru" typeface="Raavi"/>
-        <a:font script="Cans" typeface="Euphemia"/>
-        <a:font script="Cher" typeface="Plantagenet Cherokee"/>
-        <a:font script="Yiii" typeface="Microsoft Yi Baiti"/>
-        <a:font script="Tibt" typeface="Microsoft Himalaya"/>
-        <a:font script="Thaa" typeface="MV Boli"/>
-        <a:font script="Deva" typeface="Mangal"/>
-        <a:font script="Telu" typeface="Gautami"/>
-        <a:font script="Taml" typeface="Latha"/>
-        <a:font script="Syrc" typeface="Estrangelo Edessa"/>
-        <a:font script="Orya" typeface="Kalinga"/>
-        <a:font script="Mlym" typeface="Kartika"/>
-        <a:font script="Laoo" typeface="DokChampa"/>
-        <a:font script="Sinh" typeface="Iskoola Pota"/>
-        <a:font script="Mong" typeface="Mongolian Baiti"/>
-        <a:font script="Viet" typeface="Arial"/>
-        <a:font script="Uigh" typeface="Microsoft Uighur"/>
-        <a:font script="Geor" typeface="Sylfaen"/>
-      </a:minorFont>
-    </a:fontScheme>
-    <a:fmtScheme name="Office">
-      <a:fillStyleLst>
-        <a:solidFill>
-          <a:schemeClr val="phClr"/>
-        </a:solidFill>
-        <a:gradFill rotWithShape="1">
-          <a:gsLst>
-            <a:gs pos="0">
-              <a:schemeClr val="phClr">
-                <a:tint val="50000"/>
-                <a:satMod val="300000"/>
-              </a:schemeClr>
-            </a:gs>
-            <a:gs pos="35000">
-              <a:schemeClr val="phClr">
-                <a:tint val="37000"/>
-                <a:satMod val="300000"/>
-              </a:schemeClr>
-            </a:gs>
-            <a:gs pos="100000">
-              <a:schemeClr val="phClr">
-                <a:tint val="15000"/>
-                <a:satMod val="350000"/>
-              </a:schemeClr>
-            </a:gs>
-          </a:gsLst>
-          <a:lin ang="16200000" scaled="1"/>
-        </a:gradFill>
-        <a:gradFill rotWithShape="1">
-          <a:gsLst>
-            <a:gs pos="0">
-              <a:schemeClr val="phClr">
-                <a:tint val="100000"/>
-                <a:shade val="100000"/>
-                <a:satMod val="130000"/>
-              </a:schemeClr>
-            </a:gs>
-            <a:gs pos="100000">
-              <a:schemeClr val="phClr">
-                <a:tint val="50000"/>
-                <a:shade val="100000"/>
-                <a:satMod val="350000"/>
-              </a:schemeClr>
-            </a:gs>
-          </a:gsLst>
-          <a:lin ang="16200000" scaled="0"/>
-        </a:gradFill>
-      </a:fillStyleLst>
-      <a:lnStyleLst>
-        <a:ln w="9525" cap="flat" cmpd="sng" algn="ctr">
-          <a:solidFill>
-            <a:schemeClr val="phClr">
-              <a:shade val="95000"/>
-              <a:satMod val="105000"/>
-            </a:schemeClr>
-          </a:solidFill>
-          <a:prstDash val="solid"/>
-        </a:ln>
-        <a:ln w="25400" cap="flat" cmpd="sng" algn="ctr">
-          <a:solidFill>
-            <a:schemeClr val="phClr"/>
-          </a:solidFill>
-          <a:prstDash val="solid"/>
-        </a:ln>
-        <a:ln w="38100" cap="flat" cmpd="sng" algn="ctr">
-          <a:solidFill>
-            <a:schemeClr val="phClr"/>
-          </a:solidFill>
-          <a:prstDash val="solid"/>
-        </a:ln>
-      </a:lnStyleLst>
-      <a:effectStyleLst>
-        <a:effectStyle>
-          <a:effectLst>
-            <a:outerShdw blurRad="40000" dist="20000" dir="5400000" rotWithShape="0">
-              <a:srgbClr val="000000">
-                <a:alpha val="38000"/>
-              </a:srgbClr>
-            </a:outerShdw>
-          </a:effectLst>
-        </a:effectStyle>
-        <a:effectStyle>
-          <a:effectLst>
-            <a:outerShdw blurRad="40000" dist="23000" dir="5400000" rotWithShape="0">
-              <a:srgbClr val="000000">
-                <a:alpha val="35000"/>
-              </a:srgbClr>
-            </a:outerShdw>
-          </a:effectLst>
-        </a:effectStyle>
-        <a:effectStyle>
-          <a:effectLst>
-            <a:outerShdw blurRad="40000" dist="23000" dir="5400000" rotWithShape="0">
-              <a:srgbClr val="000000">
-                <a:alpha val="35000"/>
-              </a:srgbClr>
-            </a:outerShdw>
-          </a:effectLst>
-          <a:scene3d>
-            <a:camera prst="orthographicFront">
-              <a:rot lat="0" lon="0" rev="0"/>
-            </a:camera>
-            <a:lightRig rig="threePt" dir="t">
-              <a:rot lat="0" lon="0" rev="1200000"/>
-            </a:lightRig>
-          </a:scene3d>
-          <a:sp3d>
-            <a:bevelT w="63500" h="25400"/>
-          </a:sp3d>
-        </a:effectStyle>
-      </a:effectStyleLst>
-      <a:bgFillStyleLst>
-        <a:solidFill>
-          <a:schemeClr val="phClr"/>
-        </a:solidFill>
-        <a:gradFill rotWithShape="1">
-          <a:gsLst>
-            <a:gs pos="0">
-              <a:schemeClr val="phClr">
-                <a:tint val="40000"/>
-                <a:satMod val="350000"/>
-              </a:schemeClr>
-            </a:gs>
-            <a:gs pos="40000">
-              <a:schemeClr val="phClr">
-                <a:tint val="45000"/>
-                <a:shade val="99000"/>
-                <a:satMod val="350000"/>
-              </a:schemeClr>
-            </a:gs>
-            <a:gs pos="100000">
-              <a:schemeClr val="phClr">
-                <a:shade val="20000"/>
-                <a:satMod val="255000"/>
-              </a:schemeClr>
-            </a:gs>
-          </a:gsLst>
-          <a:path path="circle">
-            <a:fillToRect l="50000" t="-80000" r="50000" b="180000"/>
-          </a:path>
-        </a:gradFill>
-        <a:gradFill rotWithShape="1">
-          <a:gsLst>
-            <a:gs pos="0">
-              <a:schemeClr val="phClr">
-                <a:tint val="80000"/>
-                <a:satMod val="300000"/>
-              </a:schemeClr>
-            </a:gs>
-            <a:gs pos="100000">
-              <a:schemeClr val="phClr">
-                <a:shade val="30000"/>
-                <a:satMod val="200000"/>
-              </a:schemeClr>
-            </a:gs>
-          </a:gsLst>
-          <a:path path="circle">
-            <a:fillToRect l="50000" t="50000" r="50000" b="50000"/>
-          </a:path>
-        </a:gradFill>
-      </a:bgFillStyleLst>
-    </a:fmtScheme>
-  </a:themeElements>
+  <a:objectDefaults/>
+  <a:extraClrSchemeLst/>
 </a:theme>
 </file>